--- a/modules/vuln_classes/vuln_classes.pptx
+++ b/modules/vuln_classes/vuln_classes.pptx
@@ -16022,7 +16022,7 @@
           <a:p>
             <a:fld id="{2DA23E8D-1792-1541-9147-970A8DD8A355}" type="datetimeFigureOut">
               <a:rPr lang="en-US" smtClean="0"/>
-              <a:t>5/22/21</a:t>
+              <a:t>7/19/21</a:t>
             </a:fld>
             <a:endParaRPr lang="en-US" dirty="0"/>
           </a:p>
@@ -16492,7 +16492,7 @@
                 <a:latin typeface="Calibri"/>
               </a:rPr>
               <a:pPr/>
-              <a:t>5/22/21</a:t>
+              <a:t>7/19/21</a:t>
             </a:fld>
             <a:endParaRPr lang="en-US" dirty="0">
               <a:solidFill>
@@ -16745,7 +16745,7 @@
                 <a:latin typeface="Calibri"/>
               </a:rPr>
               <a:pPr/>
-              <a:t>5/22/21</a:t>
+              <a:t>7/19/21</a:t>
             </a:fld>
             <a:endParaRPr lang="en-US" dirty="0">
               <a:solidFill>
@@ -16960,7 +16960,7 @@
                 <a:latin typeface="Calibri"/>
               </a:rPr>
               <a:pPr/>
-              <a:t>5/22/21</a:t>
+              <a:t>7/19/21</a:t>
             </a:fld>
             <a:endParaRPr lang="en-US" dirty="0">
               <a:solidFill>
@@ -17244,7 +17244,7 @@
                 <a:latin typeface="Calibri"/>
               </a:rPr>
               <a:pPr/>
-              <a:t>5/22/21</a:t>
+              <a:t>7/19/21</a:t>
             </a:fld>
             <a:endParaRPr lang="en-US" dirty="0">
               <a:solidFill>
@@ -17586,7 +17586,7 @@
                 <a:latin typeface="Calibri"/>
               </a:rPr>
               <a:pPr/>
-              <a:t>5/22/21</a:t>
+              <a:t>7/19/21</a:t>
             </a:fld>
             <a:endParaRPr lang="en-US" dirty="0">
               <a:solidFill>
@@ -17914,7 +17914,7 @@
                 <a:latin typeface="Calibri"/>
               </a:rPr>
               <a:pPr/>
-              <a:t>5/22/21</a:t>
+              <a:t>7/19/21</a:t>
             </a:fld>
             <a:endParaRPr lang="en-US" dirty="0">
               <a:solidFill>
@@ -18403,7 +18403,7 @@
                 <a:latin typeface="Calibri"/>
               </a:rPr>
               <a:pPr/>
-              <a:t>5/22/21</a:t>
+              <a:t>7/19/21</a:t>
             </a:fld>
             <a:endParaRPr lang="en-US" dirty="0">
               <a:solidFill>
@@ -18586,7 +18586,7 @@
                 <a:latin typeface="Calibri"/>
               </a:rPr>
               <a:pPr/>
-              <a:t>5/22/21</a:t>
+              <a:t>7/19/21</a:t>
             </a:fld>
             <a:endParaRPr lang="en-US" dirty="0">
               <a:solidFill>
@@ -18832,7 +18832,7 @@
                 <a:latin typeface="Calibri"/>
               </a:rPr>
               <a:pPr/>
-              <a:t>5/22/21</a:t>
+              <a:t>7/19/21</a:t>
             </a:fld>
             <a:endParaRPr lang="en-US" dirty="0">
               <a:solidFill>
@@ -19174,7 +19174,7 @@
                 <a:latin typeface="Calibri"/>
               </a:rPr>
               <a:pPr/>
-              <a:t>5/22/21</a:t>
+              <a:t>7/19/21</a:t>
             </a:fld>
             <a:endParaRPr lang="en-US" dirty="0">
               <a:solidFill>
@@ -19466,7 +19466,7 @@
                 <a:latin typeface="Calibri"/>
               </a:rPr>
               <a:pPr/>
-              <a:t>5/22/21</a:t>
+              <a:t>7/19/21</a:t>
             </a:fld>
             <a:endParaRPr lang="en-US" dirty="0">
               <a:solidFill>
@@ -19716,7 +19716,7 @@
                 <a:latin typeface="Calibri"/>
               </a:rPr>
               <a:pPr defTabSz="914400"/>
-              <a:t>5/22/21</a:t>
+              <a:t>7/19/21</a:t>
             </a:fld>
             <a:endParaRPr lang="en-US" dirty="0">
               <a:solidFill>
@@ -22074,71 +22074,116 @@
           <a:p>
             <a:r>
               <a:rPr lang="en-US" dirty="0"/>
-              <a:t>Writing outside of the range of the specified buffer</a:t>
-            </a:r>
-          </a:p>
-          <a:p>
+              <a:t>Writing outside of the range of the specified buffer to corrupt data around it</a:t>
+            </a:r>
+          </a:p>
+          <a:p>
+            <a:r>
+              <a:rPr lang="en-US" dirty="0"/>
+              <a:t>What’s the difference? </a:t>
+            </a:r>
+          </a:p>
+          <a:p>
+            <a:pPr lvl="1"/>
             <a:r>
               <a:rPr lang="en-US" dirty="0"/>
               <a:t>Corrupt prev_size, size (+metadata), fd and bk pointers</a:t>
             </a:r>
           </a:p>
           <a:p>
-            <a:r>
-              <a:rPr lang="en-US"/>
-              <a:t>Nothing new…</a:t>
-            </a:r>
-            <a:endParaRPr lang="en-US" dirty="0"/>
+            <a:pPr lvl="1"/>
+            <a:r>
+              <a:rPr lang="en-US" dirty="0"/>
+              <a:t>Instead of RIP on stack</a:t>
+            </a:r>
           </a:p>
         </p:txBody>
       </p:sp>
       <p:pic>
         <p:nvPicPr>
-          <p:cNvPr id="5122" name="Picture 2" descr="Cartoon Bomb Free Vector Art - (296 Free Downloads)">
+          <p:cNvPr id="5" name="Graphic 4">
             <a:extLst>
               <a:ext uri="{FF2B5EF4-FFF2-40B4-BE49-F238E27FC236}">
-                <a16:creationId xmlns:a16="http://schemas.microsoft.com/office/drawing/2014/main" id="{F8CF51EF-9328-B446-BCFB-FFBCD7DA7480}"/>
+                <a16:creationId xmlns:a16="http://schemas.microsoft.com/office/drawing/2014/main" id="{FD77701A-A0C1-8E4F-8D96-4221261FFD4E}"/>
               </a:ext>
             </a:extLst>
           </p:cNvPr>
           <p:cNvPicPr>
-            <a:picLocks noChangeAspect="1" noChangeArrowheads="1"/>
+            <a:picLocks noChangeAspect="1"/>
           </p:cNvPicPr>
           <p:nvPr/>
         </p:nvPicPr>
         <p:blipFill>
           <a:blip r:embed="rId2">
             <a:extLst>
-              <a:ext uri="{28A0092B-C50C-407E-A947-70E740481C1C}">
-                <a14:useLocalDpi xmlns:a14="http://schemas.microsoft.com/office/drawing/2010/main" val="0"/>
+              <a:ext uri="{96DAC541-7B7A-43D3-8B79-37D633B846F1}">
+                <asvg:svgBlip xmlns:asvg="http://schemas.microsoft.com/office/drawing/2016/SVG/main" r:embed="rId3"/>
               </a:ext>
             </a:extLst>
           </a:blip>
-          <a:srcRect/>
           <a:stretch>
             <a:fillRect/>
           </a:stretch>
         </p:blipFill>
-        <p:spPr bwMode="auto">
+        <p:spPr>
           <a:xfrm>
-            <a:off x="5679643" y="1397000"/>
-            <a:ext cx="2349500" cy="2349500"/>
+            <a:off x="5347266" y="1156666"/>
+            <a:ext cx="3698411" cy="3193164"/>
           </a:xfrm>
           <a:prstGeom prst="rect">
             <a:avLst/>
           </a:prstGeom>
-          <a:noFill/>
-          <a:extLst>
-            <a:ext uri="{909E8E84-426E-40DD-AFC4-6F175D3DCCD1}">
-              <a14:hiddenFill xmlns:a14="http://schemas.microsoft.com/office/drawing/2010/main">
-                <a:solidFill>
-                  <a:srgbClr val="FFFFFF"/>
-                </a:solidFill>
-              </a14:hiddenFill>
-            </a:ext>
-          </a:extLst>
         </p:spPr>
       </p:pic>
+      <p:sp>
+        <p:nvSpPr>
+          <p:cNvPr id="8" name="Down Arrow 7">
+            <a:extLst>
+              <a:ext uri="{FF2B5EF4-FFF2-40B4-BE49-F238E27FC236}">
+                <a16:creationId xmlns:a16="http://schemas.microsoft.com/office/drawing/2014/main" id="{1D893C04-18DF-8147-B9B2-8D1C3C415735}"/>
+              </a:ext>
+            </a:extLst>
+          </p:cNvPr>
+          <p:cNvSpPr/>
+          <p:nvPr/>
+        </p:nvSpPr>
+        <p:spPr>
+          <a:xfrm>
+            <a:off x="8433117" y="1544714"/>
+            <a:ext cx="612560" cy="2805116"/>
+          </a:xfrm>
+          <a:prstGeom prst="downArrow">
+            <a:avLst/>
+          </a:prstGeom>
+          <a:solidFill>
+            <a:srgbClr val="FF0000"/>
+          </a:solidFill>
+        </p:spPr>
+        <p:style>
+          <a:lnRef idx="2">
+            <a:schemeClr val="accent1">
+              <a:shade val="50000"/>
+            </a:schemeClr>
+          </a:lnRef>
+          <a:fillRef idx="1">
+            <a:schemeClr val="accent1"/>
+          </a:fillRef>
+          <a:effectRef idx="0">
+            <a:schemeClr val="accent1"/>
+          </a:effectRef>
+          <a:fontRef idx="minor">
+            <a:schemeClr val="lt1"/>
+          </a:fontRef>
+        </p:style>
+        <p:txBody>
+          <a:bodyPr rtlCol="0" anchor="ctr"/>
+          <a:lstStyle/>
+          <a:p>
+            <a:pPr algn="ctr"/>
+            <a:endParaRPr lang="en-US"/>
+          </a:p>
+        </p:txBody>
+      </p:sp>
     </p:spTree>
     <p:extLst>
       <p:ext uri="{BB962C8B-B14F-4D97-AF65-F5344CB8AC3E}">

--- a/modules/vuln_classes/vuln_classes.pptx
+++ b/modules/vuln_classes/vuln_classes.pptx
@@ -5201,7 +5201,7 @@
   <dgm:whole/>
   <dgm:extLst>
     <a:ext uri="http://schemas.microsoft.com/office/drawing/2008/diagram">
-      <dsp:dataModelExt xmlns:dsp="http://schemas.microsoft.com/office/drawing/2008/diagram" relId="rId6" minVer="http://schemas.openxmlformats.org/drawingml/2006/diagram"/>
+      <dsp:dataModelExt xmlns:dsp="http://schemas.microsoft.com/office/drawing/2008/diagram" relId="rId7" minVer="http://schemas.openxmlformats.org/drawingml/2006/diagram"/>
     </a:ext>
   </dgm:extLst>
 </dgm:dataModel>
@@ -16022,7 +16022,7 @@
           <a:p>
             <a:fld id="{2DA23E8D-1792-1541-9147-970A8DD8A355}" type="datetimeFigureOut">
               <a:rPr lang="en-US" smtClean="0"/>
-              <a:t>7/19/21</a:t>
+              <a:t>7/21/21</a:t>
             </a:fld>
             <a:endParaRPr lang="en-US" dirty="0"/>
           </a:p>
@@ -16287,6 +16287,93 @@
     </a:lvl9pPr>
   </p:notesStyle>
 </p:notesMaster>
+</file>
+
+<file path=ppt/notesSlides/notesSlide1.xml><?xml version="1.0" encoding="utf-8"?>
+<p:notes xmlns:a="http://schemas.openxmlformats.org/drawingml/2006/main" xmlns:r="http://schemas.openxmlformats.org/officeDocument/2006/relationships" xmlns:p="http://schemas.openxmlformats.org/presentationml/2006/main">
+  <p:cSld>
+    <p:spTree>
+      <p:nvGrpSpPr>
+        <p:cNvPr id="1" name=""/>
+        <p:cNvGrpSpPr/>
+        <p:nvPr/>
+      </p:nvGrpSpPr>
+      <p:grpSpPr>
+        <a:xfrm>
+          <a:off x="0" y="0"/>
+          <a:ext cx="0" cy="0"/>
+          <a:chOff x="0" y="0"/>
+          <a:chExt cx="0" cy="0"/>
+        </a:xfrm>
+      </p:grpSpPr>
+      <p:sp>
+        <p:nvSpPr>
+          <p:cNvPr id="2" name="Slide Image Placeholder 1"/>
+          <p:cNvSpPr>
+            <a:spLocks noGrp="1" noRot="1" noChangeAspect="1"/>
+          </p:cNvSpPr>
+          <p:nvPr>
+            <p:ph type="sldImg"/>
+          </p:nvPr>
+        </p:nvSpPr>
+        <p:spPr/>
+      </p:sp>
+      <p:sp>
+        <p:nvSpPr>
+          <p:cNvPr id="3" name="Notes Placeholder 2"/>
+          <p:cNvSpPr>
+            <a:spLocks noGrp="1"/>
+          </p:cNvSpPr>
+          <p:nvPr>
+            <p:ph type="body" idx="1"/>
+          </p:nvPr>
+        </p:nvSpPr>
+        <p:spPr/>
+        <p:txBody>
+          <a:bodyPr/>
+          <a:lstStyle/>
+          <a:p>
+            <a:r>
+              <a:rPr lang="en-US" dirty="0"/>
+              <a:t>Questions?</a:t>
+            </a:r>
+          </a:p>
+        </p:txBody>
+      </p:sp>
+      <p:sp>
+        <p:nvSpPr>
+          <p:cNvPr id="4" name="Slide Number Placeholder 3"/>
+          <p:cNvSpPr>
+            <a:spLocks noGrp="1"/>
+          </p:cNvSpPr>
+          <p:nvPr>
+            <p:ph type="sldNum" sz="quarter" idx="5"/>
+          </p:nvPr>
+        </p:nvSpPr>
+        <p:spPr/>
+        <p:txBody>
+          <a:bodyPr/>
+          <a:lstStyle/>
+          <a:p>
+            <a:fld id="{AC55928C-CD14-454C-B617-1AFCF9A58596}" type="slidenum">
+              <a:rPr lang="en-US" smtClean="0"/>
+              <a:t>18</a:t>
+            </a:fld>
+            <a:endParaRPr lang="en-US" dirty="0"/>
+          </a:p>
+        </p:txBody>
+      </p:sp>
+    </p:spTree>
+    <p:extLst>
+      <p:ext uri="{BB962C8B-B14F-4D97-AF65-F5344CB8AC3E}">
+        <p14:creationId xmlns:p14="http://schemas.microsoft.com/office/powerpoint/2010/main" val="2404414752"/>
+      </p:ext>
+    </p:extLst>
+  </p:cSld>
+  <p:clrMapOvr>
+    <a:masterClrMapping/>
+  </p:clrMapOvr>
+</p:notes>
 </file>
 
 <file path=ppt/slideLayouts/slideLayout1.xml><?xml version="1.0" encoding="utf-8"?>
@@ -16492,7 +16579,7 @@
                 <a:latin typeface="Calibri"/>
               </a:rPr>
               <a:pPr/>
-              <a:t>7/19/21</a:t>
+              <a:t>7/21/21</a:t>
             </a:fld>
             <a:endParaRPr lang="en-US" dirty="0">
               <a:solidFill>
@@ -16745,7 +16832,7 @@
                 <a:latin typeface="Calibri"/>
               </a:rPr>
               <a:pPr/>
-              <a:t>7/19/21</a:t>
+              <a:t>7/21/21</a:t>
             </a:fld>
             <a:endParaRPr lang="en-US" dirty="0">
               <a:solidFill>
@@ -16960,7 +17047,7 @@
                 <a:latin typeface="Calibri"/>
               </a:rPr>
               <a:pPr/>
-              <a:t>7/19/21</a:t>
+              <a:t>7/21/21</a:t>
             </a:fld>
             <a:endParaRPr lang="en-US" dirty="0">
               <a:solidFill>
@@ -17244,7 +17331,7 @@
                 <a:latin typeface="Calibri"/>
               </a:rPr>
               <a:pPr/>
-              <a:t>7/19/21</a:t>
+              <a:t>7/21/21</a:t>
             </a:fld>
             <a:endParaRPr lang="en-US" dirty="0">
               <a:solidFill>
@@ -17586,7 +17673,7 @@
                 <a:latin typeface="Calibri"/>
               </a:rPr>
               <a:pPr/>
-              <a:t>7/19/21</a:t>
+              <a:t>7/21/21</a:t>
             </a:fld>
             <a:endParaRPr lang="en-US" dirty="0">
               <a:solidFill>
@@ -17914,7 +18001,7 @@
                 <a:latin typeface="Calibri"/>
               </a:rPr>
               <a:pPr/>
-              <a:t>7/19/21</a:t>
+              <a:t>7/21/21</a:t>
             </a:fld>
             <a:endParaRPr lang="en-US" dirty="0">
               <a:solidFill>
@@ -18403,7 +18490,7 @@
                 <a:latin typeface="Calibri"/>
               </a:rPr>
               <a:pPr/>
-              <a:t>7/19/21</a:t>
+              <a:t>7/21/21</a:t>
             </a:fld>
             <a:endParaRPr lang="en-US" dirty="0">
               <a:solidFill>
@@ -18586,7 +18673,7 @@
                 <a:latin typeface="Calibri"/>
               </a:rPr>
               <a:pPr/>
-              <a:t>7/19/21</a:t>
+              <a:t>7/21/21</a:t>
             </a:fld>
             <a:endParaRPr lang="en-US" dirty="0">
               <a:solidFill>
@@ -18832,7 +18919,7 @@
                 <a:latin typeface="Calibri"/>
               </a:rPr>
               <a:pPr/>
-              <a:t>7/19/21</a:t>
+              <a:t>7/21/21</a:t>
             </a:fld>
             <a:endParaRPr lang="en-US" dirty="0">
               <a:solidFill>
@@ -19174,7 +19261,7 @@
                 <a:latin typeface="Calibri"/>
               </a:rPr>
               <a:pPr/>
-              <a:t>7/19/21</a:t>
+              <a:t>7/21/21</a:t>
             </a:fld>
             <a:endParaRPr lang="en-US" dirty="0">
               <a:solidFill>
@@ -19466,7 +19553,7 @@
                 <a:latin typeface="Calibri"/>
               </a:rPr>
               <a:pPr/>
-              <a:t>7/19/21</a:t>
+              <a:t>7/21/21</a:t>
             </a:fld>
             <a:endParaRPr lang="en-US" dirty="0">
               <a:solidFill>
@@ -19716,7 +19803,7 @@
                 <a:latin typeface="Calibri"/>
               </a:rPr>
               <a:pPr defTabSz="914400"/>
-              <a:t>7/19/21</a:t>
+              <a:t>7/21/21</a:t>
             </a:fld>
             <a:endParaRPr lang="en-US" dirty="0">
               <a:solidFill>
@@ -21840,7 +21927,7 @@
         </p:xfrm>
         <a:graphic>
           <a:graphicData uri="http://schemas.openxmlformats.org/drawingml/2006/diagram">
-            <dgm:relIds xmlns:dgm="http://schemas.openxmlformats.org/drawingml/2006/diagram" xmlns:r="http://schemas.openxmlformats.org/officeDocument/2006/relationships" r:dm="rId2" r:lo="rId3" r:qs="rId4" r:cs="rId5"/>
+            <dgm:relIds xmlns:dgm="http://schemas.openxmlformats.org/drawingml/2006/diagram" xmlns:r="http://schemas.openxmlformats.org/officeDocument/2006/relationships" r:dm="rId3" r:lo="rId4" r:qs="rId5" r:cs="rId6"/>
           </a:graphicData>
         </a:graphic>
       </p:graphicFrame>
@@ -26857,13 +26944,24 @@
         <p:spPr/>
         <p:txBody>
           <a:bodyPr>
-            <a:normAutofit lnSpcReduction="10000"/>
+            <a:normAutofit fontScale="92500" lnSpcReduction="10000"/>
           </a:bodyPr>
           <a:lstStyle/>
           <a:p>
             <a:r>
               <a:rPr lang="en-US" dirty="0"/>
-              <a:t>Use After Free (UAF) challenge</a:t>
+              <a:t>Use After Free (UAF) challenge:</a:t>
+            </a:r>
+          </a:p>
+          <a:p>
+            <a:pPr lvl="1"/>
+            <a:r>
+              <a:rPr lang="en-US" i="1" dirty="0" err="1"/>
+              <a:t>vuln_classes</a:t>
+            </a:r>
+            <a:r>
+              <a:rPr lang="en-US" i="1" dirty="0"/>
+              <a:t>/exercise1</a:t>
             </a:r>
           </a:p>
           <a:p>

--- a/modules/vuln_classes/vuln_classes.pptx
+++ b/modules/vuln_classes/vuln_classes.pptx
@@ -5719,186 +5719,6 @@
         </a:p>
       </dgm:t>
     </dgm:pt>
-    <dgm:pt modelId="{8C99D4DA-F6F1-44D8-A16E-DC273F22E3C0}">
-      <dgm:prSet/>
-      <dgm:spPr/>
-      <dgm:t>
-        <a:bodyPr/>
-        <a:lstStyle/>
-        <a:p>
-          <a:r>
-            <a:rPr lang="en-US" dirty="0" err="1"/>
-            <a:t>intro_to_malloc</a:t>
-          </a:r>
-          <a:r>
-            <a:rPr lang="en-US" dirty="0"/>
-            <a:t>/</a:t>
-          </a:r>
-          <a:r>
-            <a:rPr lang="en-US" dirty="0" err="1"/>
-            <a:t>double_free_playground</a:t>
-          </a:r>
-          <a:r>
-            <a:rPr lang="en-US" dirty="0"/>
-            <a:t> </a:t>
-          </a:r>
-        </a:p>
-      </dgm:t>
-    </dgm:pt>
-    <dgm:pt modelId="{1D7B1180-6627-44F7-99C4-D6B27026B5CF}" type="parTrans" cxnId="{01C48962-CAA8-436C-9EB1-1CA0F8F0A97D}">
-      <dgm:prSet/>
-      <dgm:spPr/>
-      <dgm:t>
-        <a:bodyPr/>
-        <a:lstStyle/>
-        <a:p>
-          <a:endParaRPr lang="en-US"/>
-        </a:p>
-      </dgm:t>
-    </dgm:pt>
-    <dgm:pt modelId="{3D2B9EFC-C937-4C22-873C-CED19BF8900F}" type="sibTrans" cxnId="{01C48962-CAA8-436C-9EB1-1CA0F8F0A97D}">
-      <dgm:prSet/>
-      <dgm:spPr/>
-      <dgm:t>
-        <a:bodyPr/>
-        <a:lstStyle/>
-        <a:p>
-          <a:endParaRPr lang="en-US"/>
-        </a:p>
-      </dgm:t>
-    </dgm:pt>
-    <dgm:pt modelId="{37C8108C-52B2-4892-AD09-6DECA7C5538C}">
-      <dgm:prSet/>
-      <dgm:spPr/>
-      <dgm:t>
-        <a:bodyPr/>
-        <a:lstStyle/>
-        <a:p>
-          <a:r>
-            <a:rPr lang="en-US" dirty="0"/>
-            <a:t>An assortment of double free bypass attempts</a:t>
-          </a:r>
-        </a:p>
-      </dgm:t>
-    </dgm:pt>
-    <dgm:pt modelId="{F32DE98C-F6DA-4AD6-BB0E-D0E8D50E12C3}" type="parTrans" cxnId="{B445881A-D287-42D7-9BC5-2CDB94B1BB71}">
-      <dgm:prSet/>
-      <dgm:spPr/>
-      <dgm:t>
-        <a:bodyPr/>
-        <a:lstStyle/>
-        <a:p>
-          <a:endParaRPr lang="en-US"/>
-        </a:p>
-      </dgm:t>
-    </dgm:pt>
-    <dgm:pt modelId="{A077CF9A-3D88-4455-B76A-6C8BE4A1C3F0}" type="sibTrans" cxnId="{B445881A-D287-42D7-9BC5-2CDB94B1BB71}">
-      <dgm:prSet/>
-      <dgm:spPr/>
-      <dgm:t>
-        <a:bodyPr/>
-        <a:lstStyle/>
-        <a:p>
-          <a:endParaRPr lang="en-US"/>
-        </a:p>
-      </dgm:t>
-    </dgm:pt>
-    <dgm:pt modelId="{C6D3F9C6-5031-4647-817B-FE37E59912BD}">
-      <dgm:prSet/>
-      <dgm:spPr/>
-      <dgm:t>
-        <a:bodyPr/>
-        <a:lstStyle/>
-        <a:p>
-          <a:r>
-            <a:rPr lang="en-US" dirty="0" err="1"/>
-            <a:t>Fastbin</a:t>
-          </a:r>
-          <a:r>
-            <a:rPr lang="en-US" dirty="0"/>
-            <a:t> </a:t>
-          </a:r>
-          <a:r>
-            <a:rPr lang="en-US" dirty="0" err="1"/>
-            <a:t>dupping</a:t>
-          </a:r>
-          <a:r>
-            <a:rPr lang="en-US" dirty="0"/>
-            <a:t>, </a:t>
-          </a:r>
-          <a:r>
-            <a:rPr lang="en-US" dirty="0" err="1"/>
-            <a:t>botcake</a:t>
-          </a:r>
-          <a:r>
-            <a:rPr lang="en-US" dirty="0"/>
-            <a:t>…</a:t>
-          </a:r>
-        </a:p>
-      </dgm:t>
-    </dgm:pt>
-    <dgm:pt modelId="{48A6F689-334B-DA46-BF1A-83E8DA1F960D}" type="parTrans" cxnId="{ADE1E07A-B35D-994D-95B5-5430FECE5D63}">
-      <dgm:prSet/>
-      <dgm:spPr/>
-      <dgm:t>
-        <a:bodyPr/>
-        <a:lstStyle/>
-        <a:p>
-          <a:endParaRPr lang="en-US"/>
-        </a:p>
-      </dgm:t>
-    </dgm:pt>
-    <dgm:pt modelId="{B39A4A7C-913B-BC49-953B-869C96895F58}" type="sibTrans" cxnId="{ADE1E07A-B35D-994D-95B5-5430FECE5D63}">
-      <dgm:prSet/>
-      <dgm:spPr/>
-      <dgm:t>
-        <a:bodyPr/>
-        <a:lstStyle/>
-        <a:p>
-          <a:endParaRPr lang="en-US"/>
-        </a:p>
-      </dgm:t>
-    </dgm:pt>
-    <dgm:pt modelId="{013E167E-10C4-3D40-98C9-25323369007E}">
-      <dgm:prSet/>
-      <dgm:spPr/>
-      <dgm:t>
-        <a:bodyPr/>
-        <a:lstStyle/>
-        <a:p>
-          <a:r>
-            <a:rPr lang="en-US" dirty="0" err="1"/>
-            <a:t>setup.py</a:t>
-          </a:r>
-          <a:r>
-            <a:rPr lang="en-US" dirty="0"/>
-            <a:t> 0|1|2|3|4|5 for different challenges</a:t>
-          </a:r>
-        </a:p>
-      </dgm:t>
-    </dgm:pt>
-    <dgm:pt modelId="{55A7A3DC-8DDF-504B-B60C-4805C264DB47}" type="parTrans" cxnId="{74B3E3C9-8130-DC4F-9221-109A9D690BBC}">
-      <dgm:prSet/>
-      <dgm:spPr/>
-      <dgm:t>
-        <a:bodyPr/>
-        <a:lstStyle/>
-        <a:p>
-          <a:endParaRPr lang="en-US"/>
-        </a:p>
-      </dgm:t>
-    </dgm:pt>
-    <dgm:pt modelId="{82ECF637-3AFC-F44F-B803-D170B6E3A898}" type="sibTrans" cxnId="{74B3E3C9-8130-DC4F-9221-109A9D690BBC}">
-      <dgm:prSet/>
-      <dgm:spPr/>
-      <dgm:t>
-        <a:bodyPr/>
-        <a:lstStyle/>
-        <a:p>
-          <a:endParaRPr lang="en-US"/>
-        </a:p>
-      </dgm:t>
-    </dgm:pt>
     <dgm:pt modelId="{E79FF6D8-187D-AF46-A60F-E2EC4DF3C509}">
       <dgm:prSet/>
       <dgm:spPr/>
@@ -5936,7 +5756,7 @@
       <dgm:spPr/>
     </dgm:pt>
     <dgm:pt modelId="{75781FCE-2E26-AF49-B62D-DCE486BA0144}" type="pres">
-      <dgm:prSet presAssocID="{3FF505BE-4F4D-4644-992F-78B308354C3E}" presName="parTx" presStyleLbl="alignNode1" presStyleIdx="0" presStyleCnt="2">
+      <dgm:prSet presAssocID="{3FF505BE-4F4D-4644-992F-78B308354C3E}" presName="parTx" presStyleLbl="alignNode1" presStyleIdx="0" presStyleCnt="1">
         <dgm:presLayoutVars>
           <dgm:chMax val="0"/>
           <dgm:chPref val="0"/>
@@ -5946,33 +5766,7 @@
       <dgm:spPr/>
     </dgm:pt>
     <dgm:pt modelId="{D32A4789-5DC8-464D-81D4-1C9B94C49C06}" type="pres">
-      <dgm:prSet presAssocID="{3FF505BE-4F4D-4644-992F-78B308354C3E}" presName="desTx" presStyleLbl="alignAccFollowNode1" presStyleIdx="0" presStyleCnt="2">
-        <dgm:presLayoutVars>
-          <dgm:bulletEnabled val="1"/>
-        </dgm:presLayoutVars>
-      </dgm:prSet>
-      <dgm:spPr/>
-    </dgm:pt>
-    <dgm:pt modelId="{8641971C-1D93-5541-8B01-8C06216C3B4C}" type="pres">
-      <dgm:prSet presAssocID="{B3D24208-A5E9-45E5-A217-1AA1259C3526}" presName="space" presStyleCnt="0"/>
-      <dgm:spPr/>
-    </dgm:pt>
-    <dgm:pt modelId="{6C9015A8-7B97-ED40-9490-01C51CA0436B}" type="pres">
-      <dgm:prSet presAssocID="{8C99D4DA-F6F1-44D8-A16E-DC273F22E3C0}" presName="composite" presStyleCnt="0"/>
-      <dgm:spPr/>
-    </dgm:pt>
-    <dgm:pt modelId="{43A045CE-2C43-8A46-B201-0329A58067A3}" type="pres">
-      <dgm:prSet presAssocID="{8C99D4DA-F6F1-44D8-A16E-DC273F22E3C0}" presName="parTx" presStyleLbl="alignNode1" presStyleIdx="1" presStyleCnt="2">
-        <dgm:presLayoutVars>
-          <dgm:chMax val="0"/>
-          <dgm:chPref val="0"/>
-          <dgm:bulletEnabled val="1"/>
-        </dgm:presLayoutVars>
-      </dgm:prSet>
-      <dgm:spPr/>
-    </dgm:pt>
-    <dgm:pt modelId="{62A51FD6-0B17-0749-B941-F2DDBEE84721}" type="pres">
-      <dgm:prSet presAssocID="{8C99D4DA-F6F1-44D8-A16E-DC273F22E3C0}" presName="desTx" presStyleLbl="alignAccFollowNode1" presStyleIdx="1" presStyleCnt="2">
+      <dgm:prSet presAssocID="{3FF505BE-4F4D-4644-992F-78B308354C3E}" presName="desTx" presStyleLbl="alignAccFollowNode1" presStyleIdx="0" presStyleCnt="1">
         <dgm:presLayoutVars>
           <dgm:bulletEnabled val="1"/>
         </dgm:presLayoutVars>
@@ -5981,28 +5775,16 @@
     </dgm:pt>
   </dgm:ptLst>
   <dgm:cxnLst>
-    <dgm:cxn modelId="{B445881A-D287-42D7-9BC5-2CDB94B1BB71}" srcId="{8C99D4DA-F6F1-44D8-A16E-DC273F22E3C0}" destId="{37C8108C-52B2-4892-AD09-6DECA7C5538C}" srcOrd="0" destOrd="0" parTransId="{F32DE98C-F6DA-4AD6-BB0E-D0E8D50E12C3}" sibTransId="{A077CF9A-3D88-4455-B76A-6C8BE4A1C3F0}"/>
     <dgm:cxn modelId="{4F534B22-E5DB-A94A-90D9-C32DE67BEB61}" type="presOf" srcId="{697DD12B-4CE5-4058-9E6D-EF6F5FA19E7B}" destId="{D32A4789-5DC8-464D-81D4-1C9B94C49C06}" srcOrd="0" destOrd="0" presId="urn:microsoft.com/office/officeart/2005/8/layout/hList1"/>
     <dgm:cxn modelId="{118DEF3B-DC8F-6A46-9E4A-FCB884C154FB}" type="presOf" srcId="{E79FF6D8-187D-AF46-A60F-E2EC4DF3C509}" destId="{D32A4789-5DC8-464D-81D4-1C9B94C49C06}" srcOrd="0" destOrd="1" presId="urn:microsoft.com/office/officeart/2005/8/layout/hList1"/>
     <dgm:cxn modelId="{7BDB7A3C-BB70-4803-BFB6-42BD1DA3663F}" srcId="{16427C4D-A35D-4E04-9C4D-DC5B4705E00A}" destId="{3FF505BE-4F4D-4644-992F-78B308354C3E}" srcOrd="0" destOrd="0" parTransId="{890207EB-4BB4-4B7F-9DA9-BB76C31F8D02}" sibTransId="{B3D24208-A5E9-45E5-A217-1AA1259C3526}"/>
     <dgm:cxn modelId="{5B3C4349-757D-BB45-A524-D2788EF7EBDB}" type="presOf" srcId="{3FF505BE-4F4D-4644-992F-78B308354C3E}" destId="{75781FCE-2E26-AF49-B62D-DCE486BA0144}" srcOrd="0" destOrd="0" presId="urn:microsoft.com/office/officeart/2005/8/layout/hList1"/>
     <dgm:cxn modelId="{EDD6155F-5975-4E60-A85D-9F1D6667E844}" srcId="{3FF505BE-4F4D-4644-992F-78B308354C3E}" destId="{697DD12B-4CE5-4058-9E6D-EF6F5FA19E7B}" srcOrd="0" destOrd="0" parTransId="{21B9DC31-3D43-4EAE-9029-5E14B98300CD}" sibTransId="{68E220C0-5625-4D18-903A-62140B14FA2C}"/>
-    <dgm:cxn modelId="{01C48962-CAA8-436C-9EB1-1CA0F8F0A97D}" srcId="{16427C4D-A35D-4E04-9C4D-DC5B4705E00A}" destId="{8C99D4DA-F6F1-44D8-A16E-DC273F22E3C0}" srcOrd="1" destOrd="0" parTransId="{1D7B1180-6627-44F7-99C4-D6B27026B5CF}" sibTransId="{3D2B9EFC-C937-4C22-873C-CED19BF8900F}"/>
-    <dgm:cxn modelId="{96AF4573-F9BC-054B-9716-B25B3E41EB75}" type="presOf" srcId="{8C99D4DA-F6F1-44D8-A16E-DC273F22E3C0}" destId="{43A045CE-2C43-8A46-B201-0329A58067A3}" srcOrd="0" destOrd="0" presId="urn:microsoft.com/office/officeart/2005/8/layout/hList1"/>
-    <dgm:cxn modelId="{ADE1E07A-B35D-994D-95B5-5430FECE5D63}" srcId="{8C99D4DA-F6F1-44D8-A16E-DC273F22E3C0}" destId="{C6D3F9C6-5031-4647-817B-FE37E59912BD}" srcOrd="2" destOrd="0" parTransId="{48A6F689-334B-DA46-BF1A-83E8DA1F960D}" sibTransId="{B39A4A7C-913B-BC49-953B-869C96895F58}"/>
-    <dgm:cxn modelId="{70787E99-85C7-D749-9DD4-EBB585845C72}" type="presOf" srcId="{013E167E-10C4-3D40-98C9-25323369007E}" destId="{62A51FD6-0B17-0749-B941-F2DDBEE84721}" srcOrd="0" destOrd="1" presId="urn:microsoft.com/office/officeart/2005/8/layout/hList1"/>
-    <dgm:cxn modelId="{60F09DB1-670C-9441-BAF3-C22A6206E9BF}" type="presOf" srcId="{C6D3F9C6-5031-4647-817B-FE37E59912BD}" destId="{62A51FD6-0B17-0749-B941-F2DDBEE84721}" srcOrd="0" destOrd="2" presId="urn:microsoft.com/office/officeart/2005/8/layout/hList1"/>
-    <dgm:cxn modelId="{74B3E3C9-8130-DC4F-9221-109A9D690BBC}" srcId="{8C99D4DA-F6F1-44D8-A16E-DC273F22E3C0}" destId="{013E167E-10C4-3D40-98C9-25323369007E}" srcOrd="1" destOrd="0" parTransId="{55A7A3DC-8DDF-504B-B60C-4805C264DB47}" sibTransId="{82ECF637-3AFC-F44F-B803-D170B6E3A898}"/>
     <dgm:cxn modelId="{EBB0B2D4-898F-C84F-99CE-9775F564480C}" srcId="{3FF505BE-4F4D-4644-992F-78B308354C3E}" destId="{E79FF6D8-187D-AF46-A60F-E2EC4DF3C509}" srcOrd="1" destOrd="0" parTransId="{0B4032E5-02FC-4047-A7EE-95FCAD7B4752}" sibTransId="{E8FAD286-C5BF-BC48-882C-56BE2A151573}"/>
     <dgm:cxn modelId="{54D66BEF-E886-8944-82FD-434BB9A42CB7}" type="presOf" srcId="{16427C4D-A35D-4E04-9C4D-DC5B4705E00A}" destId="{EBFFBBF2-1DDC-FE44-B2F0-0AF2177E35B8}" srcOrd="0" destOrd="0" presId="urn:microsoft.com/office/officeart/2005/8/layout/hList1"/>
-    <dgm:cxn modelId="{2DEEFDF1-EA30-BD40-950C-772A789B5E4F}" type="presOf" srcId="{37C8108C-52B2-4892-AD09-6DECA7C5538C}" destId="{62A51FD6-0B17-0749-B941-F2DDBEE84721}" srcOrd="0" destOrd="0" presId="urn:microsoft.com/office/officeart/2005/8/layout/hList1"/>
     <dgm:cxn modelId="{634F0FC8-317F-DE41-A822-165AF1B6FBC4}" type="presParOf" srcId="{EBFFBBF2-1DDC-FE44-B2F0-0AF2177E35B8}" destId="{59537E7E-BB06-ED46-8288-6B7CA909F2E1}" srcOrd="0" destOrd="0" presId="urn:microsoft.com/office/officeart/2005/8/layout/hList1"/>
     <dgm:cxn modelId="{3437946B-94A5-244D-9904-6B8FC81D130A}" type="presParOf" srcId="{59537E7E-BB06-ED46-8288-6B7CA909F2E1}" destId="{75781FCE-2E26-AF49-B62D-DCE486BA0144}" srcOrd="0" destOrd="0" presId="urn:microsoft.com/office/officeart/2005/8/layout/hList1"/>
     <dgm:cxn modelId="{2CFB0FD0-16FA-614B-A1F9-BF1E35CC55D7}" type="presParOf" srcId="{59537E7E-BB06-ED46-8288-6B7CA909F2E1}" destId="{D32A4789-5DC8-464D-81D4-1C9B94C49C06}" srcOrd="1" destOrd="0" presId="urn:microsoft.com/office/officeart/2005/8/layout/hList1"/>
-    <dgm:cxn modelId="{8F867E51-8A56-5A4B-930E-9D2EC4A25841}" type="presParOf" srcId="{EBFFBBF2-1DDC-FE44-B2F0-0AF2177E35B8}" destId="{8641971C-1D93-5541-8B01-8C06216C3B4C}" srcOrd="1" destOrd="0" presId="urn:microsoft.com/office/officeart/2005/8/layout/hList1"/>
-    <dgm:cxn modelId="{0DD04B2E-5070-844E-B8FA-CF9F39F3317C}" type="presParOf" srcId="{EBFFBBF2-1DDC-FE44-B2F0-0AF2177E35B8}" destId="{6C9015A8-7B97-ED40-9490-01C51CA0436B}" srcOrd="2" destOrd="0" presId="urn:microsoft.com/office/officeart/2005/8/layout/hList1"/>
-    <dgm:cxn modelId="{BEFF38BA-EE86-CB4C-8640-AA0FCF2B4CFB}" type="presParOf" srcId="{6C9015A8-7B97-ED40-9490-01C51CA0436B}" destId="{43A045CE-2C43-8A46-B201-0329A58067A3}" srcOrd="0" destOrd="0" presId="urn:microsoft.com/office/officeart/2005/8/layout/hList1"/>
-    <dgm:cxn modelId="{B418EB34-6D87-474C-BC5F-858EC2BE954C}" type="presParOf" srcId="{6C9015A8-7B97-ED40-9490-01C51CA0436B}" destId="{62A51FD6-0B17-0749-B941-F2DDBEE84721}" srcOrd="1" destOrd="0" presId="urn:microsoft.com/office/officeart/2005/8/layout/hList1"/>
   </dgm:cxnLst>
   <dgm:bg/>
   <dgm:whole/>
@@ -7797,8 +7579,8 @@
       </dsp:nvSpPr>
       <dsp:spPr>
         <a:xfrm>
-          <a:off x="38" y="692112"/>
-          <a:ext cx="3685337" cy="460800"/>
+          <a:off x="0" y="7071"/>
+          <a:ext cx="7886700" cy="921600"/>
         </a:xfrm>
         <a:prstGeom prst="rect">
           <a:avLst/>
@@ -7840,12 +7622,12 @@
         </a:fontRef>
       </dsp:style>
       <dsp:txBody>
-        <a:bodyPr spcFirstLastPara="0" vert="horz" wrap="square" lIns="113792" tIns="65024" rIns="113792" bIns="65024" numCol="1" spcCol="1270" anchor="ctr" anchorCtr="0">
+        <a:bodyPr spcFirstLastPara="0" vert="horz" wrap="square" lIns="227584" tIns="130048" rIns="227584" bIns="130048" numCol="1" spcCol="1270" anchor="ctr" anchorCtr="0">
           <a:noAutofit/>
         </a:bodyPr>
         <a:lstStyle/>
         <a:p>
-          <a:pPr marL="0" lvl="0" indent="0" algn="ctr" defTabSz="711200">
+          <a:pPr marL="0" lvl="0" indent="0" algn="ctr" defTabSz="1422400">
             <a:lnSpc>
               <a:spcPct val="90000"/>
             </a:lnSpc>
@@ -7858,14 +7640,14 @@
             <a:buNone/>
           </a:pPr>
           <a:r>
-            <a:rPr lang="en-US" sz="1600" kern="1200" dirty="0"/>
+            <a:rPr lang="en-US" sz="3200" kern="1200" dirty="0"/>
             <a:t>Will not have challenges on these directly</a:t>
           </a:r>
         </a:p>
       </dsp:txBody>
       <dsp:txXfrm>
-        <a:off x="38" y="692112"/>
-        <a:ext cx="3685337" cy="460800"/>
+        <a:off x="0" y="7071"/>
+        <a:ext cx="7886700" cy="921600"/>
       </dsp:txXfrm>
     </dsp:sp>
     <dsp:sp modelId="{D32A4789-5DC8-464D-81D4-1C9B94C49C06}">
@@ -7875,8 +7657,8 @@
       </dsp:nvSpPr>
       <dsp:spPr>
         <a:xfrm>
-          <a:off x="38" y="1152912"/>
-          <a:ext cx="3685337" cy="1418478"/>
+          <a:off x="0" y="928671"/>
+          <a:ext cx="7886700" cy="2327760"/>
         </a:xfrm>
         <a:prstGeom prst="rect">
           <a:avLst/>
@@ -7920,12 +7702,12 @@
         <a:fontRef idx="minor"/>
       </dsp:style>
       <dsp:txBody>
-        <a:bodyPr spcFirstLastPara="0" vert="horz" wrap="square" lIns="85344" tIns="85344" rIns="113792" bIns="128016" numCol="1" spcCol="1270" anchor="t" anchorCtr="0">
+        <a:bodyPr spcFirstLastPara="0" vert="horz" wrap="square" lIns="170688" tIns="170688" rIns="227584" bIns="256032" numCol="1" spcCol="1270" anchor="t" anchorCtr="0">
           <a:noAutofit/>
         </a:bodyPr>
         <a:lstStyle/>
         <a:p>
-          <a:pPr marL="171450" lvl="1" indent="-171450" algn="l" defTabSz="711200">
+          <a:pPr marL="285750" lvl="1" indent="-285750" algn="l" defTabSz="1422400">
             <a:lnSpc>
               <a:spcPct val="90000"/>
             </a:lnSpc>
@@ -7938,12 +7720,12 @@
             <a:buChar char="•"/>
           </a:pPr>
           <a:r>
-            <a:rPr lang="en-US" sz="1600" kern="1200" dirty="0"/>
+            <a:rPr lang="en-US" sz="3200" kern="1200" dirty="0"/>
             <a:t>Bug class protection as opposed to a technique</a:t>
           </a:r>
         </a:p>
         <a:p>
-          <a:pPr marL="171450" lvl="1" indent="-171450" algn="l" defTabSz="711200">
+          <a:pPr marL="285750" lvl="1" indent="-285750" algn="l" defTabSz="1422400">
             <a:lnSpc>
               <a:spcPct val="90000"/>
             </a:lnSpc>
@@ -7956,244 +7738,14 @@
             <a:buChar char="•"/>
           </a:pPr>
           <a:r>
-            <a:rPr lang="en-US" sz="1600" kern="1200" dirty="0"/>
+            <a:rPr lang="en-US" sz="3200" kern="1200" dirty="0"/>
             <a:t>Will sprinkle in bypasses for double free when it feels appropriate though</a:t>
           </a:r>
         </a:p>
       </dsp:txBody>
       <dsp:txXfrm>
-        <a:off x="38" y="1152912"/>
-        <a:ext cx="3685337" cy="1418478"/>
-      </dsp:txXfrm>
-    </dsp:sp>
-    <dsp:sp modelId="{43A045CE-2C43-8A46-B201-0329A58067A3}">
-      <dsp:nvSpPr>
-        <dsp:cNvPr id="0" name=""/>
-        <dsp:cNvSpPr/>
-      </dsp:nvSpPr>
-      <dsp:spPr>
-        <a:xfrm>
-          <a:off x="4201323" y="692112"/>
-          <a:ext cx="3685337" cy="460800"/>
-        </a:xfrm>
-        <a:prstGeom prst="rect">
-          <a:avLst/>
-        </a:prstGeom>
-        <a:solidFill>
-          <a:schemeClr val="accent1">
-            <a:hueOff val="0"/>
-            <a:satOff val="0"/>
-            <a:lumOff val="0"/>
-            <a:alphaOff val="0"/>
-          </a:schemeClr>
-        </a:solidFill>
-        <a:ln w="12700" cap="flat" cmpd="sng" algn="ctr">
-          <a:solidFill>
-            <a:schemeClr val="accent1">
-              <a:hueOff val="0"/>
-              <a:satOff val="0"/>
-              <a:lumOff val="0"/>
-              <a:alphaOff val="0"/>
-            </a:schemeClr>
-          </a:solidFill>
-          <a:prstDash val="solid"/>
-          <a:miter lim="800000"/>
-        </a:ln>
-        <a:effectLst/>
-      </dsp:spPr>
-      <dsp:style>
-        <a:lnRef idx="2">
-          <a:scrgbClr r="0" g="0" b="0"/>
-        </a:lnRef>
-        <a:fillRef idx="1">
-          <a:scrgbClr r="0" g="0" b="0"/>
-        </a:fillRef>
-        <a:effectRef idx="0">
-          <a:scrgbClr r="0" g="0" b="0"/>
-        </a:effectRef>
-        <a:fontRef idx="minor">
-          <a:schemeClr val="lt1"/>
-        </a:fontRef>
-      </dsp:style>
-      <dsp:txBody>
-        <a:bodyPr spcFirstLastPara="0" vert="horz" wrap="square" lIns="113792" tIns="65024" rIns="113792" bIns="65024" numCol="1" spcCol="1270" anchor="ctr" anchorCtr="0">
-          <a:noAutofit/>
-        </a:bodyPr>
-        <a:lstStyle/>
-        <a:p>
-          <a:pPr marL="0" lvl="0" indent="0" algn="ctr" defTabSz="711200">
-            <a:lnSpc>
-              <a:spcPct val="90000"/>
-            </a:lnSpc>
-            <a:spcBef>
-              <a:spcPct val="0"/>
-            </a:spcBef>
-            <a:spcAft>
-              <a:spcPct val="35000"/>
-            </a:spcAft>
-            <a:buNone/>
-          </a:pPr>
-          <a:r>
-            <a:rPr lang="en-US" sz="1600" kern="1200" dirty="0" err="1"/>
-            <a:t>intro_to_malloc</a:t>
-          </a:r>
-          <a:r>
-            <a:rPr lang="en-US" sz="1600" kern="1200" dirty="0"/>
-            <a:t>/</a:t>
-          </a:r>
-          <a:r>
-            <a:rPr lang="en-US" sz="1600" kern="1200" dirty="0" err="1"/>
-            <a:t>double_free_playground</a:t>
-          </a:r>
-          <a:r>
-            <a:rPr lang="en-US" sz="1600" kern="1200" dirty="0"/>
-            <a:t> </a:t>
-          </a:r>
-        </a:p>
-      </dsp:txBody>
-      <dsp:txXfrm>
-        <a:off x="4201323" y="692112"/>
-        <a:ext cx="3685337" cy="460800"/>
-      </dsp:txXfrm>
-    </dsp:sp>
-    <dsp:sp modelId="{62A51FD6-0B17-0749-B941-F2DDBEE84721}">
-      <dsp:nvSpPr>
-        <dsp:cNvPr id="0" name=""/>
-        <dsp:cNvSpPr/>
-      </dsp:nvSpPr>
-      <dsp:spPr>
-        <a:xfrm>
-          <a:off x="4201323" y="1152912"/>
-          <a:ext cx="3685337" cy="1418478"/>
-        </a:xfrm>
-        <a:prstGeom prst="rect">
-          <a:avLst/>
-        </a:prstGeom>
-        <a:solidFill>
-          <a:schemeClr val="accent1">
-            <a:alpha val="90000"/>
-            <a:tint val="40000"/>
-            <a:hueOff val="0"/>
-            <a:satOff val="0"/>
-            <a:lumOff val="0"/>
-            <a:alphaOff val="0"/>
-          </a:schemeClr>
-        </a:solidFill>
-        <a:ln w="12700" cap="flat" cmpd="sng" algn="ctr">
-          <a:solidFill>
-            <a:schemeClr val="accent1">
-              <a:alpha val="90000"/>
-              <a:tint val="40000"/>
-              <a:hueOff val="0"/>
-              <a:satOff val="0"/>
-              <a:lumOff val="0"/>
-              <a:alphaOff val="0"/>
-            </a:schemeClr>
-          </a:solidFill>
-          <a:prstDash val="solid"/>
-          <a:miter lim="800000"/>
-        </a:ln>
-        <a:effectLst/>
-      </dsp:spPr>
-      <dsp:style>
-        <a:lnRef idx="2">
-          <a:scrgbClr r="0" g="0" b="0"/>
-        </a:lnRef>
-        <a:fillRef idx="1">
-          <a:scrgbClr r="0" g="0" b="0"/>
-        </a:fillRef>
-        <a:effectRef idx="0">
-          <a:scrgbClr r="0" g="0" b="0"/>
-        </a:effectRef>
-        <a:fontRef idx="minor"/>
-      </dsp:style>
-      <dsp:txBody>
-        <a:bodyPr spcFirstLastPara="0" vert="horz" wrap="square" lIns="85344" tIns="85344" rIns="113792" bIns="128016" numCol="1" spcCol="1270" anchor="t" anchorCtr="0">
-          <a:noAutofit/>
-        </a:bodyPr>
-        <a:lstStyle/>
-        <a:p>
-          <a:pPr marL="171450" lvl="1" indent="-171450" algn="l" defTabSz="711200">
-            <a:lnSpc>
-              <a:spcPct val="90000"/>
-            </a:lnSpc>
-            <a:spcBef>
-              <a:spcPct val="0"/>
-            </a:spcBef>
-            <a:spcAft>
-              <a:spcPct val="15000"/>
-            </a:spcAft>
-            <a:buChar char="•"/>
-          </a:pPr>
-          <a:r>
-            <a:rPr lang="en-US" sz="1600" kern="1200" dirty="0"/>
-            <a:t>An assortment of double free bypass attempts</a:t>
-          </a:r>
-        </a:p>
-        <a:p>
-          <a:pPr marL="171450" lvl="1" indent="-171450" algn="l" defTabSz="711200">
-            <a:lnSpc>
-              <a:spcPct val="90000"/>
-            </a:lnSpc>
-            <a:spcBef>
-              <a:spcPct val="0"/>
-            </a:spcBef>
-            <a:spcAft>
-              <a:spcPct val="15000"/>
-            </a:spcAft>
-            <a:buChar char="•"/>
-          </a:pPr>
-          <a:r>
-            <a:rPr lang="en-US" sz="1600" kern="1200" dirty="0" err="1"/>
-            <a:t>setup.py</a:t>
-          </a:r>
-          <a:r>
-            <a:rPr lang="en-US" sz="1600" kern="1200" dirty="0"/>
-            <a:t> 0|1|2|3|4|5 for different challenges</a:t>
-          </a:r>
-        </a:p>
-        <a:p>
-          <a:pPr marL="171450" lvl="1" indent="-171450" algn="l" defTabSz="711200">
-            <a:lnSpc>
-              <a:spcPct val="90000"/>
-            </a:lnSpc>
-            <a:spcBef>
-              <a:spcPct val="0"/>
-            </a:spcBef>
-            <a:spcAft>
-              <a:spcPct val="15000"/>
-            </a:spcAft>
-            <a:buChar char="•"/>
-          </a:pPr>
-          <a:r>
-            <a:rPr lang="en-US" sz="1600" kern="1200" dirty="0" err="1"/>
-            <a:t>Fastbin</a:t>
-          </a:r>
-          <a:r>
-            <a:rPr lang="en-US" sz="1600" kern="1200" dirty="0"/>
-            <a:t> </a:t>
-          </a:r>
-          <a:r>
-            <a:rPr lang="en-US" sz="1600" kern="1200" dirty="0" err="1"/>
-            <a:t>dupping</a:t>
-          </a:r>
-          <a:r>
-            <a:rPr lang="en-US" sz="1600" kern="1200" dirty="0"/>
-            <a:t>, </a:t>
-          </a:r>
-          <a:r>
-            <a:rPr lang="en-US" sz="1600" kern="1200" dirty="0" err="1"/>
-            <a:t>botcake</a:t>
-          </a:r>
-          <a:r>
-            <a:rPr lang="en-US" sz="1600" kern="1200" dirty="0"/>
-            <a:t>…</a:t>
-          </a:r>
-        </a:p>
-      </dsp:txBody>
-      <dsp:txXfrm>
-        <a:off x="4201323" y="1152912"/>
-        <a:ext cx="3685337" cy="1418478"/>
+        <a:off x="0" y="928671"/>
+        <a:ext cx="7886700" cy="2327760"/>
       </dsp:txXfrm>
     </dsp:sp>
   </dsp:spTree>
@@ -16022,7 +15574,7 @@
           <a:p>
             <a:fld id="{2DA23E8D-1792-1541-9147-970A8DD8A355}" type="datetimeFigureOut">
               <a:rPr lang="en-US" smtClean="0"/>
-              <a:t>7/21/21</a:t>
+              <a:t>7/23/21</a:t>
             </a:fld>
             <a:endParaRPr lang="en-US" dirty="0"/>
           </a:p>
@@ -16335,6 +15887,177 @@
           <a:p>
             <a:r>
               <a:rPr lang="en-US" dirty="0"/>
+              <a:t>Example of RIP of stack. But, instead, we are able to overwrite metadata on the heap</a:t>
+            </a:r>
+          </a:p>
+        </p:txBody>
+      </p:sp>
+      <p:sp>
+        <p:nvSpPr>
+          <p:cNvPr id="4" name="Slide Number Placeholder 3"/>
+          <p:cNvSpPr>
+            <a:spLocks noGrp="1"/>
+          </p:cNvSpPr>
+          <p:nvPr>
+            <p:ph type="sldNum" sz="quarter" idx="5"/>
+          </p:nvPr>
+        </p:nvSpPr>
+        <p:spPr/>
+        <p:txBody>
+          <a:bodyPr/>
+          <a:lstStyle/>
+          <a:p>
+            <a:fld id="{AC55928C-CD14-454C-B617-1AFCF9A58596}" type="slidenum">
+              <a:rPr lang="en-US" smtClean="0"/>
+              <a:t>2</a:t>
+            </a:fld>
+            <a:endParaRPr lang="en-US" dirty="0"/>
+          </a:p>
+        </p:txBody>
+      </p:sp>
+    </p:spTree>
+    <p:extLst>
+      <p:ext uri="{BB962C8B-B14F-4D97-AF65-F5344CB8AC3E}">
+        <p14:creationId xmlns:p14="http://schemas.microsoft.com/office/powerpoint/2010/main" val="311369736"/>
+      </p:ext>
+    </p:extLst>
+  </p:cSld>
+  <p:clrMapOvr>
+    <a:masterClrMapping/>
+  </p:clrMapOvr>
+</p:notes>
+</file>
+
+<file path=ppt/notesSlides/notesSlide2.xml><?xml version="1.0" encoding="utf-8"?>
+<p:notes xmlns:a="http://schemas.openxmlformats.org/drawingml/2006/main" xmlns:r="http://schemas.openxmlformats.org/officeDocument/2006/relationships" xmlns:p="http://schemas.openxmlformats.org/presentationml/2006/main">
+  <p:cSld>
+    <p:spTree>
+      <p:nvGrpSpPr>
+        <p:cNvPr id="1" name=""/>
+        <p:cNvGrpSpPr/>
+        <p:nvPr/>
+      </p:nvGrpSpPr>
+      <p:grpSpPr>
+        <a:xfrm>
+          <a:off x="0" y="0"/>
+          <a:ext cx="0" cy="0"/>
+          <a:chOff x="0" y="0"/>
+          <a:chExt cx="0" cy="0"/>
+        </a:xfrm>
+      </p:grpSpPr>
+      <p:sp>
+        <p:nvSpPr>
+          <p:cNvPr id="2" name="Slide Image Placeholder 1"/>
+          <p:cNvSpPr>
+            <a:spLocks noGrp="1" noRot="1" noChangeAspect="1"/>
+          </p:cNvSpPr>
+          <p:nvPr>
+            <p:ph type="sldImg"/>
+          </p:nvPr>
+        </p:nvSpPr>
+        <p:spPr/>
+      </p:sp>
+      <p:sp>
+        <p:nvSpPr>
+          <p:cNvPr id="3" name="Notes Placeholder 2"/>
+          <p:cNvSpPr>
+            <a:spLocks noGrp="1"/>
+          </p:cNvSpPr>
+          <p:nvPr>
+            <p:ph type="body" idx="1"/>
+          </p:nvPr>
+        </p:nvSpPr>
+        <p:spPr/>
+        <p:txBody>
+          <a:bodyPr/>
+          <a:lstStyle/>
+          <a:p>
+            <a:endParaRPr lang="en-US" dirty="0"/>
+          </a:p>
+        </p:txBody>
+      </p:sp>
+      <p:sp>
+        <p:nvSpPr>
+          <p:cNvPr id="4" name="Slide Number Placeholder 3"/>
+          <p:cNvSpPr>
+            <a:spLocks noGrp="1"/>
+          </p:cNvSpPr>
+          <p:nvPr>
+            <p:ph type="sldNum" sz="quarter" idx="5"/>
+          </p:nvPr>
+        </p:nvSpPr>
+        <p:spPr/>
+        <p:txBody>
+          <a:bodyPr/>
+          <a:lstStyle/>
+          <a:p>
+            <a:fld id="{AC55928C-CD14-454C-B617-1AFCF9A58596}" type="slidenum">
+              <a:rPr lang="en-US" smtClean="0"/>
+              <a:t>4</a:t>
+            </a:fld>
+            <a:endParaRPr lang="en-US" dirty="0"/>
+          </a:p>
+        </p:txBody>
+      </p:sp>
+    </p:spTree>
+    <p:extLst>
+      <p:ext uri="{BB962C8B-B14F-4D97-AF65-F5344CB8AC3E}">
+        <p14:creationId xmlns:p14="http://schemas.microsoft.com/office/powerpoint/2010/main" val="3099922480"/>
+      </p:ext>
+    </p:extLst>
+  </p:cSld>
+  <p:clrMapOvr>
+    <a:masterClrMapping/>
+  </p:clrMapOvr>
+</p:notes>
+</file>
+
+<file path=ppt/notesSlides/notesSlide3.xml><?xml version="1.0" encoding="utf-8"?>
+<p:notes xmlns:a="http://schemas.openxmlformats.org/drawingml/2006/main" xmlns:r="http://schemas.openxmlformats.org/officeDocument/2006/relationships" xmlns:p="http://schemas.openxmlformats.org/presentationml/2006/main">
+  <p:cSld>
+    <p:spTree>
+      <p:nvGrpSpPr>
+        <p:cNvPr id="1" name=""/>
+        <p:cNvGrpSpPr/>
+        <p:nvPr/>
+      </p:nvGrpSpPr>
+      <p:grpSpPr>
+        <a:xfrm>
+          <a:off x="0" y="0"/>
+          <a:ext cx="0" cy="0"/>
+          <a:chOff x="0" y="0"/>
+          <a:chExt cx="0" cy="0"/>
+        </a:xfrm>
+      </p:grpSpPr>
+      <p:sp>
+        <p:nvSpPr>
+          <p:cNvPr id="2" name="Slide Image Placeholder 1"/>
+          <p:cNvSpPr>
+            <a:spLocks noGrp="1" noRot="1" noChangeAspect="1"/>
+          </p:cNvSpPr>
+          <p:nvPr>
+            <p:ph type="sldImg"/>
+          </p:nvPr>
+        </p:nvSpPr>
+        <p:spPr/>
+      </p:sp>
+      <p:sp>
+        <p:nvSpPr>
+          <p:cNvPr id="3" name="Notes Placeholder 2"/>
+          <p:cNvSpPr>
+            <a:spLocks noGrp="1"/>
+          </p:cNvSpPr>
+          <p:nvPr>
+            <p:ph type="body" idx="1"/>
+          </p:nvPr>
+        </p:nvSpPr>
+        <p:spPr/>
+        <p:txBody>
+          <a:bodyPr/>
+          <a:lstStyle/>
+          <a:p>
+            <a:r>
+              <a:rPr lang="en-US" dirty="0"/>
               <a:t>Questions?</a:t>
             </a:r>
           </a:p>
@@ -16579,7 +16302,7 @@
                 <a:latin typeface="Calibri"/>
               </a:rPr>
               <a:pPr/>
-              <a:t>7/21/21</a:t>
+              <a:t>7/23/21</a:t>
             </a:fld>
             <a:endParaRPr lang="en-US" dirty="0">
               <a:solidFill>
@@ -16832,7 +16555,7 @@
                 <a:latin typeface="Calibri"/>
               </a:rPr>
               <a:pPr/>
-              <a:t>7/21/21</a:t>
+              <a:t>7/23/21</a:t>
             </a:fld>
             <a:endParaRPr lang="en-US" dirty="0">
               <a:solidFill>
@@ -17047,7 +16770,7 @@
                 <a:latin typeface="Calibri"/>
               </a:rPr>
               <a:pPr/>
-              <a:t>7/21/21</a:t>
+              <a:t>7/23/21</a:t>
             </a:fld>
             <a:endParaRPr lang="en-US" dirty="0">
               <a:solidFill>
@@ -17331,7 +17054,7 @@
                 <a:latin typeface="Calibri"/>
               </a:rPr>
               <a:pPr/>
-              <a:t>7/21/21</a:t>
+              <a:t>7/23/21</a:t>
             </a:fld>
             <a:endParaRPr lang="en-US" dirty="0">
               <a:solidFill>
@@ -17673,7 +17396,7 @@
                 <a:latin typeface="Calibri"/>
               </a:rPr>
               <a:pPr/>
-              <a:t>7/21/21</a:t>
+              <a:t>7/23/21</a:t>
             </a:fld>
             <a:endParaRPr lang="en-US" dirty="0">
               <a:solidFill>
@@ -18001,7 +17724,7 @@
                 <a:latin typeface="Calibri"/>
               </a:rPr>
               <a:pPr/>
-              <a:t>7/21/21</a:t>
+              <a:t>7/23/21</a:t>
             </a:fld>
             <a:endParaRPr lang="en-US" dirty="0">
               <a:solidFill>
@@ -18490,7 +18213,7 @@
                 <a:latin typeface="Calibri"/>
               </a:rPr>
               <a:pPr/>
-              <a:t>7/21/21</a:t>
+              <a:t>7/23/21</a:t>
             </a:fld>
             <a:endParaRPr lang="en-US" dirty="0">
               <a:solidFill>
@@ -18673,7 +18396,7 @@
                 <a:latin typeface="Calibri"/>
               </a:rPr>
               <a:pPr/>
-              <a:t>7/21/21</a:t>
+              <a:t>7/23/21</a:t>
             </a:fld>
             <a:endParaRPr lang="en-US" dirty="0">
               <a:solidFill>
@@ -18919,7 +18642,7 @@
                 <a:latin typeface="Calibri"/>
               </a:rPr>
               <a:pPr/>
-              <a:t>7/21/21</a:t>
+              <a:t>7/23/21</a:t>
             </a:fld>
             <a:endParaRPr lang="en-US" dirty="0">
               <a:solidFill>
@@ -19261,7 +18984,7 @@
                 <a:latin typeface="Calibri"/>
               </a:rPr>
               <a:pPr/>
-              <a:t>7/21/21</a:t>
+              <a:t>7/23/21</a:t>
             </a:fld>
             <a:endParaRPr lang="en-US" dirty="0">
               <a:solidFill>
@@ -19553,7 +19276,7 @@
                 <a:latin typeface="Calibri"/>
               </a:rPr>
               <a:pPr/>
-              <a:t>7/21/21</a:t>
+              <a:t>7/23/21</a:t>
             </a:fld>
             <a:endParaRPr lang="en-US" dirty="0">
               <a:solidFill>
@@ -19803,7 +19526,7 @@
                 <a:latin typeface="Calibri"/>
               </a:rPr>
               <a:pPr defTabSz="914400"/>
-              <a:t>7/21/21</a:t>
+              <a:t>7/23/21</a:t>
             </a:fld>
             <a:endParaRPr lang="en-US" dirty="0">
               <a:solidFill>
@@ -22201,10 +21924,10 @@
           <p:nvPr/>
         </p:nvPicPr>
         <p:blipFill>
-          <a:blip r:embed="rId2">
+          <a:blip r:embed="rId3">
             <a:extLst>
               <a:ext uri="{96DAC541-7B7A-43D3-8B79-37D633B846F1}">
-                <asvg:svgBlip xmlns:asvg="http://schemas.microsoft.com/office/drawing/2016/SVG/main" r:embed="rId3"/>
+                <asvg:svgBlip xmlns:asvg="http://schemas.microsoft.com/office/drawing/2016/SVG/main" r:embed="rId4"/>
               </a:ext>
             </a:extLst>
           </a:blip>
@@ -22817,7 +22540,7 @@
 </file>
 
 <file path=ppt/slides/slide23.xml><?xml version="1.0" encoding="utf-8"?>
-<p:sld xmlns:a="http://schemas.openxmlformats.org/drawingml/2006/main" xmlns:r="http://schemas.openxmlformats.org/officeDocument/2006/relationships" xmlns:p="http://schemas.openxmlformats.org/presentationml/2006/main">
+<p:sld xmlns:a="http://schemas.openxmlformats.org/drawingml/2006/main" xmlns:r="http://schemas.openxmlformats.org/officeDocument/2006/relationships" xmlns:p="http://schemas.openxmlformats.org/presentationml/2006/main" show="0">
   <p:cSld>
     <p:spTree>
       <p:nvGrpSpPr>
@@ -23032,7 +22755,7 @@
 </file>
 
 <file path=ppt/slides/slide24.xml><?xml version="1.0" encoding="utf-8"?>
-<p:sld xmlns:a="http://schemas.openxmlformats.org/drawingml/2006/main" xmlns:r="http://schemas.openxmlformats.org/officeDocument/2006/relationships" xmlns:p="http://schemas.openxmlformats.org/presentationml/2006/main">
+<p:sld xmlns:a="http://schemas.openxmlformats.org/drawingml/2006/main" xmlns:r="http://schemas.openxmlformats.org/officeDocument/2006/relationships" xmlns:p="http://schemas.openxmlformats.org/presentationml/2006/main" show="0">
   <p:cSld>
     <p:spTree>
       <p:nvGrpSpPr>
@@ -23163,7 +22886,7 @@
 </file>
 
 <file path=ppt/slides/slide25.xml><?xml version="1.0" encoding="utf-8"?>
-<p:sld xmlns:a="http://schemas.openxmlformats.org/drawingml/2006/main" xmlns:r="http://schemas.openxmlformats.org/officeDocument/2006/relationships" xmlns:p="http://schemas.openxmlformats.org/presentationml/2006/main">
+<p:sld xmlns:a="http://schemas.openxmlformats.org/drawingml/2006/main" xmlns:r="http://schemas.openxmlformats.org/officeDocument/2006/relationships" xmlns:p="http://schemas.openxmlformats.org/presentationml/2006/main" show="0">
   <p:cSld>
     <p:spTree>
       <p:nvGrpSpPr>
@@ -23307,7 +23030,7 @@
 </file>
 
 <file path=ppt/slides/slide26.xml><?xml version="1.0" encoding="utf-8"?>
-<p:sld xmlns:a="http://schemas.openxmlformats.org/drawingml/2006/main" xmlns:r="http://schemas.openxmlformats.org/officeDocument/2006/relationships" xmlns:p="http://schemas.openxmlformats.org/presentationml/2006/main">
+<p:sld xmlns:a="http://schemas.openxmlformats.org/drawingml/2006/main" xmlns:r="http://schemas.openxmlformats.org/officeDocument/2006/relationships" xmlns:p="http://schemas.openxmlformats.org/presentationml/2006/main" show="0">
   <p:cSld>
     <p:spTree>
       <p:nvGrpSpPr>
@@ -23451,7 +23174,7 @@
 </file>
 
 <file path=ppt/slides/slide27.xml><?xml version="1.0" encoding="utf-8"?>
-<p:sld xmlns:a="http://schemas.openxmlformats.org/drawingml/2006/main" xmlns:r="http://schemas.openxmlformats.org/officeDocument/2006/relationships" xmlns:p="http://schemas.openxmlformats.org/presentationml/2006/main">
+<p:sld xmlns:a="http://schemas.openxmlformats.org/drawingml/2006/main" xmlns:r="http://schemas.openxmlformats.org/officeDocument/2006/relationships" xmlns:p="http://schemas.openxmlformats.org/presentationml/2006/main" show="0">
   <p:cSld>
     <p:spTree>
       <p:nvGrpSpPr>
@@ -23607,7 +23330,7 @@
 </file>
 
 <file path=ppt/slides/slide28.xml><?xml version="1.0" encoding="utf-8"?>
-<p:sld xmlns:a="http://schemas.openxmlformats.org/drawingml/2006/main" xmlns:r="http://schemas.openxmlformats.org/officeDocument/2006/relationships" xmlns:p="http://schemas.openxmlformats.org/presentationml/2006/main">
+<p:sld xmlns:a="http://schemas.openxmlformats.org/drawingml/2006/main" xmlns:r="http://schemas.openxmlformats.org/officeDocument/2006/relationships" xmlns:p="http://schemas.openxmlformats.org/presentationml/2006/main" show="0">
   <p:cSld>
     <p:spTree>
       <p:nvGrpSpPr>
@@ -23872,7 +23595,7 @@
 </file>
 
 <file path=ppt/slides/slide29.xml><?xml version="1.0" encoding="utf-8"?>
-<p:sld xmlns:a="http://schemas.openxmlformats.org/drawingml/2006/main" xmlns:r="http://schemas.openxmlformats.org/officeDocument/2006/relationships" xmlns:p="http://schemas.openxmlformats.org/presentationml/2006/main">
+<p:sld xmlns:a="http://schemas.openxmlformats.org/drawingml/2006/main" xmlns:r="http://schemas.openxmlformats.org/officeDocument/2006/relationships" xmlns:p="http://schemas.openxmlformats.org/presentationml/2006/main" show="0">
   <p:cSld>
     <p:spTree>
       <p:nvGrpSpPr>
@@ -24110,7 +23833,7 @@
 </file>
 
 <file path=ppt/slides/slide30.xml><?xml version="1.0" encoding="utf-8"?>
-<p:sld xmlns:a="http://schemas.openxmlformats.org/drawingml/2006/main" xmlns:r="http://schemas.openxmlformats.org/officeDocument/2006/relationships" xmlns:p="http://schemas.openxmlformats.org/presentationml/2006/main">
+<p:sld xmlns:a="http://schemas.openxmlformats.org/drawingml/2006/main" xmlns:r="http://schemas.openxmlformats.org/officeDocument/2006/relationships" xmlns:p="http://schemas.openxmlformats.org/presentationml/2006/main" show="0">
   <p:cSld>
     <p:spTree>
       <p:nvGrpSpPr>
@@ -24251,7 +23974,7 @@
 </file>
 
 <file path=ppt/slides/slide31.xml><?xml version="1.0" encoding="utf-8"?>
-<p:sld xmlns:a="http://schemas.openxmlformats.org/drawingml/2006/main" xmlns:r="http://schemas.openxmlformats.org/officeDocument/2006/relationships" xmlns:p="http://schemas.openxmlformats.org/presentationml/2006/main">
+<p:sld xmlns:a="http://schemas.openxmlformats.org/drawingml/2006/main" xmlns:r="http://schemas.openxmlformats.org/officeDocument/2006/relationships" xmlns:p="http://schemas.openxmlformats.org/presentationml/2006/main" show="0">
   <p:cSld>
     <p:spTree>
       <p:nvGrpSpPr>
@@ -24411,7 +24134,7 @@
 </file>
 
 <file path=ppt/slides/slide32.xml><?xml version="1.0" encoding="utf-8"?>
-<p:sld xmlns:a="http://schemas.openxmlformats.org/drawingml/2006/main" xmlns:r="http://schemas.openxmlformats.org/officeDocument/2006/relationships" xmlns:p="http://schemas.openxmlformats.org/presentationml/2006/main">
+<p:sld xmlns:a="http://schemas.openxmlformats.org/drawingml/2006/main" xmlns:r="http://schemas.openxmlformats.org/officeDocument/2006/relationships" xmlns:p="http://schemas.openxmlformats.org/presentationml/2006/main" show="0">
   <p:cSld>
     <p:spTree>
       <p:nvGrpSpPr>
@@ -25849,7 +25572,7 @@
           <p:nvPr/>
         </p:nvPicPr>
         <p:blipFill rotWithShape="1">
-          <a:blip r:embed="rId2">
+          <a:blip r:embed="rId3">
             <a:extLst>
               <a:ext uri="{28A0092B-C50C-407E-A947-70E740481C1C}">
                 <a14:useLocalDpi xmlns:a14="http://schemas.microsoft.com/office/drawing/2010/main" val="0"/>
@@ -26437,7 +26160,7 @@
             <p:ph idx="1"/>
             <p:extLst>
               <p:ext uri="{D42A27DB-BD31-4B8C-83A1-F6EECF244321}">
-                <p14:modId xmlns:p14="http://schemas.microsoft.com/office/powerpoint/2010/main" val="584684978"/>
+                <p14:modId xmlns:p14="http://schemas.microsoft.com/office/powerpoint/2010/main" val="3301386751"/>
               </p:ext>
             </p:extLst>
           </p:nvPr>

--- a/modules/vuln_classes/vuln_classes.pptx
+++ b/modules/vuln_classes/vuln_classes.pptx
@@ -18,8 +18,8 @@
     <p:sldId id="505" r:id="rId9"/>
     <p:sldId id="506" r:id="rId10"/>
     <p:sldId id="507" r:id="rId11"/>
-    <p:sldId id="508" r:id="rId12"/>
-    <p:sldId id="436" r:id="rId13"/>
+    <p:sldId id="436" r:id="rId12"/>
+    <p:sldId id="515" r:id="rId13"/>
     <p:sldId id="468" r:id="rId14"/>
     <p:sldId id="469" r:id="rId15"/>
     <p:sldId id="471" r:id="rId16"/>
@@ -5390,9 +5390,9 @@
   </dgm:ptLst>
   <dgm:cxnLst>
     <dgm:cxn modelId="{5BD06145-35AE-E244-B9DF-A87A3B161F1E}" type="presOf" srcId="{61A8648A-B31D-4E49-A3FF-888FE24F0E0F}" destId="{95033A7C-4442-1F4C-837C-E7CE9AF7E51E}" srcOrd="0" destOrd="0" presId="urn:microsoft.com/office/officeart/2005/8/layout/hList1"/>
+    <dgm:cxn modelId="{9A526675-C26E-43DA-9C9E-4625435C876A}" srcId="{61A8648A-B31D-4E49-A3FF-888FE24F0E0F}" destId="{7D6C1129-8B3F-4C6B-96A3-FD6A6ECF1096}" srcOrd="0" destOrd="0" parTransId="{7BBE01A8-52CA-4339-AFFE-3DE8DDEBEEE6}" sibTransId="{938FED86-E9B8-48CE-B871-3EF97652AF0C}"/>
     <dgm:cxn modelId="{7F4B9657-BA3E-49FC-941B-AC4504CD63C9}" srcId="{A4B4B3D2-96E8-4B4A-9F05-AB1EEDC805D8}" destId="{61A8648A-B31D-4E49-A3FF-888FE24F0E0F}" srcOrd="1" destOrd="0" parTransId="{BE547842-0E84-456A-9A02-9B17A6F9BCD0}" sibTransId="{5BD44FAB-3622-4173-B468-7293430AFB33}"/>
     <dgm:cxn modelId="{A5984059-7316-490C-AD6F-0A586281FEEF}" srcId="{A4B4B3D2-96E8-4B4A-9F05-AB1EEDC805D8}" destId="{94C70072-0F75-43EA-ACF6-49958940514D}" srcOrd="0" destOrd="0" parTransId="{04FB8D05-D2C2-47F1-909F-2C4BB6C8E658}" sibTransId="{1F996219-710B-4196-9FA1-70D926AB7B86}"/>
-    <dgm:cxn modelId="{9A526675-C26E-43DA-9C9E-4625435C876A}" srcId="{61A8648A-B31D-4E49-A3FF-888FE24F0E0F}" destId="{7D6C1129-8B3F-4C6B-96A3-FD6A6ECF1096}" srcOrd="0" destOrd="0" parTransId="{7BBE01A8-52CA-4339-AFFE-3DE8DDEBEEE6}" sibTransId="{938FED86-E9B8-48CE-B871-3EF97652AF0C}"/>
     <dgm:cxn modelId="{67247F7A-6F1F-A844-B98C-CD8E84ACC9DB}" type="presOf" srcId="{7D6C1129-8B3F-4C6B-96A3-FD6A6ECF1096}" destId="{403D487B-C359-A948-AA57-5BF6A5F7CEC9}" srcOrd="0" destOrd="0" presId="urn:microsoft.com/office/officeart/2005/8/layout/hList1"/>
     <dgm:cxn modelId="{276F37CE-1126-5748-85D9-1B3AAABB1535}" type="presOf" srcId="{A4B4B3D2-96E8-4B4A-9F05-AB1EEDC805D8}" destId="{62006B3D-D538-FD46-9DED-59EB62770B3E}" srcOrd="0" destOrd="0" presId="urn:microsoft.com/office/officeart/2005/8/layout/hList1"/>
     <dgm:cxn modelId="{FE6ECFCF-2C92-454F-9D92-1E157D87F29C}" type="presOf" srcId="{94C70072-0F75-43EA-ACF6-49958940514D}" destId="{938D832C-46D1-6C41-BDDC-20F5D04B7CF1}" srcOrd="0" destOrd="0" presId="urn:microsoft.com/office/officeart/2005/8/layout/hList1"/>
@@ -5778,8 +5778,8 @@
     <dgm:cxn modelId="{4F534B22-E5DB-A94A-90D9-C32DE67BEB61}" type="presOf" srcId="{697DD12B-4CE5-4058-9E6D-EF6F5FA19E7B}" destId="{D32A4789-5DC8-464D-81D4-1C9B94C49C06}" srcOrd="0" destOrd="0" presId="urn:microsoft.com/office/officeart/2005/8/layout/hList1"/>
     <dgm:cxn modelId="{118DEF3B-DC8F-6A46-9E4A-FCB884C154FB}" type="presOf" srcId="{E79FF6D8-187D-AF46-A60F-E2EC4DF3C509}" destId="{D32A4789-5DC8-464D-81D4-1C9B94C49C06}" srcOrd="0" destOrd="1" presId="urn:microsoft.com/office/officeart/2005/8/layout/hList1"/>
     <dgm:cxn modelId="{7BDB7A3C-BB70-4803-BFB6-42BD1DA3663F}" srcId="{16427C4D-A35D-4E04-9C4D-DC5B4705E00A}" destId="{3FF505BE-4F4D-4644-992F-78B308354C3E}" srcOrd="0" destOrd="0" parTransId="{890207EB-4BB4-4B7F-9DA9-BB76C31F8D02}" sibTransId="{B3D24208-A5E9-45E5-A217-1AA1259C3526}"/>
+    <dgm:cxn modelId="{EDD6155F-5975-4E60-A85D-9F1D6667E844}" srcId="{3FF505BE-4F4D-4644-992F-78B308354C3E}" destId="{697DD12B-4CE5-4058-9E6D-EF6F5FA19E7B}" srcOrd="0" destOrd="0" parTransId="{21B9DC31-3D43-4EAE-9029-5E14B98300CD}" sibTransId="{68E220C0-5625-4D18-903A-62140B14FA2C}"/>
     <dgm:cxn modelId="{5B3C4349-757D-BB45-A524-D2788EF7EBDB}" type="presOf" srcId="{3FF505BE-4F4D-4644-992F-78B308354C3E}" destId="{75781FCE-2E26-AF49-B62D-DCE486BA0144}" srcOrd="0" destOrd="0" presId="urn:microsoft.com/office/officeart/2005/8/layout/hList1"/>
-    <dgm:cxn modelId="{EDD6155F-5975-4E60-A85D-9F1D6667E844}" srcId="{3FF505BE-4F4D-4644-992F-78B308354C3E}" destId="{697DD12B-4CE5-4058-9E6D-EF6F5FA19E7B}" srcOrd="0" destOrd="0" parTransId="{21B9DC31-3D43-4EAE-9029-5E14B98300CD}" sibTransId="{68E220C0-5625-4D18-903A-62140B14FA2C}"/>
     <dgm:cxn modelId="{EBB0B2D4-898F-C84F-99CE-9775F564480C}" srcId="{3FF505BE-4F4D-4644-992F-78B308354C3E}" destId="{E79FF6D8-187D-AF46-A60F-E2EC4DF3C509}" srcOrd="1" destOrd="0" parTransId="{0B4032E5-02FC-4047-A7EE-95FCAD7B4752}" sibTransId="{E8FAD286-C5BF-BC48-882C-56BE2A151573}"/>
     <dgm:cxn modelId="{54D66BEF-E886-8944-82FD-434BB9A42CB7}" type="presOf" srcId="{16427C4D-A35D-4E04-9C4D-DC5B4705E00A}" destId="{EBFFBBF2-1DDC-FE44-B2F0-0AF2177E35B8}" srcOrd="0" destOrd="0" presId="urn:microsoft.com/office/officeart/2005/8/layout/hList1"/>
     <dgm:cxn modelId="{634F0FC8-317F-DE41-A822-165AF1B6FBC4}" type="presParOf" srcId="{EBFFBBF2-1DDC-FE44-B2F0-0AF2177E35B8}" destId="{59537E7E-BB06-ED46-8288-6B7CA909F2E1}" srcOrd="0" destOrd="0" presId="urn:microsoft.com/office/officeart/2005/8/layout/hList1"/>
@@ -6109,8 +6109,8 @@
     <dgm:cxn modelId="{9D8A1E22-8210-404E-ABF7-01AB4F4BA61E}" type="presOf" srcId="{2857D34B-5EE4-4749-BFFC-B6DF1AA99EF0}" destId="{0A82FC0A-9931-4D4B-9193-147580D2FE87}" srcOrd="0" destOrd="0" presId="urn:microsoft.com/office/officeart/2005/8/layout/hList1"/>
     <dgm:cxn modelId="{B880303D-EA68-4791-8BA8-038B60F9E6E5}" srcId="{9C1B9287-EDA8-487A-B099-C62B13D2EEE8}" destId="{CDB6C21A-3825-47E6-B93C-710DCE0DA047}" srcOrd="1" destOrd="0" parTransId="{F66E23FA-4E69-4E32-A03C-36A4572FFB85}" sibTransId="{7DBF5079-432B-4900-9B8B-330B61F4E2FE}"/>
     <dgm:cxn modelId="{2A644C46-BCE8-1941-B615-EB12E799A0AE}" type="presOf" srcId="{16783EDA-0B90-443D-952C-558D0C351042}" destId="{F309192E-DE7F-F446-96B4-3D13C35C0267}" srcOrd="0" destOrd="0" presId="urn:microsoft.com/office/officeart/2005/8/layout/hList1"/>
+    <dgm:cxn modelId="{19C7E76D-52F1-45B3-8A41-3442C296B164}" srcId="{749DD776-ED7C-4B4F-8AA5-1FE24F44857D}" destId="{2857D34B-5EE4-4749-BFFC-B6DF1AA99EF0}" srcOrd="0" destOrd="0" parTransId="{C2781501-8237-478C-8948-103313B5BAB8}" sibTransId="{A32615A2-8B04-4293-A76E-37C8DA48EADA}"/>
     <dgm:cxn modelId="{D6225F56-A199-46C2-969E-1ABAC142EF5C}" srcId="{2857D34B-5EE4-4749-BFFC-B6DF1AA99EF0}" destId="{7BC1D764-E36E-4271-87E9-427CE1485976}" srcOrd="1" destOrd="0" parTransId="{5E271555-3387-45CD-BCA3-6688CBE008C5}" sibTransId="{1B8A9758-A090-4C7F-87C8-B63CA4F0C2DE}"/>
-    <dgm:cxn modelId="{19C7E76D-52F1-45B3-8A41-3442C296B164}" srcId="{749DD776-ED7C-4B4F-8AA5-1FE24F44857D}" destId="{2857D34B-5EE4-4749-BFFC-B6DF1AA99EF0}" srcOrd="0" destOrd="0" parTransId="{C2781501-8237-478C-8948-103313B5BAB8}" sibTransId="{A32615A2-8B04-4293-A76E-37C8DA48EADA}"/>
     <dgm:cxn modelId="{E8B90D9F-F86A-9E49-B55B-E89E2D1CA94D}" type="presOf" srcId="{1E8B37BF-9C31-43CD-B0B6-6DEE3FD4EC6D}" destId="{CB401112-3337-8C4C-9C00-10C99F6E8169}" srcOrd="0" destOrd="0" presId="urn:microsoft.com/office/officeart/2005/8/layout/hList1"/>
     <dgm:cxn modelId="{07A787A2-9F6B-EA40-8317-F406BEB97D2B}" type="presOf" srcId="{749DD776-ED7C-4B4F-8AA5-1FE24F44857D}" destId="{E165CEB3-796C-0748-AF81-F2A12DBDAA57}" srcOrd="0" destOrd="0" presId="urn:microsoft.com/office/officeart/2005/8/layout/hList1"/>
     <dgm:cxn modelId="{CFCFD3A2-FE17-4799-9F9B-F15051AA0859}" srcId="{749DD776-ED7C-4B4F-8AA5-1FE24F44857D}" destId="{9C1B9287-EDA8-487A-B099-C62B13D2EEE8}" srcOrd="1" destOrd="0" parTransId="{67A8B5D9-0730-4D89-9ED0-E43040D1B0C5}" sibTransId="{D7A2E3EC-83A1-4C15-8339-8C5DBAD0C680}"/>
@@ -15574,7 +15574,7 @@
           <a:p>
             <a:fld id="{2DA23E8D-1792-1541-9147-970A8DD8A355}" type="datetimeFigureOut">
               <a:rPr lang="en-US" smtClean="0"/>
-              <a:t>7/23/21</a:t>
+              <a:t>7/30/2021</a:t>
             </a:fld>
             <a:endParaRPr lang="en-US" dirty="0"/>
           </a:p>
@@ -16302,7 +16302,7 @@
                 <a:latin typeface="Calibri"/>
               </a:rPr>
               <a:pPr/>
-              <a:t>7/23/21</a:t>
+              <a:t>7/30/2021</a:t>
             </a:fld>
             <a:endParaRPr lang="en-US" dirty="0">
               <a:solidFill>
@@ -16555,7 +16555,7 @@
                 <a:latin typeface="Calibri"/>
               </a:rPr>
               <a:pPr/>
-              <a:t>7/23/21</a:t>
+              <a:t>7/30/2021</a:t>
             </a:fld>
             <a:endParaRPr lang="en-US" dirty="0">
               <a:solidFill>
@@ -16770,7 +16770,7 @@
                 <a:latin typeface="Calibri"/>
               </a:rPr>
               <a:pPr/>
-              <a:t>7/23/21</a:t>
+              <a:t>7/30/2021</a:t>
             </a:fld>
             <a:endParaRPr lang="en-US" dirty="0">
               <a:solidFill>
@@ -17054,7 +17054,7 @@
                 <a:latin typeface="Calibri"/>
               </a:rPr>
               <a:pPr/>
-              <a:t>7/23/21</a:t>
+              <a:t>7/30/2021</a:t>
             </a:fld>
             <a:endParaRPr lang="en-US" dirty="0">
               <a:solidFill>
@@ -17396,7 +17396,7 @@
                 <a:latin typeface="Calibri"/>
               </a:rPr>
               <a:pPr/>
-              <a:t>7/23/21</a:t>
+              <a:t>7/30/2021</a:t>
             </a:fld>
             <a:endParaRPr lang="en-US" dirty="0">
               <a:solidFill>
@@ -17724,7 +17724,7 @@
                 <a:latin typeface="Calibri"/>
               </a:rPr>
               <a:pPr/>
-              <a:t>7/23/21</a:t>
+              <a:t>7/30/2021</a:t>
             </a:fld>
             <a:endParaRPr lang="en-US" dirty="0">
               <a:solidFill>
@@ -18213,7 +18213,7 @@
                 <a:latin typeface="Calibri"/>
               </a:rPr>
               <a:pPr/>
-              <a:t>7/23/21</a:t>
+              <a:t>7/30/2021</a:t>
             </a:fld>
             <a:endParaRPr lang="en-US" dirty="0">
               <a:solidFill>
@@ -18396,7 +18396,7 @@
                 <a:latin typeface="Calibri"/>
               </a:rPr>
               <a:pPr/>
-              <a:t>7/23/21</a:t>
+              <a:t>7/30/2021</a:t>
             </a:fld>
             <a:endParaRPr lang="en-US" dirty="0">
               <a:solidFill>
@@ -18642,7 +18642,7 @@
                 <a:latin typeface="Calibri"/>
               </a:rPr>
               <a:pPr/>
-              <a:t>7/23/21</a:t>
+              <a:t>7/30/2021</a:t>
             </a:fld>
             <a:endParaRPr lang="en-US" dirty="0">
               <a:solidFill>
@@ -18984,7 +18984,7 @@
                 <a:latin typeface="Calibri"/>
               </a:rPr>
               <a:pPr/>
-              <a:t>7/23/21</a:t>
+              <a:t>7/30/2021</a:t>
             </a:fld>
             <a:endParaRPr lang="en-US" dirty="0">
               <a:solidFill>
@@ -19276,7 +19276,7 @@
                 <a:latin typeface="Calibri"/>
               </a:rPr>
               <a:pPr/>
-              <a:t>7/23/21</a:t>
+              <a:t>7/30/2021</a:t>
             </a:fld>
             <a:endParaRPr lang="en-US" dirty="0">
               <a:solidFill>
@@ -19526,7 +19526,7 @@
                 <a:latin typeface="Calibri"/>
               </a:rPr>
               <a:pPr defTabSz="914400"/>
-              <a:t>7/23/21</a:t>
+              <a:t>7/30/2021</a:t>
             </a:fld>
             <a:endParaRPr lang="en-US" dirty="0">
               <a:solidFill>
@@ -20466,219 +20466,6 @@
           <p:cNvPr id="2" name="Title 1">
             <a:extLst>
               <a:ext uri="{FF2B5EF4-FFF2-40B4-BE49-F238E27FC236}">
-                <a16:creationId xmlns:a16="http://schemas.microsoft.com/office/drawing/2014/main" id="{142B44C5-7D46-424A-BA3F-8EC5059074A8}"/>
-              </a:ext>
-            </a:extLst>
-          </p:cNvPr>
-          <p:cNvSpPr>
-            <a:spLocks noGrp="1"/>
-          </p:cNvSpPr>
-          <p:nvPr>
-            <p:ph type="title"/>
-          </p:nvPr>
-        </p:nvSpPr>
-        <p:spPr/>
-        <p:txBody>
-          <a:bodyPr/>
-          <a:lstStyle/>
-          <a:p>
-            <a:r>
-              <a:rPr lang="en-US" dirty="0"/>
-              <a:t>UAF - Challenge</a:t>
-            </a:r>
-          </a:p>
-        </p:txBody>
-      </p:sp>
-      <p:sp>
-        <p:nvSpPr>
-          <p:cNvPr id="3" name="Content Placeholder 2">
-            <a:extLst>
-              <a:ext uri="{FF2B5EF4-FFF2-40B4-BE49-F238E27FC236}">
-                <a16:creationId xmlns:a16="http://schemas.microsoft.com/office/drawing/2014/main" id="{122781D7-B5DC-7342-A22F-35FBC8C8DC13}"/>
-              </a:ext>
-            </a:extLst>
-          </p:cNvPr>
-          <p:cNvSpPr>
-            <a:spLocks noGrp="1"/>
-          </p:cNvSpPr>
-          <p:nvPr>
-            <p:ph idx="1"/>
-          </p:nvPr>
-        </p:nvSpPr>
-        <p:spPr/>
-        <p:txBody>
-          <a:bodyPr>
-            <a:normAutofit lnSpcReduction="10000"/>
-          </a:bodyPr>
-          <a:lstStyle/>
-          <a:p>
-            <a:r>
-              <a:rPr lang="en-US" dirty="0"/>
-              <a:t>Use After Free (UAF) challenge</a:t>
-            </a:r>
-          </a:p>
-          <a:p>
-            <a:r>
-              <a:rPr lang="en-US" dirty="0"/>
-              <a:t>Goal: Get the high score!</a:t>
-            </a:r>
-          </a:p>
-          <a:p>
-            <a:r>
-              <a:rPr lang="en-US" dirty="0"/>
-              <a:t>Options: </a:t>
-            </a:r>
-          </a:p>
-          <a:p>
-            <a:pPr marL="914400" lvl="1" indent="-457200">
-              <a:buFont typeface="+mj-lt"/>
-              <a:buAutoNum type="arabicPeriod"/>
-            </a:pPr>
-            <a:r>
-              <a:rPr lang="en-US" i="1" dirty="0"/>
-              <a:t>malloc</a:t>
-            </a:r>
-            <a:r>
-              <a:rPr lang="en-US" dirty="0"/>
-              <a:t>: Make a new player</a:t>
-            </a:r>
-            <a:endParaRPr lang="en-US" i="1" dirty="0"/>
-          </a:p>
-          <a:p>
-            <a:pPr marL="914400" lvl="1" indent="-457200">
-              <a:buFont typeface="+mj-lt"/>
-              <a:buAutoNum type="arabicPeriod"/>
-            </a:pPr>
-            <a:r>
-              <a:rPr lang="en-US" i="1" dirty="0"/>
-              <a:t>free</a:t>
-            </a:r>
-            <a:r>
-              <a:rPr lang="en-US" dirty="0"/>
-              <a:t>:</a:t>
-            </a:r>
-            <a:r>
-              <a:rPr lang="en-US" i="1" dirty="0"/>
-              <a:t> </a:t>
-            </a:r>
-            <a:r>
-              <a:rPr lang="en-US" dirty="0"/>
-              <a:t>Delete the player</a:t>
-            </a:r>
-          </a:p>
-          <a:p>
-            <a:pPr marL="914400" lvl="1" indent="-457200">
-              <a:buFont typeface="+mj-lt"/>
-              <a:buAutoNum type="arabicPeriod"/>
-            </a:pPr>
-            <a:r>
-              <a:rPr lang="en-US" i="1" dirty="0"/>
-              <a:t>use</a:t>
-            </a:r>
-            <a:r>
-              <a:rPr lang="en-US" dirty="0"/>
-              <a:t>: Play the game!</a:t>
-            </a:r>
-          </a:p>
-          <a:p>
-            <a:pPr marL="914400" lvl="1" indent="-457200">
-              <a:buFont typeface="+mj-lt"/>
-              <a:buAutoNum type="arabicPeriod"/>
-            </a:pPr>
-            <a:r>
-              <a:rPr lang="en-US" dirty="0"/>
-              <a:t>set: The </a:t>
-            </a:r>
-            <a:r>
-              <a:rPr lang="en-US" i="1" dirty="0"/>
-              <a:t>new</a:t>
-            </a:r>
-            <a:r>
-              <a:rPr lang="en-US" dirty="0"/>
-              <a:t> high score to be set (don’t need this for </a:t>
-            </a:r>
-            <a:r>
-              <a:rPr lang="en-US" dirty="0" err="1"/>
-              <a:t>pwn</a:t>
-            </a:r>
-            <a:r>
-              <a:rPr lang="en-US" dirty="0"/>
-              <a:t>!)</a:t>
-            </a:r>
-          </a:p>
-          <a:p>
-            <a:pPr marL="914400" lvl="1" indent="-457200">
-              <a:buFont typeface="+mj-lt"/>
-              <a:buAutoNum type="arabicPeriod"/>
-            </a:pPr>
-            <a:r>
-              <a:rPr lang="en-US" i="1" dirty="0"/>
-              <a:t>won</a:t>
-            </a:r>
-            <a:r>
-              <a:rPr lang="en-US" dirty="0"/>
-              <a:t>: Check to see if you have the high score</a:t>
-            </a:r>
-          </a:p>
-          <a:p>
-            <a:r>
-              <a:rPr lang="en-US" b="1" dirty="0"/>
-              <a:t>Hint: Look at </a:t>
-            </a:r>
-            <a:r>
-              <a:rPr lang="en-US" b="1" i="1" dirty="0"/>
-              <a:t>malloc</a:t>
-            </a:r>
-            <a:r>
-              <a:rPr lang="en-US" b="1" dirty="0"/>
-              <a:t> &amp; </a:t>
-            </a:r>
-            <a:r>
-              <a:rPr lang="en-US" b="1" i="1" dirty="0"/>
-              <a:t>free </a:t>
-            </a:r>
-            <a:r>
-              <a:rPr lang="en-US" b="1" dirty="0"/>
-              <a:t>(heap operations) </a:t>
-            </a:r>
-          </a:p>
-        </p:txBody>
-      </p:sp>
-    </p:spTree>
-    <p:extLst>
-      <p:ext uri="{BB962C8B-B14F-4D97-AF65-F5344CB8AC3E}">
-        <p14:creationId xmlns:p14="http://schemas.microsoft.com/office/powerpoint/2010/main" val="1402329773"/>
-      </p:ext>
-    </p:extLst>
-  </p:cSld>
-  <p:clrMapOvr>
-    <a:masterClrMapping/>
-  </p:clrMapOvr>
-</p:sld>
-</file>
-
-<file path=ppt/slides/slide12.xml><?xml version="1.0" encoding="utf-8"?>
-<p:sld xmlns:a="http://schemas.openxmlformats.org/drawingml/2006/main" xmlns:r="http://schemas.openxmlformats.org/officeDocument/2006/relationships" xmlns:p="http://schemas.openxmlformats.org/presentationml/2006/main">
-  <p:cSld>
-    <p:spTree>
-      <p:nvGrpSpPr>
-        <p:cNvPr id="1" name=""/>
-        <p:cNvGrpSpPr/>
-        <p:nvPr/>
-      </p:nvGrpSpPr>
-      <p:grpSpPr>
-        <a:xfrm>
-          <a:off x="0" y="0"/>
-          <a:ext cx="0" cy="0"/>
-          <a:chOff x="0" y="0"/>
-          <a:chExt cx="0" cy="0"/>
-        </a:xfrm>
-      </p:grpSpPr>
-      <p:sp>
-        <p:nvSpPr>
-          <p:cNvPr id="2" name="Title 1">
-            <a:extLst>
-              <a:ext uri="{FF2B5EF4-FFF2-40B4-BE49-F238E27FC236}">
                 <a16:creationId xmlns:a16="http://schemas.microsoft.com/office/drawing/2014/main" id="{08506B2A-1853-DC4C-8F91-DA7FFFFD7CD8}"/>
               </a:ext>
             </a:extLst>
@@ -20779,6 +20566,230 @@
     <p:extLst>
       <p:ext uri="{BB962C8B-B14F-4D97-AF65-F5344CB8AC3E}">
         <p14:creationId xmlns:p14="http://schemas.microsoft.com/office/powerpoint/2010/main" val="1653033134"/>
+      </p:ext>
+    </p:extLst>
+  </p:cSld>
+  <p:clrMapOvr>
+    <a:masterClrMapping/>
+  </p:clrMapOvr>
+</p:sld>
+</file>
+
+<file path=ppt/slides/slide12.xml><?xml version="1.0" encoding="utf-8"?>
+<p:sld xmlns:a="http://schemas.openxmlformats.org/drawingml/2006/main" xmlns:r="http://schemas.openxmlformats.org/officeDocument/2006/relationships" xmlns:p="http://schemas.openxmlformats.org/presentationml/2006/main">
+  <p:cSld>
+    <p:spTree>
+      <p:nvGrpSpPr>
+        <p:cNvPr id="1" name=""/>
+        <p:cNvGrpSpPr/>
+        <p:nvPr/>
+      </p:nvGrpSpPr>
+      <p:grpSpPr>
+        <a:xfrm>
+          <a:off x="0" y="0"/>
+          <a:ext cx="0" cy="0"/>
+          <a:chOff x="0" y="0"/>
+          <a:chExt cx="0" cy="0"/>
+        </a:xfrm>
+      </p:grpSpPr>
+      <p:sp>
+        <p:nvSpPr>
+          <p:cNvPr id="2" name="Title 1">
+            <a:extLst>
+              <a:ext uri="{FF2B5EF4-FFF2-40B4-BE49-F238E27FC236}">
+                <a16:creationId xmlns:a16="http://schemas.microsoft.com/office/drawing/2014/main" id="{142B44C5-7D46-424A-BA3F-8EC5059074A8}"/>
+              </a:ext>
+            </a:extLst>
+          </p:cNvPr>
+          <p:cNvSpPr>
+            <a:spLocks noGrp="1"/>
+          </p:cNvSpPr>
+          <p:nvPr>
+            <p:ph type="title"/>
+          </p:nvPr>
+        </p:nvSpPr>
+        <p:spPr/>
+        <p:txBody>
+          <a:bodyPr/>
+          <a:lstStyle/>
+          <a:p>
+            <a:r>
+              <a:rPr lang="en-US" dirty="0"/>
+              <a:t>UAF - Challenge</a:t>
+            </a:r>
+          </a:p>
+        </p:txBody>
+      </p:sp>
+      <p:sp>
+        <p:nvSpPr>
+          <p:cNvPr id="3" name="Content Placeholder 2">
+            <a:extLst>
+              <a:ext uri="{FF2B5EF4-FFF2-40B4-BE49-F238E27FC236}">
+                <a16:creationId xmlns:a16="http://schemas.microsoft.com/office/drawing/2014/main" id="{122781D7-B5DC-7342-A22F-35FBC8C8DC13}"/>
+              </a:ext>
+            </a:extLst>
+          </p:cNvPr>
+          <p:cNvSpPr>
+            <a:spLocks noGrp="1"/>
+          </p:cNvSpPr>
+          <p:nvPr>
+            <p:ph idx="1"/>
+          </p:nvPr>
+        </p:nvSpPr>
+        <p:spPr/>
+        <p:txBody>
+          <a:bodyPr>
+            <a:normAutofit fontScale="92500" lnSpcReduction="10000"/>
+          </a:bodyPr>
+          <a:lstStyle/>
+          <a:p>
+            <a:r>
+              <a:rPr lang="en-US" dirty="0"/>
+              <a:t>Use After Free (UAF) challenge:</a:t>
+            </a:r>
+          </a:p>
+          <a:p>
+            <a:pPr lvl="1"/>
+            <a:r>
+              <a:rPr lang="en-US" i="1" dirty="0" err="1"/>
+              <a:t>vuln_classes</a:t>
+            </a:r>
+            <a:r>
+              <a:rPr lang="en-US" i="1" dirty="0"/>
+              <a:t>/exercise1</a:t>
+            </a:r>
+          </a:p>
+          <a:p>
+            <a:r>
+              <a:rPr lang="en-US" dirty="0"/>
+              <a:t>Goal: Get the high score!</a:t>
+            </a:r>
+          </a:p>
+          <a:p>
+            <a:r>
+              <a:rPr lang="en-US" dirty="0"/>
+              <a:t>Options: </a:t>
+            </a:r>
+          </a:p>
+          <a:p>
+            <a:pPr marL="914400" lvl="1" indent="-457200">
+              <a:buFont typeface="+mj-lt"/>
+              <a:buAutoNum type="arabicPeriod"/>
+            </a:pPr>
+            <a:r>
+              <a:rPr lang="en-US" i="1" dirty="0"/>
+              <a:t>malloc</a:t>
+            </a:r>
+            <a:r>
+              <a:rPr lang="en-US" dirty="0"/>
+              <a:t>: Make a new player</a:t>
+            </a:r>
+            <a:endParaRPr lang="en-US" i="1" dirty="0"/>
+          </a:p>
+          <a:p>
+            <a:pPr marL="914400" lvl="1" indent="-457200">
+              <a:buFont typeface="+mj-lt"/>
+              <a:buAutoNum type="arabicPeriod"/>
+            </a:pPr>
+            <a:r>
+              <a:rPr lang="en-US" i="1" dirty="0"/>
+              <a:t>free</a:t>
+            </a:r>
+            <a:r>
+              <a:rPr lang="en-US" dirty="0"/>
+              <a:t>:</a:t>
+            </a:r>
+            <a:r>
+              <a:rPr lang="en-US" i="1" dirty="0"/>
+              <a:t> </a:t>
+            </a:r>
+            <a:r>
+              <a:rPr lang="en-US" dirty="0"/>
+              <a:t>Delete the player</a:t>
+            </a:r>
+          </a:p>
+          <a:p>
+            <a:pPr marL="914400" lvl="1" indent="-457200">
+              <a:buFont typeface="+mj-lt"/>
+              <a:buAutoNum type="arabicPeriod"/>
+            </a:pPr>
+            <a:r>
+              <a:rPr lang="en-US" i="1" dirty="0"/>
+              <a:t>use</a:t>
+            </a:r>
+            <a:r>
+              <a:rPr lang="en-US" dirty="0"/>
+              <a:t>: Play the game!</a:t>
+            </a:r>
+          </a:p>
+          <a:p>
+            <a:pPr marL="914400" lvl="1" indent="-457200">
+              <a:buFont typeface="+mj-lt"/>
+              <a:buAutoNum type="arabicPeriod"/>
+            </a:pPr>
+            <a:r>
+              <a:rPr lang="en-US" dirty="0"/>
+              <a:t>set: The </a:t>
+            </a:r>
+            <a:r>
+              <a:rPr lang="en-US" i="1" dirty="0"/>
+              <a:t>new</a:t>
+            </a:r>
+            <a:r>
+              <a:rPr lang="en-US" dirty="0"/>
+              <a:t> high score to be set (don’t need this for </a:t>
+            </a:r>
+            <a:r>
+              <a:rPr lang="en-US" dirty="0" err="1"/>
+              <a:t>pwn</a:t>
+            </a:r>
+            <a:r>
+              <a:rPr lang="en-US" dirty="0"/>
+              <a:t>!)</a:t>
+            </a:r>
+          </a:p>
+          <a:p>
+            <a:pPr marL="914400" lvl="1" indent="-457200">
+              <a:buFont typeface="+mj-lt"/>
+              <a:buAutoNum type="arabicPeriod"/>
+            </a:pPr>
+            <a:r>
+              <a:rPr lang="en-US" i="1" dirty="0"/>
+              <a:t>won</a:t>
+            </a:r>
+            <a:r>
+              <a:rPr lang="en-US" dirty="0"/>
+              <a:t>: Check to see if you have the high score</a:t>
+            </a:r>
+          </a:p>
+          <a:p>
+            <a:r>
+              <a:rPr lang="en-US" b="1" dirty="0"/>
+              <a:t>Hint: Look at </a:t>
+            </a:r>
+            <a:r>
+              <a:rPr lang="en-US" b="1" i="1" dirty="0"/>
+              <a:t>malloc</a:t>
+            </a:r>
+            <a:r>
+              <a:rPr lang="en-US" b="1" dirty="0"/>
+              <a:t> &amp; </a:t>
+            </a:r>
+            <a:r>
+              <a:rPr lang="en-US" b="1" i="1" dirty="0"/>
+              <a:t>free </a:t>
+            </a:r>
+            <a:r>
+              <a:rPr lang="en-US" b="1" dirty="0"/>
+              <a:t>(heap operations) </a:t>
+            </a:r>
+          </a:p>
+        </p:txBody>
+      </p:sp>
+    </p:spTree>
+    <p:extLst>
+      <p:ext uri="{BB962C8B-B14F-4D97-AF65-F5344CB8AC3E}">
+        <p14:creationId xmlns:p14="http://schemas.microsoft.com/office/powerpoint/2010/main" val="1507877895"/>
       </p:ext>
     </p:extLst>
   </p:cSld>
@@ -22284,7 +22295,7 @@
         <p:spPr/>
         <p:txBody>
           <a:bodyPr>
-            <a:normAutofit fontScale="90000"/>
+            <a:normAutofit/>
           </a:bodyPr>
           <a:lstStyle/>
           <a:p>
@@ -22432,7 +22443,7 @@
         <p:spPr/>
         <p:txBody>
           <a:bodyPr>
-            <a:normAutofit fontScale="90000"/>
+            <a:normAutofit/>
           </a:bodyPr>
           <a:lstStyle/>
           <a:p>
@@ -22795,7 +22806,7 @@
         </p:spPr>
         <p:txBody>
           <a:bodyPr anchor="ctr">
-            <a:normAutofit fontScale="90000"/>
+            <a:normAutofit/>
           </a:bodyPr>
           <a:lstStyle/>
           <a:p>
@@ -22926,7 +22937,7 @@
         </p:spPr>
         <p:txBody>
           <a:bodyPr anchor="ctr">
-            <a:normAutofit fontScale="90000"/>
+            <a:normAutofit/>
           </a:bodyPr>
           <a:lstStyle/>
           <a:p>
@@ -23070,7 +23081,7 @@
         </p:spPr>
         <p:txBody>
           <a:bodyPr anchor="ctr">
-            <a:normAutofit fontScale="90000"/>
+            <a:normAutofit/>
           </a:bodyPr>
           <a:lstStyle/>
           <a:p>
@@ -23214,7 +23225,7 @@
         </p:spPr>
         <p:txBody>
           <a:bodyPr anchor="ctr">
-            <a:normAutofit fontScale="90000"/>
+            <a:normAutofit/>
           </a:bodyPr>
           <a:lstStyle/>
           <a:p>
@@ -23370,7 +23381,7 @@
         </p:spPr>
         <p:txBody>
           <a:bodyPr anchor="ctr">
-            <a:normAutofit fontScale="90000"/>
+            <a:normAutofit/>
           </a:bodyPr>
           <a:lstStyle/>
           <a:p>
@@ -23635,7 +23646,7 @@
         </p:spPr>
         <p:txBody>
           <a:bodyPr anchor="ctr">
-            <a:normAutofit fontScale="90000"/>
+            <a:normAutofit/>
           </a:bodyPr>
           <a:lstStyle/>
           <a:p>
@@ -23873,7 +23884,7 @@
         </p:spPr>
         <p:txBody>
           <a:bodyPr anchor="ctr">
-            <a:normAutofit fontScale="90000"/>
+            <a:normAutofit/>
           </a:bodyPr>
           <a:lstStyle/>
           <a:p>
@@ -24014,7 +24025,7 @@
         </p:spPr>
         <p:txBody>
           <a:bodyPr anchor="ctr">
-            <a:normAutofit fontScale="90000"/>
+            <a:normAutofit/>
           </a:bodyPr>
           <a:lstStyle/>
           <a:p>
@@ -24597,7 +24608,7 @@
         <p:spPr/>
         <p:txBody>
           <a:bodyPr>
-            <a:normAutofit fontScale="90000"/>
+            <a:normAutofit/>
           </a:bodyPr>
           <a:lstStyle/>
           <a:p>
@@ -25250,7 +25261,7 @@
         </p:spPr>
         <p:txBody>
           <a:bodyPr anchor="ctr">
-            <a:normAutofit fontScale="90000"/>
+            <a:normAutofit/>
           </a:bodyPr>
           <a:lstStyle/>
           <a:p>
@@ -26348,7 +26359,7 @@
         <p:spPr/>
         <p:txBody>
           <a:bodyPr>
-            <a:normAutofit fontScale="70000" lnSpcReduction="20000"/>
+            <a:normAutofit fontScale="77500" lnSpcReduction="20000"/>
           </a:bodyPr>
           <a:lstStyle/>
           <a:p>

--- a/modules/vuln_classes/vuln_classes.pptx
+++ b/modules/vuln_classes/vuln_classes.pptx
@@ -18,8 +18,8 @@
     <p:sldId id="505" r:id="rId9"/>
     <p:sldId id="506" r:id="rId10"/>
     <p:sldId id="507" r:id="rId11"/>
-    <p:sldId id="436" r:id="rId12"/>
-    <p:sldId id="515" r:id="rId13"/>
+    <p:sldId id="515" r:id="rId12"/>
+    <p:sldId id="436" r:id="rId13"/>
     <p:sldId id="468" r:id="rId14"/>
     <p:sldId id="469" r:id="rId15"/>
     <p:sldId id="471" r:id="rId16"/>
@@ -15574,7 +15574,7 @@
           <a:p>
             <a:fld id="{2DA23E8D-1792-1541-9147-970A8DD8A355}" type="datetimeFigureOut">
               <a:rPr lang="en-US" smtClean="0"/>
-              <a:t>7/30/2021</a:t>
+              <a:t>8/5/2021</a:t>
             </a:fld>
             <a:endParaRPr lang="en-US" dirty="0"/>
           </a:p>
@@ -16058,7 +16058,42 @@
           <a:p>
             <a:r>
               <a:rPr lang="en-US" dirty="0"/>
-              <a:t>Questions?</a:t>
+              <a:t>- Two pointers to the same spot in memory</a:t>
+            </a:r>
+          </a:p>
+          <a:p>
+            <a:pPr marL="171450" indent="-171450">
+              <a:buFontTx/>
+              <a:buChar char="-"/>
+            </a:pPr>
+            <a:r>
+              <a:rPr lang="en-US" dirty="0"/>
+              <a:t>Edit </a:t>
+            </a:r>
+            <a:r>
+              <a:rPr lang="en-US" dirty="0" err="1"/>
+              <a:t>fd</a:t>
+            </a:r>
+            <a:r>
+              <a:rPr lang="en-US" dirty="0"/>
+              <a:t> &amp; bk of a chunk</a:t>
+            </a:r>
+          </a:p>
+          <a:p>
+            <a:pPr marL="171450" indent="-171450">
+              <a:buFontTx/>
+              <a:buChar char="-"/>
+            </a:pPr>
+            <a:endParaRPr lang="en-US" dirty="0"/>
+          </a:p>
+          <a:p>
+            <a:pPr marL="0" indent="0">
+              <a:buFontTx/>
+              <a:buNone/>
+            </a:pPr>
+            <a:r>
+              <a:rPr lang="en-US" dirty="0"/>
+              <a:t>QUESTIONS!</a:t>
             </a:r>
           </a:p>
         </p:txBody>
@@ -16080,6 +16115,93 @@
           <a:p>
             <a:fld id="{AC55928C-CD14-454C-B617-1AFCF9A58596}" type="slidenum">
               <a:rPr lang="en-US" smtClean="0"/>
+              <a:t>5</a:t>
+            </a:fld>
+            <a:endParaRPr lang="en-US" dirty="0"/>
+          </a:p>
+        </p:txBody>
+      </p:sp>
+    </p:spTree>
+    <p:extLst>
+      <p:ext uri="{BB962C8B-B14F-4D97-AF65-F5344CB8AC3E}">
+        <p14:creationId xmlns:p14="http://schemas.microsoft.com/office/powerpoint/2010/main" val="1196125804"/>
+      </p:ext>
+    </p:extLst>
+  </p:cSld>
+  <p:clrMapOvr>
+    <a:masterClrMapping/>
+  </p:clrMapOvr>
+</p:notes>
+</file>
+
+<file path=ppt/notesSlides/notesSlide4.xml><?xml version="1.0" encoding="utf-8"?>
+<p:notes xmlns:a="http://schemas.openxmlformats.org/drawingml/2006/main" xmlns:r="http://schemas.openxmlformats.org/officeDocument/2006/relationships" xmlns:p="http://schemas.openxmlformats.org/presentationml/2006/main">
+  <p:cSld>
+    <p:spTree>
+      <p:nvGrpSpPr>
+        <p:cNvPr id="1" name=""/>
+        <p:cNvGrpSpPr/>
+        <p:nvPr/>
+      </p:nvGrpSpPr>
+      <p:grpSpPr>
+        <a:xfrm>
+          <a:off x="0" y="0"/>
+          <a:ext cx="0" cy="0"/>
+          <a:chOff x="0" y="0"/>
+          <a:chExt cx="0" cy="0"/>
+        </a:xfrm>
+      </p:grpSpPr>
+      <p:sp>
+        <p:nvSpPr>
+          <p:cNvPr id="2" name="Slide Image Placeholder 1"/>
+          <p:cNvSpPr>
+            <a:spLocks noGrp="1" noRot="1" noChangeAspect="1"/>
+          </p:cNvSpPr>
+          <p:nvPr>
+            <p:ph type="sldImg"/>
+          </p:nvPr>
+        </p:nvSpPr>
+        <p:spPr/>
+      </p:sp>
+      <p:sp>
+        <p:nvSpPr>
+          <p:cNvPr id="3" name="Notes Placeholder 2"/>
+          <p:cNvSpPr>
+            <a:spLocks noGrp="1"/>
+          </p:cNvSpPr>
+          <p:nvPr>
+            <p:ph type="body" idx="1"/>
+          </p:nvPr>
+        </p:nvSpPr>
+        <p:spPr/>
+        <p:txBody>
+          <a:bodyPr/>
+          <a:lstStyle/>
+          <a:p>
+            <a:r>
+              <a:rPr lang="en-US" dirty="0"/>
+              <a:t>Questions?</a:t>
+            </a:r>
+          </a:p>
+        </p:txBody>
+      </p:sp>
+      <p:sp>
+        <p:nvSpPr>
+          <p:cNvPr id="4" name="Slide Number Placeholder 3"/>
+          <p:cNvSpPr>
+            <a:spLocks noGrp="1"/>
+          </p:cNvSpPr>
+          <p:nvPr>
+            <p:ph type="sldNum" sz="quarter" idx="5"/>
+          </p:nvPr>
+        </p:nvSpPr>
+        <p:spPr/>
+        <p:txBody>
+          <a:bodyPr/>
+          <a:lstStyle/>
+          <a:p>
+            <a:fld id="{AC55928C-CD14-454C-B617-1AFCF9A58596}" type="slidenum">
+              <a:rPr lang="en-US" smtClean="0"/>
               <a:t>18</a:t>
             </a:fld>
             <a:endParaRPr lang="en-US" dirty="0"/>
@@ -16090,6 +16212,186 @@
     <p:extLst>
       <p:ext uri="{BB962C8B-B14F-4D97-AF65-F5344CB8AC3E}">
         <p14:creationId xmlns:p14="http://schemas.microsoft.com/office/powerpoint/2010/main" val="2404414752"/>
+      </p:ext>
+    </p:extLst>
+  </p:cSld>
+  <p:clrMapOvr>
+    <a:masterClrMapping/>
+  </p:clrMapOvr>
+</p:notes>
+</file>
+
+<file path=ppt/notesSlides/notesSlide5.xml><?xml version="1.0" encoding="utf-8"?>
+<p:notes xmlns:a="http://schemas.openxmlformats.org/drawingml/2006/main" xmlns:r="http://schemas.openxmlformats.org/officeDocument/2006/relationships" xmlns:p="http://schemas.openxmlformats.org/presentationml/2006/main">
+  <p:cSld>
+    <p:spTree>
+      <p:nvGrpSpPr>
+        <p:cNvPr id="1" name=""/>
+        <p:cNvGrpSpPr/>
+        <p:nvPr/>
+      </p:nvGrpSpPr>
+      <p:grpSpPr>
+        <a:xfrm>
+          <a:off x="0" y="0"/>
+          <a:ext cx="0" cy="0"/>
+          <a:chOff x="0" y="0"/>
+          <a:chExt cx="0" cy="0"/>
+        </a:xfrm>
+      </p:grpSpPr>
+      <p:sp>
+        <p:nvSpPr>
+          <p:cNvPr id="2" name="Slide Image Placeholder 1"/>
+          <p:cNvSpPr>
+            <a:spLocks noGrp="1" noRot="1" noChangeAspect="1"/>
+          </p:cNvSpPr>
+          <p:nvPr>
+            <p:ph type="sldImg"/>
+          </p:nvPr>
+        </p:nvSpPr>
+        <p:spPr/>
+      </p:sp>
+      <p:sp>
+        <p:nvSpPr>
+          <p:cNvPr id="3" name="Notes Placeholder 2"/>
+          <p:cNvSpPr>
+            <a:spLocks noGrp="1"/>
+          </p:cNvSpPr>
+          <p:nvPr>
+            <p:ph type="body" idx="1"/>
+          </p:nvPr>
+        </p:nvSpPr>
+        <p:spPr/>
+        <p:txBody>
+          <a:bodyPr/>
+          <a:lstStyle/>
+          <a:p>
+            <a:r>
+              <a:rPr lang="en-US" dirty="0"/>
+              <a:t>The hotel keeps an available list of hotels on paper in a linked list. </a:t>
+            </a:r>
+          </a:p>
+        </p:txBody>
+      </p:sp>
+      <p:sp>
+        <p:nvSpPr>
+          <p:cNvPr id="4" name="Slide Number Placeholder 3"/>
+          <p:cNvSpPr>
+            <a:spLocks noGrp="1"/>
+          </p:cNvSpPr>
+          <p:nvPr>
+            <p:ph type="sldNum" sz="quarter" idx="5"/>
+          </p:nvPr>
+        </p:nvSpPr>
+        <p:spPr/>
+        <p:txBody>
+          <a:bodyPr/>
+          <a:lstStyle/>
+          <a:p>
+            <a:fld id="{AC55928C-CD14-454C-B617-1AFCF9A58596}" type="slidenum">
+              <a:rPr lang="en-US" smtClean="0"/>
+              <a:t>20</a:t>
+            </a:fld>
+            <a:endParaRPr lang="en-US" dirty="0"/>
+          </a:p>
+        </p:txBody>
+      </p:sp>
+    </p:spTree>
+    <p:extLst>
+      <p:ext uri="{BB962C8B-B14F-4D97-AF65-F5344CB8AC3E}">
+        <p14:creationId xmlns:p14="http://schemas.microsoft.com/office/powerpoint/2010/main" val="3736152949"/>
+      </p:ext>
+    </p:extLst>
+  </p:cSld>
+  <p:clrMapOvr>
+    <a:masterClrMapping/>
+  </p:clrMapOvr>
+</p:notes>
+</file>
+
+<file path=ppt/notesSlides/notesSlide6.xml><?xml version="1.0" encoding="utf-8"?>
+<p:notes xmlns:a="http://schemas.openxmlformats.org/drawingml/2006/main" xmlns:r="http://schemas.openxmlformats.org/officeDocument/2006/relationships" xmlns:p="http://schemas.openxmlformats.org/presentationml/2006/main">
+  <p:cSld>
+    <p:spTree>
+      <p:nvGrpSpPr>
+        <p:cNvPr id="1" name=""/>
+        <p:cNvGrpSpPr/>
+        <p:nvPr/>
+      </p:nvGrpSpPr>
+      <p:grpSpPr>
+        <a:xfrm>
+          <a:off x="0" y="0"/>
+          <a:ext cx="0" cy="0"/>
+          <a:chOff x="0" y="0"/>
+          <a:chExt cx="0" cy="0"/>
+        </a:xfrm>
+      </p:grpSpPr>
+      <p:sp>
+        <p:nvSpPr>
+          <p:cNvPr id="2" name="Slide Image Placeholder 1"/>
+          <p:cNvSpPr>
+            <a:spLocks noGrp="1" noRot="1" noChangeAspect="1"/>
+          </p:cNvSpPr>
+          <p:nvPr>
+            <p:ph type="sldImg"/>
+          </p:nvPr>
+        </p:nvSpPr>
+        <p:spPr/>
+      </p:sp>
+      <p:sp>
+        <p:nvSpPr>
+          <p:cNvPr id="3" name="Notes Placeholder 2"/>
+          <p:cNvSpPr>
+            <a:spLocks noGrp="1"/>
+          </p:cNvSpPr>
+          <p:nvPr>
+            <p:ph type="body" idx="1"/>
+          </p:nvPr>
+        </p:nvSpPr>
+        <p:spPr/>
+        <p:txBody>
+          <a:bodyPr/>
+          <a:lstStyle/>
+          <a:p>
+            <a:r>
+              <a:rPr lang="en-US" dirty="0"/>
+              <a:t>Arbitrary Free primitive </a:t>
+            </a:r>
+          </a:p>
+          <a:p>
+            <a:r>
+              <a:rPr lang="en-US" dirty="0"/>
+              <a:t>https://google.github.io/security-research/pocs/linux/cve-2021-22555/writeup.html</a:t>
+            </a:r>
+          </a:p>
+        </p:txBody>
+      </p:sp>
+      <p:sp>
+        <p:nvSpPr>
+          <p:cNvPr id="4" name="Slide Number Placeholder 3"/>
+          <p:cNvSpPr>
+            <a:spLocks noGrp="1"/>
+          </p:cNvSpPr>
+          <p:nvPr>
+            <p:ph type="sldNum" sz="quarter" idx="5"/>
+          </p:nvPr>
+        </p:nvSpPr>
+        <p:spPr/>
+        <p:txBody>
+          <a:bodyPr/>
+          <a:lstStyle/>
+          <a:p>
+            <a:fld id="{AC55928C-CD14-454C-B617-1AFCF9A58596}" type="slidenum">
+              <a:rPr lang="en-US" smtClean="0"/>
+              <a:t>41</a:t>
+            </a:fld>
+            <a:endParaRPr lang="en-US" dirty="0"/>
+          </a:p>
+        </p:txBody>
+      </p:sp>
+    </p:spTree>
+    <p:extLst>
+      <p:ext uri="{BB962C8B-B14F-4D97-AF65-F5344CB8AC3E}">
+        <p14:creationId xmlns:p14="http://schemas.microsoft.com/office/powerpoint/2010/main" val="1743552458"/>
       </p:ext>
     </p:extLst>
   </p:cSld>
@@ -16302,7 +16604,7 @@
                 <a:latin typeface="Calibri"/>
               </a:rPr>
               <a:pPr/>
-              <a:t>7/30/2021</a:t>
+              <a:t>8/5/2021</a:t>
             </a:fld>
             <a:endParaRPr lang="en-US" dirty="0">
               <a:solidFill>
@@ -16555,7 +16857,7 @@
                 <a:latin typeface="Calibri"/>
               </a:rPr>
               <a:pPr/>
-              <a:t>7/30/2021</a:t>
+              <a:t>8/5/2021</a:t>
             </a:fld>
             <a:endParaRPr lang="en-US" dirty="0">
               <a:solidFill>
@@ -16770,7 +17072,7 @@
                 <a:latin typeface="Calibri"/>
               </a:rPr>
               <a:pPr/>
-              <a:t>7/30/2021</a:t>
+              <a:t>8/5/2021</a:t>
             </a:fld>
             <a:endParaRPr lang="en-US" dirty="0">
               <a:solidFill>
@@ -17054,7 +17356,7 @@
                 <a:latin typeface="Calibri"/>
               </a:rPr>
               <a:pPr/>
-              <a:t>7/30/2021</a:t>
+              <a:t>8/5/2021</a:t>
             </a:fld>
             <a:endParaRPr lang="en-US" dirty="0">
               <a:solidFill>
@@ -17396,7 +17698,7 @@
                 <a:latin typeface="Calibri"/>
               </a:rPr>
               <a:pPr/>
-              <a:t>7/30/2021</a:t>
+              <a:t>8/5/2021</a:t>
             </a:fld>
             <a:endParaRPr lang="en-US" dirty="0">
               <a:solidFill>
@@ -17724,7 +18026,7 @@
                 <a:latin typeface="Calibri"/>
               </a:rPr>
               <a:pPr/>
-              <a:t>7/30/2021</a:t>
+              <a:t>8/5/2021</a:t>
             </a:fld>
             <a:endParaRPr lang="en-US" dirty="0">
               <a:solidFill>
@@ -18213,7 +18515,7 @@
                 <a:latin typeface="Calibri"/>
               </a:rPr>
               <a:pPr/>
-              <a:t>7/30/2021</a:t>
+              <a:t>8/5/2021</a:t>
             </a:fld>
             <a:endParaRPr lang="en-US" dirty="0">
               <a:solidFill>
@@ -18396,7 +18698,7 @@
                 <a:latin typeface="Calibri"/>
               </a:rPr>
               <a:pPr/>
-              <a:t>7/30/2021</a:t>
+              <a:t>8/5/2021</a:t>
             </a:fld>
             <a:endParaRPr lang="en-US" dirty="0">
               <a:solidFill>
@@ -18642,7 +18944,7 @@
                 <a:latin typeface="Calibri"/>
               </a:rPr>
               <a:pPr/>
-              <a:t>7/30/2021</a:t>
+              <a:t>8/5/2021</a:t>
             </a:fld>
             <a:endParaRPr lang="en-US" dirty="0">
               <a:solidFill>
@@ -18984,7 +19286,7 @@
                 <a:latin typeface="Calibri"/>
               </a:rPr>
               <a:pPr/>
-              <a:t>7/30/2021</a:t>
+              <a:t>8/5/2021</a:t>
             </a:fld>
             <a:endParaRPr lang="en-US" dirty="0">
               <a:solidFill>
@@ -19276,7 +19578,7 @@
                 <a:latin typeface="Calibri"/>
               </a:rPr>
               <a:pPr/>
-              <a:t>7/30/2021</a:t>
+              <a:t>8/5/2021</a:t>
             </a:fld>
             <a:endParaRPr lang="en-US" dirty="0">
               <a:solidFill>
@@ -19526,7 +19828,7 @@
                 <a:latin typeface="Calibri"/>
               </a:rPr>
               <a:pPr defTabSz="914400"/>
-              <a:t>7/30/2021</a:t>
+              <a:t>8/5/2021</a:t>
             </a:fld>
             <a:endParaRPr lang="en-US" dirty="0">
               <a:solidFill>
@@ -20466,6 +20768,230 @@
           <p:cNvPr id="2" name="Title 1">
             <a:extLst>
               <a:ext uri="{FF2B5EF4-FFF2-40B4-BE49-F238E27FC236}">
+                <a16:creationId xmlns:a16="http://schemas.microsoft.com/office/drawing/2014/main" id="{142B44C5-7D46-424A-BA3F-8EC5059074A8}"/>
+              </a:ext>
+            </a:extLst>
+          </p:cNvPr>
+          <p:cNvSpPr>
+            <a:spLocks noGrp="1"/>
+          </p:cNvSpPr>
+          <p:nvPr>
+            <p:ph type="title"/>
+          </p:nvPr>
+        </p:nvSpPr>
+        <p:spPr/>
+        <p:txBody>
+          <a:bodyPr/>
+          <a:lstStyle/>
+          <a:p>
+            <a:r>
+              <a:rPr lang="en-US" dirty="0"/>
+              <a:t>UAF - Challenge</a:t>
+            </a:r>
+          </a:p>
+        </p:txBody>
+      </p:sp>
+      <p:sp>
+        <p:nvSpPr>
+          <p:cNvPr id="3" name="Content Placeholder 2">
+            <a:extLst>
+              <a:ext uri="{FF2B5EF4-FFF2-40B4-BE49-F238E27FC236}">
+                <a16:creationId xmlns:a16="http://schemas.microsoft.com/office/drawing/2014/main" id="{122781D7-B5DC-7342-A22F-35FBC8C8DC13}"/>
+              </a:ext>
+            </a:extLst>
+          </p:cNvPr>
+          <p:cNvSpPr>
+            <a:spLocks noGrp="1"/>
+          </p:cNvSpPr>
+          <p:nvPr>
+            <p:ph idx="1"/>
+          </p:nvPr>
+        </p:nvSpPr>
+        <p:spPr/>
+        <p:txBody>
+          <a:bodyPr>
+            <a:normAutofit fontScale="92500" lnSpcReduction="10000"/>
+          </a:bodyPr>
+          <a:lstStyle/>
+          <a:p>
+            <a:r>
+              <a:rPr lang="en-US" dirty="0"/>
+              <a:t>Use After Free (UAF) challenge:</a:t>
+            </a:r>
+          </a:p>
+          <a:p>
+            <a:pPr lvl="1"/>
+            <a:r>
+              <a:rPr lang="en-US" i="1" dirty="0" err="1"/>
+              <a:t>vuln_classes</a:t>
+            </a:r>
+            <a:r>
+              <a:rPr lang="en-US" i="1" dirty="0"/>
+              <a:t>/exercise1</a:t>
+            </a:r>
+          </a:p>
+          <a:p>
+            <a:r>
+              <a:rPr lang="en-US" dirty="0"/>
+              <a:t>Goal: Get the high score!</a:t>
+            </a:r>
+          </a:p>
+          <a:p>
+            <a:r>
+              <a:rPr lang="en-US" dirty="0"/>
+              <a:t>Options: </a:t>
+            </a:r>
+          </a:p>
+          <a:p>
+            <a:pPr marL="914400" lvl="1" indent="-457200">
+              <a:buFont typeface="+mj-lt"/>
+              <a:buAutoNum type="arabicPeriod"/>
+            </a:pPr>
+            <a:r>
+              <a:rPr lang="en-US" i="1" dirty="0"/>
+              <a:t>malloc</a:t>
+            </a:r>
+            <a:r>
+              <a:rPr lang="en-US" dirty="0"/>
+              <a:t>: Make a new player</a:t>
+            </a:r>
+            <a:endParaRPr lang="en-US" i="1" dirty="0"/>
+          </a:p>
+          <a:p>
+            <a:pPr marL="914400" lvl="1" indent="-457200">
+              <a:buFont typeface="+mj-lt"/>
+              <a:buAutoNum type="arabicPeriod"/>
+            </a:pPr>
+            <a:r>
+              <a:rPr lang="en-US" i="1" dirty="0"/>
+              <a:t>free</a:t>
+            </a:r>
+            <a:r>
+              <a:rPr lang="en-US" dirty="0"/>
+              <a:t>:</a:t>
+            </a:r>
+            <a:r>
+              <a:rPr lang="en-US" i="1" dirty="0"/>
+              <a:t> </a:t>
+            </a:r>
+            <a:r>
+              <a:rPr lang="en-US" dirty="0"/>
+              <a:t>Delete the player</a:t>
+            </a:r>
+          </a:p>
+          <a:p>
+            <a:pPr marL="914400" lvl="1" indent="-457200">
+              <a:buFont typeface="+mj-lt"/>
+              <a:buAutoNum type="arabicPeriod"/>
+            </a:pPr>
+            <a:r>
+              <a:rPr lang="en-US" i="1" dirty="0"/>
+              <a:t>use</a:t>
+            </a:r>
+            <a:r>
+              <a:rPr lang="en-US" dirty="0"/>
+              <a:t>: Play the game!</a:t>
+            </a:r>
+          </a:p>
+          <a:p>
+            <a:pPr marL="914400" lvl="1" indent="-457200">
+              <a:buFont typeface="+mj-lt"/>
+              <a:buAutoNum type="arabicPeriod"/>
+            </a:pPr>
+            <a:r>
+              <a:rPr lang="en-US" dirty="0"/>
+              <a:t>set: The </a:t>
+            </a:r>
+            <a:r>
+              <a:rPr lang="en-US" i="1" dirty="0"/>
+              <a:t>new</a:t>
+            </a:r>
+            <a:r>
+              <a:rPr lang="en-US" dirty="0"/>
+              <a:t> high score to be set (don’t need this for </a:t>
+            </a:r>
+            <a:r>
+              <a:rPr lang="en-US" dirty="0" err="1"/>
+              <a:t>pwn</a:t>
+            </a:r>
+            <a:r>
+              <a:rPr lang="en-US" dirty="0"/>
+              <a:t>!)</a:t>
+            </a:r>
+          </a:p>
+          <a:p>
+            <a:pPr marL="914400" lvl="1" indent="-457200">
+              <a:buFont typeface="+mj-lt"/>
+              <a:buAutoNum type="arabicPeriod"/>
+            </a:pPr>
+            <a:r>
+              <a:rPr lang="en-US" i="1" dirty="0"/>
+              <a:t>won</a:t>
+            </a:r>
+            <a:r>
+              <a:rPr lang="en-US" dirty="0"/>
+              <a:t>: Check to see if you have the high score</a:t>
+            </a:r>
+          </a:p>
+          <a:p>
+            <a:r>
+              <a:rPr lang="en-US" b="1" dirty="0"/>
+              <a:t>Hint: Look at </a:t>
+            </a:r>
+            <a:r>
+              <a:rPr lang="en-US" b="1" i="1" dirty="0"/>
+              <a:t>malloc</a:t>
+            </a:r>
+            <a:r>
+              <a:rPr lang="en-US" b="1" dirty="0"/>
+              <a:t> &amp; </a:t>
+            </a:r>
+            <a:r>
+              <a:rPr lang="en-US" b="1" i="1" dirty="0"/>
+              <a:t>free </a:t>
+            </a:r>
+            <a:r>
+              <a:rPr lang="en-US" b="1" dirty="0"/>
+              <a:t>(heap operations) </a:t>
+            </a:r>
+          </a:p>
+        </p:txBody>
+      </p:sp>
+    </p:spTree>
+    <p:extLst>
+      <p:ext uri="{BB962C8B-B14F-4D97-AF65-F5344CB8AC3E}">
+        <p14:creationId xmlns:p14="http://schemas.microsoft.com/office/powerpoint/2010/main" val="1507877895"/>
+      </p:ext>
+    </p:extLst>
+  </p:cSld>
+  <p:clrMapOvr>
+    <a:masterClrMapping/>
+  </p:clrMapOvr>
+</p:sld>
+</file>
+
+<file path=ppt/slides/slide12.xml><?xml version="1.0" encoding="utf-8"?>
+<p:sld xmlns:a="http://schemas.openxmlformats.org/drawingml/2006/main" xmlns:r="http://schemas.openxmlformats.org/officeDocument/2006/relationships" xmlns:p="http://schemas.openxmlformats.org/presentationml/2006/main">
+  <p:cSld>
+    <p:spTree>
+      <p:nvGrpSpPr>
+        <p:cNvPr id="1" name=""/>
+        <p:cNvGrpSpPr/>
+        <p:nvPr/>
+      </p:nvGrpSpPr>
+      <p:grpSpPr>
+        <a:xfrm>
+          <a:off x="0" y="0"/>
+          <a:ext cx="0" cy="0"/>
+          <a:chOff x="0" y="0"/>
+          <a:chExt cx="0" cy="0"/>
+        </a:xfrm>
+      </p:grpSpPr>
+      <p:sp>
+        <p:nvSpPr>
+          <p:cNvPr id="2" name="Title 1">
+            <a:extLst>
+              <a:ext uri="{FF2B5EF4-FFF2-40B4-BE49-F238E27FC236}">
                 <a16:creationId xmlns:a16="http://schemas.microsoft.com/office/drawing/2014/main" id="{08506B2A-1853-DC4C-8F91-DA7FFFFD7CD8}"/>
               </a:ext>
             </a:extLst>
@@ -20566,230 +21092,6 @@
     <p:extLst>
       <p:ext uri="{BB962C8B-B14F-4D97-AF65-F5344CB8AC3E}">
         <p14:creationId xmlns:p14="http://schemas.microsoft.com/office/powerpoint/2010/main" val="1653033134"/>
-      </p:ext>
-    </p:extLst>
-  </p:cSld>
-  <p:clrMapOvr>
-    <a:masterClrMapping/>
-  </p:clrMapOvr>
-</p:sld>
-</file>
-
-<file path=ppt/slides/slide12.xml><?xml version="1.0" encoding="utf-8"?>
-<p:sld xmlns:a="http://schemas.openxmlformats.org/drawingml/2006/main" xmlns:r="http://schemas.openxmlformats.org/officeDocument/2006/relationships" xmlns:p="http://schemas.openxmlformats.org/presentationml/2006/main">
-  <p:cSld>
-    <p:spTree>
-      <p:nvGrpSpPr>
-        <p:cNvPr id="1" name=""/>
-        <p:cNvGrpSpPr/>
-        <p:nvPr/>
-      </p:nvGrpSpPr>
-      <p:grpSpPr>
-        <a:xfrm>
-          <a:off x="0" y="0"/>
-          <a:ext cx="0" cy="0"/>
-          <a:chOff x="0" y="0"/>
-          <a:chExt cx="0" cy="0"/>
-        </a:xfrm>
-      </p:grpSpPr>
-      <p:sp>
-        <p:nvSpPr>
-          <p:cNvPr id="2" name="Title 1">
-            <a:extLst>
-              <a:ext uri="{FF2B5EF4-FFF2-40B4-BE49-F238E27FC236}">
-                <a16:creationId xmlns:a16="http://schemas.microsoft.com/office/drawing/2014/main" id="{142B44C5-7D46-424A-BA3F-8EC5059074A8}"/>
-              </a:ext>
-            </a:extLst>
-          </p:cNvPr>
-          <p:cNvSpPr>
-            <a:spLocks noGrp="1"/>
-          </p:cNvSpPr>
-          <p:nvPr>
-            <p:ph type="title"/>
-          </p:nvPr>
-        </p:nvSpPr>
-        <p:spPr/>
-        <p:txBody>
-          <a:bodyPr/>
-          <a:lstStyle/>
-          <a:p>
-            <a:r>
-              <a:rPr lang="en-US" dirty="0"/>
-              <a:t>UAF - Challenge</a:t>
-            </a:r>
-          </a:p>
-        </p:txBody>
-      </p:sp>
-      <p:sp>
-        <p:nvSpPr>
-          <p:cNvPr id="3" name="Content Placeholder 2">
-            <a:extLst>
-              <a:ext uri="{FF2B5EF4-FFF2-40B4-BE49-F238E27FC236}">
-                <a16:creationId xmlns:a16="http://schemas.microsoft.com/office/drawing/2014/main" id="{122781D7-B5DC-7342-A22F-35FBC8C8DC13}"/>
-              </a:ext>
-            </a:extLst>
-          </p:cNvPr>
-          <p:cNvSpPr>
-            <a:spLocks noGrp="1"/>
-          </p:cNvSpPr>
-          <p:nvPr>
-            <p:ph idx="1"/>
-          </p:nvPr>
-        </p:nvSpPr>
-        <p:spPr/>
-        <p:txBody>
-          <a:bodyPr>
-            <a:normAutofit fontScale="92500" lnSpcReduction="10000"/>
-          </a:bodyPr>
-          <a:lstStyle/>
-          <a:p>
-            <a:r>
-              <a:rPr lang="en-US" dirty="0"/>
-              <a:t>Use After Free (UAF) challenge:</a:t>
-            </a:r>
-          </a:p>
-          <a:p>
-            <a:pPr lvl="1"/>
-            <a:r>
-              <a:rPr lang="en-US" i="1" dirty="0" err="1"/>
-              <a:t>vuln_classes</a:t>
-            </a:r>
-            <a:r>
-              <a:rPr lang="en-US" i="1" dirty="0"/>
-              <a:t>/exercise1</a:t>
-            </a:r>
-          </a:p>
-          <a:p>
-            <a:r>
-              <a:rPr lang="en-US" dirty="0"/>
-              <a:t>Goal: Get the high score!</a:t>
-            </a:r>
-          </a:p>
-          <a:p>
-            <a:r>
-              <a:rPr lang="en-US" dirty="0"/>
-              <a:t>Options: </a:t>
-            </a:r>
-          </a:p>
-          <a:p>
-            <a:pPr marL="914400" lvl="1" indent="-457200">
-              <a:buFont typeface="+mj-lt"/>
-              <a:buAutoNum type="arabicPeriod"/>
-            </a:pPr>
-            <a:r>
-              <a:rPr lang="en-US" i="1" dirty="0"/>
-              <a:t>malloc</a:t>
-            </a:r>
-            <a:r>
-              <a:rPr lang="en-US" dirty="0"/>
-              <a:t>: Make a new player</a:t>
-            </a:r>
-            <a:endParaRPr lang="en-US" i="1" dirty="0"/>
-          </a:p>
-          <a:p>
-            <a:pPr marL="914400" lvl="1" indent="-457200">
-              <a:buFont typeface="+mj-lt"/>
-              <a:buAutoNum type="arabicPeriod"/>
-            </a:pPr>
-            <a:r>
-              <a:rPr lang="en-US" i="1" dirty="0"/>
-              <a:t>free</a:t>
-            </a:r>
-            <a:r>
-              <a:rPr lang="en-US" dirty="0"/>
-              <a:t>:</a:t>
-            </a:r>
-            <a:r>
-              <a:rPr lang="en-US" i="1" dirty="0"/>
-              <a:t> </a:t>
-            </a:r>
-            <a:r>
-              <a:rPr lang="en-US" dirty="0"/>
-              <a:t>Delete the player</a:t>
-            </a:r>
-          </a:p>
-          <a:p>
-            <a:pPr marL="914400" lvl="1" indent="-457200">
-              <a:buFont typeface="+mj-lt"/>
-              <a:buAutoNum type="arabicPeriod"/>
-            </a:pPr>
-            <a:r>
-              <a:rPr lang="en-US" i="1" dirty="0"/>
-              <a:t>use</a:t>
-            </a:r>
-            <a:r>
-              <a:rPr lang="en-US" dirty="0"/>
-              <a:t>: Play the game!</a:t>
-            </a:r>
-          </a:p>
-          <a:p>
-            <a:pPr marL="914400" lvl="1" indent="-457200">
-              <a:buFont typeface="+mj-lt"/>
-              <a:buAutoNum type="arabicPeriod"/>
-            </a:pPr>
-            <a:r>
-              <a:rPr lang="en-US" dirty="0"/>
-              <a:t>set: The </a:t>
-            </a:r>
-            <a:r>
-              <a:rPr lang="en-US" i="1" dirty="0"/>
-              <a:t>new</a:t>
-            </a:r>
-            <a:r>
-              <a:rPr lang="en-US" dirty="0"/>
-              <a:t> high score to be set (don’t need this for </a:t>
-            </a:r>
-            <a:r>
-              <a:rPr lang="en-US" dirty="0" err="1"/>
-              <a:t>pwn</a:t>
-            </a:r>
-            <a:r>
-              <a:rPr lang="en-US" dirty="0"/>
-              <a:t>!)</a:t>
-            </a:r>
-          </a:p>
-          <a:p>
-            <a:pPr marL="914400" lvl="1" indent="-457200">
-              <a:buFont typeface="+mj-lt"/>
-              <a:buAutoNum type="arabicPeriod"/>
-            </a:pPr>
-            <a:r>
-              <a:rPr lang="en-US" i="1" dirty="0"/>
-              <a:t>won</a:t>
-            </a:r>
-            <a:r>
-              <a:rPr lang="en-US" dirty="0"/>
-              <a:t>: Check to see if you have the high score</a:t>
-            </a:r>
-          </a:p>
-          <a:p>
-            <a:r>
-              <a:rPr lang="en-US" b="1" dirty="0"/>
-              <a:t>Hint: Look at </a:t>
-            </a:r>
-            <a:r>
-              <a:rPr lang="en-US" b="1" i="1" dirty="0"/>
-              <a:t>malloc</a:t>
-            </a:r>
-            <a:r>
-              <a:rPr lang="en-US" b="1" dirty="0"/>
-              <a:t> &amp; </a:t>
-            </a:r>
-            <a:r>
-              <a:rPr lang="en-US" b="1" i="1" dirty="0"/>
-              <a:t>free </a:t>
-            </a:r>
-            <a:r>
-              <a:rPr lang="en-US" b="1" dirty="0"/>
-              <a:t>(heap operations) </a:t>
-            </a:r>
-          </a:p>
-        </p:txBody>
-      </p:sp>
-    </p:spTree>
-    <p:extLst>
-      <p:ext uri="{BB962C8B-B14F-4D97-AF65-F5344CB8AC3E}">
-        <p14:creationId xmlns:p14="http://schemas.microsoft.com/office/powerpoint/2010/main" val="1507877895"/>
       </p:ext>
     </p:extLst>
   </p:cSld>
@@ -22216,7 +22518,7 @@
           <p:nvPr/>
         </p:nvPicPr>
         <p:blipFill rotWithShape="1">
-          <a:blip r:embed="rId2">
+          <a:blip r:embed="rId3">
             <a:extLst>
               <a:ext uri="{28A0092B-C50C-407E-A947-70E740481C1C}">
                 <a14:useLocalDpi xmlns:a14="http://schemas.microsoft.com/office/drawing/2010/main" val="0"/>
@@ -25850,7 +26152,7 @@
           </p:nvPr>
         </p:nvPicPr>
         <p:blipFill>
-          <a:blip r:embed="rId2"/>
+          <a:blip r:embed="rId3"/>
           <a:stretch>
             <a:fillRect/>
           </a:stretch>
@@ -26535,7 +26837,7 @@
           <p:nvPr/>
         </p:nvPicPr>
         <p:blipFill>
-          <a:blip r:embed="rId2"/>
+          <a:blip r:embed="rId3"/>
           <a:stretch>
             <a:fillRect/>
           </a:stretch>

--- a/modules/vuln_classes/vuln_classes.pptx
+++ b/modules/vuln_classes/vuln_classes.pptx
@@ -16022,7 +16022,7 @@
           <a:p>
             <a:fld id="{2DA23E8D-1792-1541-9147-970A8DD8A355}" type="datetimeFigureOut">
               <a:rPr lang="en-US" smtClean="0"/>
-              <a:t>7/21/21</a:t>
+              <a:t>9/19/21</a:t>
             </a:fld>
             <a:endParaRPr lang="en-US" dirty="0"/>
           </a:p>
@@ -16333,10 +16333,30 @@
           <a:bodyPr/>
           <a:lstStyle/>
           <a:p>
+            <a:pPr marL="0" marR="0" lvl="0" indent="0" algn="l" defTabSz="457200" rtl="0" eaLnBrk="1" fontAlgn="auto" latinLnBrk="0" hangingPunct="1">
+              <a:lnSpc>
+                <a:spcPct val="100000"/>
+              </a:lnSpc>
+              <a:spcBef>
+                <a:spcPts val="0"/>
+              </a:spcBef>
+              <a:spcAft>
+                <a:spcPts val="0"/>
+              </a:spcAft>
+              <a:buClrTx/>
+              <a:buSzTx/>
+              <a:buFontTx/>
+              <a:buNone/>
+              <a:tabLst/>
+              <a:defRPr/>
+            </a:pPr>
             <a:r>
               <a:rPr lang="en-US" dirty="0"/>
-              <a:t>Questions?</a:t>
-            </a:r>
+              <a:t>Example of RIP of stack. But, instead, we are able to overwrite metadata on the heap</a:t>
+            </a:r>
+          </a:p>
+          <a:p>
+            <a:endParaRPr lang="en-US" dirty="0"/>
           </a:p>
         </p:txBody>
       </p:sp>
@@ -16357,6 +16377,93 @@
           <a:p>
             <a:fld id="{AC55928C-CD14-454C-B617-1AFCF9A58596}" type="slidenum">
               <a:rPr lang="en-US" smtClean="0"/>
+              <a:t>2</a:t>
+            </a:fld>
+            <a:endParaRPr lang="en-US" dirty="0"/>
+          </a:p>
+        </p:txBody>
+      </p:sp>
+    </p:spTree>
+    <p:extLst>
+      <p:ext uri="{BB962C8B-B14F-4D97-AF65-F5344CB8AC3E}">
+        <p14:creationId xmlns:p14="http://schemas.microsoft.com/office/powerpoint/2010/main" val="2190492069"/>
+      </p:ext>
+    </p:extLst>
+  </p:cSld>
+  <p:clrMapOvr>
+    <a:masterClrMapping/>
+  </p:clrMapOvr>
+</p:notes>
+</file>
+
+<file path=ppt/notesSlides/notesSlide2.xml><?xml version="1.0" encoding="utf-8"?>
+<p:notes xmlns:a="http://schemas.openxmlformats.org/drawingml/2006/main" xmlns:r="http://schemas.openxmlformats.org/officeDocument/2006/relationships" xmlns:p="http://schemas.openxmlformats.org/presentationml/2006/main">
+  <p:cSld>
+    <p:spTree>
+      <p:nvGrpSpPr>
+        <p:cNvPr id="1" name=""/>
+        <p:cNvGrpSpPr/>
+        <p:nvPr/>
+      </p:nvGrpSpPr>
+      <p:grpSpPr>
+        <a:xfrm>
+          <a:off x="0" y="0"/>
+          <a:ext cx="0" cy="0"/>
+          <a:chOff x="0" y="0"/>
+          <a:chExt cx="0" cy="0"/>
+        </a:xfrm>
+      </p:grpSpPr>
+      <p:sp>
+        <p:nvSpPr>
+          <p:cNvPr id="2" name="Slide Image Placeholder 1"/>
+          <p:cNvSpPr>
+            <a:spLocks noGrp="1" noRot="1" noChangeAspect="1"/>
+          </p:cNvSpPr>
+          <p:nvPr>
+            <p:ph type="sldImg"/>
+          </p:nvPr>
+        </p:nvSpPr>
+        <p:spPr/>
+      </p:sp>
+      <p:sp>
+        <p:nvSpPr>
+          <p:cNvPr id="3" name="Notes Placeholder 2"/>
+          <p:cNvSpPr>
+            <a:spLocks noGrp="1"/>
+          </p:cNvSpPr>
+          <p:nvPr>
+            <p:ph type="body" idx="1"/>
+          </p:nvPr>
+        </p:nvSpPr>
+        <p:spPr/>
+        <p:txBody>
+          <a:bodyPr/>
+          <a:lstStyle/>
+          <a:p>
+            <a:r>
+              <a:rPr lang="en-US" dirty="0"/>
+              <a:t>Questions?</a:t>
+            </a:r>
+          </a:p>
+        </p:txBody>
+      </p:sp>
+      <p:sp>
+        <p:nvSpPr>
+          <p:cNvPr id="4" name="Slide Number Placeholder 3"/>
+          <p:cNvSpPr>
+            <a:spLocks noGrp="1"/>
+          </p:cNvSpPr>
+          <p:nvPr>
+            <p:ph type="sldNum" sz="quarter" idx="5"/>
+          </p:nvPr>
+        </p:nvSpPr>
+        <p:spPr/>
+        <p:txBody>
+          <a:bodyPr/>
+          <a:lstStyle/>
+          <a:p>
+            <a:fld id="{AC55928C-CD14-454C-B617-1AFCF9A58596}" type="slidenum">
+              <a:rPr lang="en-US" smtClean="0"/>
               <a:t>18</a:t>
             </a:fld>
             <a:endParaRPr lang="en-US" dirty="0"/>
@@ -16367,6 +16474,113 @@
     <p:extLst>
       <p:ext uri="{BB962C8B-B14F-4D97-AF65-F5344CB8AC3E}">
         <p14:creationId xmlns:p14="http://schemas.microsoft.com/office/powerpoint/2010/main" val="2404414752"/>
+      </p:ext>
+    </p:extLst>
+  </p:cSld>
+  <p:clrMapOvr>
+    <a:masterClrMapping/>
+  </p:clrMapOvr>
+</p:notes>
+</file>
+
+<file path=ppt/notesSlides/notesSlide3.xml><?xml version="1.0" encoding="utf-8"?>
+<p:notes xmlns:a="http://schemas.openxmlformats.org/drawingml/2006/main" xmlns:r="http://schemas.openxmlformats.org/officeDocument/2006/relationships" xmlns:p="http://schemas.openxmlformats.org/presentationml/2006/main">
+  <p:cSld>
+    <p:spTree>
+      <p:nvGrpSpPr>
+        <p:cNvPr id="1" name=""/>
+        <p:cNvGrpSpPr/>
+        <p:nvPr/>
+      </p:nvGrpSpPr>
+      <p:grpSpPr>
+        <a:xfrm>
+          <a:off x="0" y="0"/>
+          <a:ext cx="0" cy="0"/>
+          <a:chOff x="0" y="0"/>
+          <a:chExt cx="0" cy="0"/>
+        </a:xfrm>
+      </p:grpSpPr>
+      <p:sp>
+        <p:nvSpPr>
+          <p:cNvPr id="2" name="Slide Image Placeholder 1"/>
+          <p:cNvSpPr>
+            <a:spLocks noGrp="1" noRot="1" noChangeAspect="1"/>
+          </p:cNvSpPr>
+          <p:nvPr>
+            <p:ph type="sldImg"/>
+          </p:nvPr>
+        </p:nvSpPr>
+        <p:spPr/>
+      </p:sp>
+      <p:sp>
+        <p:nvSpPr>
+          <p:cNvPr id="3" name="Notes Placeholder 2"/>
+          <p:cNvSpPr>
+            <a:spLocks noGrp="1"/>
+          </p:cNvSpPr>
+          <p:nvPr>
+            <p:ph type="body" idx="1"/>
+          </p:nvPr>
+        </p:nvSpPr>
+        <p:spPr/>
+        <p:txBody>
+          <a:bodyPr/>
+          <a:lstStyle/>
+          <a:p>
+            <a:pPr marL="0" marR="0" lvl="0" indent="0" algn="l" defTabSz="457200" rtl="0" eaLnBrk="1" fontAlgn="auto" latinLnBrk="0" hangingPunct="1">
+              <a:lnSpc>
+                <a:spcPct val="100000"/>
+              </a:lnSpc>
+              <a:spcBef>
+                <a:spcPts val="0"/>
+              </a:spcBef>
+              <a:spcAft>
+                <a:spcPts val="0"/>
+              </a:spcAft>
+              <a:buClrTx/>
+              <a:buSzTx/>
+              <a:buFontTx/>
+              <a:buNone/>
+              <a:tabLst/>
+              <a:defRPr/>
+            </a:pPr>
+            <a:r>
+              <a:rPr lang="en-US" dirty="0"/>
+              <a:t>The hotel keeps an available list of hotels on paper in a linked list. </a:t>
+            </a:r>
+          </a:p>
+          <a:p>
+            <a:endParaRPr lang="en-US" dirty="0"/>
+          </a:p>
+        </p:txBody>
+      </p:sp>
+      <p:sp>
+        <p:nvSpPr>
+          <p:cNvPr id="4" name="Slide Number Placeholder 3"/>
+          <p:cNvSpPr>
+            <a:spLocks noGrp="1"/>
+          </p:cNvSpPr>
+          <p:nvPr>
+            <p:ph type="sldNum" sz="quarter" idx="5"/>
+          </p:nvPr>
+        </p:nvSpPr>
+        <p:spPr/>
+        <p:txBody>
+          <a:bodyPr/>
+          <a:lstStyle/>
+          <a:p>
+            <a:fld id="{AC55928C-CD14-454C-B617-1AFCF9A58596}" type="slidenum">
+              <a:rPr lang="en-US" smtClean="0"/>
+              <a:t>19</a:t>
+            </a:fld>
+            <a:endParaRPr lang="en-US" dirty="0"/>
+          </a:p>
+        </p:txBody>
+      </p:sp>
+    </p:spTree>
+    <p:extLst>
+      <p:ext uri="{BB962C8B-B14F-4D97-AF65-F5344CB8AC3E}">
+        <p14:creationId xmlns:p14="http://schemas.microsoft.com/office/powerpoint/2010/main" val="960306344"/>
       </p:ext>
     </p:extLst>
   </p:cSld>
@@ -16579,7 +16793,7 @@
                 <a:latin typeface="Calibri"/>
               </a:rPr>
               <a:pPr/>
-              <a:t>7/21/21</a:t>
+              <a:t>9/19/21</a:t>
             </a:fld>
             <a:endParaRPr lang="en-US" dirty="0">
               <a:solidFill>
@@ -16832,7 +17046,7 @@
                 <a:latin typeface="Calibri"/>
               </a:rPr>
               <a:pPr/>
-              <a:t>7/21/21</a:t>
+              <a:t>9/19/21</a:t>
             </a:fld>
             <a:endParaRPr lang="en-US" dirty="0">
               <a:solidFill>
@@ -17047,7 +17261,7 @@
                 <a:latin typeface="Calibri"/>
               </a:rPr>
               <a:pPr/>
-              <a:t>7/21/21</a:t>
+              <a:t>9/19/21</a:t>
             </a:fld>
             <a:endParaRPr lang="en-US" dirty="0">
               <a:solidFill>
@@ -17331,7 +17545,7 @@
                 <a:latin typeface="Calibri"/>
               </a:rPr>
               <a:pPr/>
-              <a:t>7/21/21</a:t>
+              <a:t>9/19/21</a:t>
             </a:fld>
             <a:endParaRPr lang="en-US" dirty="0">
               <a:solidFill>
@@ -17673,7 +17887,7 @@
                 <a:latin typeface="Calibri"/>
               </a:rPr>
               <a:pPr/>
-              <a:t>7/21/21</a:t>
+              <a:t>9/19/21</a:t>
             </a:fld>
             <a:endParaRPr lang="en-US" dirty="0">
               <a:solidFill>
@@ -18001,7 +18215,7 @@
                 <a:latin typeface="Calibri"/>
               </a:rPr>
               <a:pPr/>
-              <a:t>7/21/21</a:t>
+              <a:t>9/19/21</a:t>
             </a:fld>
             <a:endParaRPr lang="en-US" dirty="0">
               <a:solidFill>
@@ -18490,7 +18704,7 @@
                 <a:latin typeface="Calibri"/>
               </a:rPr>
               <a:pPr/>
-              <a:t>7/21/21</a:t>
+              <a:t>9/19/21</a:t>
             </a:fld>
             <a:endParaRPr lang="en-US" dirty="0">
               <a:solidFill>
@@ -18673,7 +18887,7 @@
                 <a:latin typeface="Calibri"/>
               </a:rPr>
               <a:pPr/>
-              <a:t>7/21/21</a:t>
+              <a:t>9/19/21</a:t>
             </a:fld>
             <a:endParaRPr lang="en-US" dirty="0">
               <a:solidFill>
@@ -18919,7 +19133,7 @@
                 <a:latin typeface="Calibri"/>
               </a:rPr>
               <a:pPr/>
-              <a:t>7/21/21</a:t>
+              <a:t>9/19/21</a:t>
             </a:fld>
             <a:endParaRPr lang="en-US" dirty="0">
               <a:solidFill>
@@ -19261,7 +19475,7 @@
                 <a:latin typeface="Calibri"/>
               </a:rPr>
               <a:pPr/>
-              <a:t>7/21/21</a:t>
+              <a:t>9/19/21</a:t>
             </a:fld>
             <a:endParaRPr lang="en-US" dirty="0">
               <a:solidFill>
@@ -19553,7 +19767,7 @@
                 <a:latin typeface="Calibri"/>
               </a:rPr>
               <a:pPr/>
-              <a:t>7/21/21</a:t>
+              <a:t>9/19/21</a:t>
             </a:fld>
             <a:endParaRPr lang="en-US" dirty="0">
               <a:solidFill>
@@ -19803,7 +20017,7 @@
                 <a:latin typeface="Calibri"/>
               </a:rPr>
               <a:pPr defTabSz="914400"/>
-              <a:t>7/21/21</a:t>
+              <a:t>9/19/21</a:t>
             </a:fld>
             <a:endParaRPr lang="en-US" dirty="0">
               <a:solidFill>
@@ -22201,10 +22415,10 @@
           <p:nvPr/>
         </p:nvPicPr>
         <p:blipFill>
-          <a:blip r:embed="rId2">
+          <a:blip r:embed="rId3">
             <a:extLst>
               <a:ext uri="{96DAC541-7B7A-43D3-8B79-37D633B846F1}">
-                <asvg:svgBlip xmlns:asvg="http://schemas.microsoft.com/office/drawing/2016/SVG/main" r:embed="rId3"/>
+                <asvg:svgBlip xmlns:asvg="http://schemas.microsoft.com/office/drawing/2016/SVG/main" r:embed="rId4"/>
               </a:ext>
             </a:extLst>
           </a:blip>
@@ -24745,15 +24959,7 @@
           <a:p>
             <a:r>
               <a:rPr lang="en-US" dirty="0"/>
-              <a:t>Double Free – </a:t>
-            </a:r>
-            <a:r>
-              <a:rPr lang="en-US" dirty="0" err="1"/>
-              <a:t>Atttack</a:t>
-            </a:r>
-            <a:r>
-              <a:rPr lang="en-US" dirty="0"/>
-              <a:t> #2+</a:t>
+              <a:t>Double Free – Attack #2+</a:t>
             </a:r>
           </a:p>
         </p:txBody>

--- a/modules/vuln_classes/vuln_classes.pptx
+++ b/modules/vuln_classes/vuln_classes.pptx
@@ -5628,7 +5628,7 @@
   <dgm:whole/>
   <dgm:extLst>
     <a:ext uri="http://schemas.microsoft.com/office/drawing/2008/diagram">
-      <dsp:dataModelExt xmlns:dsp="http://schemas.microsoft.com/office/drawing/2008/diagram" relId="rId6" minVer="http://schemas.openxmlformats.org/drawingml/2006/diagram"/>
+      <dsp:dataModelExt xmlns:dsp="http://schemas.microsoft.com/office/drawing/2008/diagram" relId="rId7" minVer="http://schemas.openxmlformats.org/drawingml/2006/diagram"/>
     </a:ext>
   </dgm:extLst>
 </dgm:dataModel>
@@ -5729,7 +5729,7 @@
         <a:p>
           <a:r>
             <a:rPr lang="en-US" dirty="0" err="1"/>
-            <a:t>intro_to_malloc</a:t>
+            <a:t>vuln_classes</a:t>
           </a:r>
           <a:r>
             <a:rPr lang="en-US" dirty="0"/>
@@ -7798,8 +7798,8 @@
       </dsp:nvSpPr>
       <dsp:spPr>
         <a:xfrm>
-          <a:off x="38" y="692112"/>
-          <a:ext cx="3685337" cy="460800"/>
+          <a:off x="38" y="571851"/>
+          <a:ext cx="3685337" cy="612666"/>
         </a:xfrm>
         <a:prstGeom prst="rect">
           <a:avLst/>
@@ -7841,12 +7841,12 @@
         </a:fontRef>
       </dsp:style>
       <dsp:txBody>
-        <a:bodyPr spcFirstLastPara="0" vert="horz" wrap="square" lIns="113792" tIns="65024" rIns="113792" bIns="65024" numCol="1" spcCol="1270" anchor="ctr" anchorCtr="0">
+        <a:bodyPr spcFirstLastPara="0" vert="horz" wrap="square" lIns="120904" tIns="69088" rIns="120904" bIns="69088" numCol="1" spcCol="1270" anchor="ctr" anchorCtr="0">
           <a:noAutofit/>
         </a:bodyPr>
         <a:lstStyle/>
         <a:p>
-          <a:pPr marL="0" lvl="0" indent="0" algn="ctr" defTabSz="711200">
+          <a:pPr marL="0" lvl="0" indent="0" algn="ctr" defTabSz="755650">
             <a:lnSpc>
               <a:spcPct val="90000"/>
             </a:lnSpc>
@@ -7859,14 +7859,14 @@
             <a:buNone/>
           </a:pPr>
           <a:r>
-            <a:rPr lang="en-US" sz="1600" kern="1200" dirty="0"/>
+            <a:rPr lang="en-US" sz="1700" kern="1200" dirty="0"/>
             <a:t>Will not have challenges on these directly</a:t>
           </a:r>
         </a:p>
       </dsp:txBody>
       <dsp:txXfrm>
-        <a:off x="38" y="692112"/>
-        <a:ext cx="3685337" cy="460800"/>
+        <a:off x="38" y="571851"/>
+        <a:ext cx="3685337" cy="612666"/>
       </dsp:txXfrm>
     </dsp:sp>
     <dsp:sp modelId="{D32A4789-5DC8-464D-81D4-1C9B94C49C06}">
@@ -7876,8 +7876,8 @@
       </dsp:nvSpPr>
       <dsp:spPr>
         <a:xfrm>
-          <a:off x="38" y="1152912"/>
-          <a:ext cx="3685337" cy="1418478"/>
+          <a:off x="38" y="1184518"/>
+          <a:ext cx="3685337" cy="1507133"/>
         </a:xfrm>
         <a:prstGeom prst="rect">
           <a:avLst/>
@@ -7921,12 +7921,12 @@
         <a:fontRef idx="minor"/>
       </dsp:style>
       <dsp:txBody>
-        <a:bodyPr spcFirstLastPara="0" vert="horz" wrap="square" lIns="85344" tIns="85344" rIns="113792" bIns="128016" numCol="1" spcCol="1270" anchor="t" anchorCtr="0">
+        <a:bodyPr spcFirstLastPara="0" vert="horz" wrap="square" lIns="90678" tIns="90678" rIns="120904" bIns="136017" numCol="1" spcCol="1270" anchor="t" anchorCtr="0">
           <a:noAutofit/>
         </a:bodyPr>
         <a:lstStyle/>
         <a:p>
-          <a:pPr marL="171450" lvl="1" indent="-171450" algn="l" defTabSz="711200">
+          <a:pPr marL="171450" lvl="1" indent="-171450" algn="l" defTabSz="755650">
             <a:lnSpc>
               <a:spcPct val="90000"/>
             </a:lnSpc>
@@ -7939,12 +7939,12 @@
             <a:buChar char="•"/>
           </a:pPr>
           <a:r>
-            <a:rPr lang="en-US" sz="1600" kern="1200" dirty="0"/>
+            <a:rPr lang="en-US" sz="1700" kern="1200" dirty="0"/>
             <a:t>Bug class protection as opposed to a technique</a:t>
           </a:r>
         </a:p>
         <a:p>
-          <a:pPr marL="171450" lvl="1" indent="-171450" algn="l" defTabSz="711200">
+          <a:pPr marL="171450" lvl="1" indent="-171450" algn="l" defTabSz="755650">
             <a:lnSpc>
               <a:spcPct val="90000"/>
             </a:lnSpc>
@@ -7957,14 +7957,14 @@
             <a:buChar char="•"/>
           </a:pPr>
           <a:r>
-            <a:rPr lang="en-US" sz="1600" kern="1200" dirty="0"/>
+            <a:rPr lang="en-US" sz="1700" kern="1200" dirty="0"/>
             <a:t>Will sprinkle in bypasses for double free when it feels appropriate though</a:t>
           </a:r>
         </a:p>
       </dsp:txBody>
       <dsp:txXfrm>
-        <a:off x="38" y="1152912"/>
-        <a:ext cx="3685337" cy="1418478"/>
+        <a:off x="38" y="1184518"/>
+        <a:ext cx="3685337" cy="1507133"/>
       </dsp:txXfrm>
     </dsp:sp>
     <dsp:sp modelId="{43A045CE-2C43-8A46-B201-0329A58067A3}">
@@ -7974,8 +7974,8 @@
       </dsp:nvSpPr>
       <dsp:spPr>
         <a:xfrm>
-          <a:off x="4201323" y="692112"/>
-          <a:ext cx="3685337" cy="460800"/>
+          <a:off x="4201323" y="571851"/>
+          <a:ext cx="3685337" cy="612666"/>
         </a:xfrm>
         <a:prstGeom prst="rect">
           <a:avLst/>
@@ -8017,12 +8017,12 @@
         </a:fontRef>
       </dsp:style>
       <dsp:txBody>
-        <a:bodyPr spcFirstLastPara="0" vert="horz" wrap="square" lIns="113792" tIns="65024" rIns="113792" bIns="65024" numCol="1" spcCol="1270" anchor="ctr" anchorCtr="0">
+        <a:bodyPr spcFirstLastPara="0" vert="horz" wrap="square" lIns="120904" tIns="69088" rIns="120904" bIns="69088" numCol="1" spcCol="1270" anchor="ctr" anchorCtr="0">
           <a:noAutofit/>
         </a:bodyPr>
         <a:lstStyle/>
         <a:p>
-          <a:pPr marL="0" lvl="0" indent="0" algn="ctr" defTabSz="711200">
+          <a:pPr marL="0" lvl="0" indent="0" algn="ctr" defTabSz="755650">
             <a:lnSpc>
               <a:spcPct val="90000"/>
             </a:lnSpc>
@@ -8035,26 +8035,26 @@
             <a:buNone/>
           </a:pPr>
           <a:r>
-            <a:rPr lang="en-US" sz="1600" kern="1200" dirty="0" err="1"/>
-            <a:t>intro_to_malloc</a:t>
+            <a:rPr lang="en-US" sz="1700" kern="1200" dirty="0" err="1"/>
+            <a:t>vuln_classes</a:t>
           </a:r>
           <a:r>
-            <a:rPr lang="en-US" sz="1600" kern="1200" dirty="0"/>
+            <a:rPr lang="en-US" sz="1700" kern="1200" dirty="0"/>
             <a:t>/</a:t>
           </a:r>
           <a:r>
-            <a:rPr lang="en-US" sz="1600" kern="1200" dirty="0" err="1"/>
+            <a:rPr lang="en-US" sz="1700" kern="1200" dirty="0" err="1"/>
             <a:t>double_free_playground</a:t>
           </a:r>
           <a:r>
-            <a:rPr lang="en-US" sz="1600" kern="1200" dirty="0"/>
+            <a:rPr lang="en-US" sz="1700" kern="1200" dirty="0"/>
             <a:t> </a:t>
           </a:r>
         </a:p>
       </dsp:txBody>
       <dsp:txXfrm>
-        <a:off x="4201323" y="692112"/>
-        <a:ext cx="3685337" cy="460800"/>
+        <a:off x="4201323" y="571851"/>
+        <a:ext cx="3685337" cy="612666"/>
       </dsp:txXfrm>
     </dsp:sp>
     <dsp:sp modelId="{62A51FD6-0B17-0749-B941-F2DDBEE84721}">
@@ -8064,8 +8064,8 @@
       </dsp:nvSpPr>
       <dsp:spPr>
         <a:xfrm>
-          <a:off x="4201323" y="1152912"/>
-          <a:ext cx="3685337" cy="1418478"/>
+          <a:off x="4201323" y="1184518"/>
+          <a:ext cx="3685337" cy="1507133"/>
         </a:xfrm>
         <a:prstGeom prst="rect">
           <a:avLst/>
@@ -8109,12 +8109,12 @@
         <a:fontRef idx="minor"/>
       </dsp:style>
       <dsp:txBody>
-        <a:bodyPr spcFirstLastPara="0" vert="horz" wrap="square" lIns="85344" tIns="85344" rIns="113792" bIns="128016" numCol="1" spcCol="1270" anchor="t" anchorCtr="0">
+        <a:bodyPr spcFirstLastPara="0" vert="horz" wrap="square" lIns="90678" tIns="90678" rIns="120904" bIns="136017" numCol="1" spcCol="1270" anchor="t" anchorCtr="0">
           <a:noAutofit/>
         </a:bodyPr>
         <a:lstStyle/>
         <a:p>
-          <a:pPr marL="171450" lvl="1" indent="-171450" algn="l" defTabSz="711200">
+          <a:pPr marL="171450" lvl="1" indent="-171450" algn="l" defTabSz="755650">
             <a:lnSpc>
               <a:spcPct val="90000"/>
             </a:lnSpc>
@@ -8127,12 +8127,12 @@
             <a:buChar char="•"/>
           </a:pPr>
           <a:r>
-            <a:rPr lang="en-US" sz="1600" kern="1200" dirty="0"/>
+            <a:rPr lang="en-US" sz="1700" kern="1200" dirty="0"/>
             <a:t>An assortment of double free bypass attempts</a:t>
           </a:r>
         </a:p>
         <a:p>
-          <a:pPr marL="171450" lvl="1" indent="-171450" algn="l" defTabSz="711200">
+          <a:pPr marL="171450" lvl="1" indent="-171450" algn="l" defTabSz="755650">
             <a:lnSpc>
               <a:spcPct val="90000"/>
             </a:lnSpc>
@@ -8145,16 +8145,16 @@
             <a:buChar char="•"/>
           </a:pPr>
           <a:r>
-            <a:rPr lang="en-US" sz="1600" kern="1200" dirty="0" err="1"/>
+            <a:rPr lang="en-US" sz="1700" kern="1200" dirty="0" err="1"/>
             <a:t>setup.py</a:t>
           </a:r>
           <a:r>
-            <a:rPr lang="en-US" sz="1600" kern="1200" dirty="0"/>
+            <a:rPr lang="en-US" sz="1700" kern="1200" dirty="0"/>
             <a:t> 0|1|2|3|4|5 for different challenges</a:t>
           </a:r>
         </a:p>
         <a:p>
-          <a:pPr marL="171450" lvl="1" indent="-171450" algn="l" defTabSz="711200">
+          <a:pPr marL="171450" lvl="1" indent="-171450" algn="l" defTabSz="755650">
             <a:lnSpc>
               <a:spcPct val="90000"/>
             </a:lnSpc>
@@ -8167,34 +8167,34 @@
             <a:buChar char="•"/>
           </a:pPr>
           <a:r>
-            <a:rPr lang="en-US" sz="1600" kern="1200" dirty="0" err="1"/>
+            <a:rPr lang="en-US" sz="1700" kern="1200" dirty="0" err="1"/>
             <a:t>Fastbin</a:t>
           </a:r>
           <a:r>
-            <a:rPr lang="en-US" sz="1600" kern="1200" dirty="0"/>
+            <a:rPr lang="en-US" sz="1700" kern="1200" dirty="0"/>
             <a:t> </a:t>
           </a:r>
           <a:r>
-            <a:rPr lang="en-US" sz="1600" kern="1200" dirty="0" err="1"/>
+            <a:rPr lang="en-US" sz="1700" kern="1200" dirty="0" err="1"/>
             <a:t>dupping</a:t>
           </a:r>
           <a:r>
-            <a:rPr lang="en-US" sz="1600" kern="1200" dirty="0"/>
+            <a:rPr lang="en-US" sz="1700" kern="1200" dirty="0"/>
             <a:t>, </a:t>
           </a:r>
           <a:r>
-            <a:rPr lang="en-US" sz="1600" kern="1200" dirty="0" err="1"/>
+            <a:rPr lang="en-US" sz="1700" kern="1200" dirty="0" err="1"/>
             <a:t>botcake</a:t>
           </a:r>
           <a:r>
-            <a:rPr lang="en-US" sz="1600" kern="1200" dirty="0"/>
+            <a:rPr lang="en-US" sz="1700" kern="1200" dirty="0"/>
             <a:t>…</a:t>
           </a:r>
         </a:p>
       </dsp:txBody>
       <dsp:txXfrm>
-        <a:off x="4201323" y="1152912"/>
-        <a:ext cx="3685337" cy="1418478"/>
+        <a:off x="4201323" y="1184518"/>
+        <a:ext cx="3685337" cy="1507133"/>
       </dsp:txXfrm>
     </dsp:sp>
   </dsp:spTree>
@@ -16023,7 +16023,7 @@
           <a:p>
             <a:fld id="{2DA23E8D-1792-1541-9147-970A8DD8A355}" type="datetimeFigureOut">
               <a:rPr lang="en-US" smtClean="0"/>
-              <a:t>11/14/21</a:t>
+              <a:t>3/8/22</a:t>
             </a:fld>
             <a:endParaRPr lang="en-US" dirty="0"/>
           </a:p>
@@ -16397,6 +16397,291 @@
 </p:notes>
 </file>
 
+<file path=ppt/notesSlides/notesSlide10.xml><?xml version="1.0" encoding="utf-8"?>
+<p:notes xmlns:a="http://schemas.openxmlformats.org/drawingml/2006/main" xmlns:r="http://schemas.openxmlformats.org/officeDocument/2006/relationships" xmlns:p="http://schemas.openxmlformats.org/presentationml/2006/main">
+  <p:cSld>
+    <p:spTree>
+      <p:nvGrpSpPr>
+        <p:cNvPr id="1" name=""/>
+        <p:cNvGrpSpPr/>
+        <p:nvPr/>
+      </p:nvGrpSpPr>
+      <p:grpSpPr>
+        <a:xfrm>
+          <a:off x="0" y="0"/>
+          <a:ext cx="0" cy="0"/>
+          <a:chOff x="0" y="0"/>
+          <a:chExt cx="0" cy="0"/>
+        </a:xfrm>
+      </p:grpSpPr>
+      <p:sp>
+        <p:nvSpPr>
+          <p:cNvPr id="2" name="Slide Image Placeholder 1"/>
+          <p:cNvSpPr>
+            <a:spLocks noGrp="1" noRot="1" noChangeAspect="1"/>
+          </p:cNvSpPr>
+          <p:nvPr>
+            <p:ph type="sldImg"/>
+          </p:nvPr>
+        </p:nvSpPr>
+        <p:spPr/>
+      </p:sp>
+      <p:sp>
+        <p:nvSpPr>
+          <p:cNvPr id="3" name="Notes Placeholder 2"/>
+          <p:cNvSpPr>
+            <a:spLocks noGrp="1"/>
+          </p:cNvSpPr>
+          <p:nvPr>
+            <p:ph type="body" idx="1"/>
+          </p:nvPr>
+        </p:nvSpPr>
+        <p:spPr/>
+        <p:txBody>
+          <a:bodyPr/>
+          <a:lstStyle/>
+          <a:p>
+            <a:r>
+              <a:rPr lang="en-US" dirty="0"/>
+              <a:t>House of </a:t>
+            </a:r>
+            <a:r>
+              <a:rPr lang="en-US" dirty="0" err="1"/>
+              <a:t>Botcake</a:t>
+            </a:r>
+            <a:r>
+              <a:rPr lang="en-US" dirty="0"/>
+              <a:t>: it exists, we’re </a:t>
+            </a:r>
+            <a:r>
+              <a:rPr lang="en-US" dirty="0" err="1"/>
+              <a:t>gonna</a:t>
+            </a:r>
+            <a:r>
+              <a:rPr lang="en-US" dirty="0"/>
+              <a:t> not cover it</a:t>
+            </a:r>
+          </a:p>
+        </p:txBody>
+      </p:sp>
+      <p:sp>
+        <p:nvSpPr>
+          <p:cNvPr id="4" name="Slide Number Placeholder 3"/>
+          <p:cNvSpPr>
+            <a:spLocks noGrp="1"/>
+          </p:cNvSpPr>
+          <p:nvPr>
+            <p:ph type="sldNum" sz="quarter" idx="5"/>
+          </p:nvPr>
+        </p:nvSpPr>
+        <p:spPr/>
+        <p:txBody>
+          <a:bodyPr/>
+          <a:lstStyle/>
+          <a:p>
+            <a:fld id="{AC55928C-CD14-454C-B617-1AFCF9A58596}" type="slidenum">
+              <a:rPr lang="en-US" smtClean="0"/>
+              <a:t>37</a:t>
+            </a:fld>
+            <a:endParaRPr lang="en-US" dirty="0"/>
+          </a:p>
+        </p:txBody>
+      </p:sp>
+    </p:spTree>
+    <p:extLst>
+      <p:ext uri="{BB962C8B-B14F-4D97-AF65-F5344CB8AC3E}">
+        <p14:creationId xmlns:p14="http://schemas.microsoft.com/office/powerpoint/2010/main" val="2232360295"/>
+      </p:ext>
+    </p:extLst>
+  </p:cSld>
+  <p:clrMapOvr>
+    <a:masterClrMapping/>
+  </p:clrMapOvr>
+</p:notes>
+</file>
+
+<file path=ppt/notesSlides/notesSlide11.xml><?xml version="1.0" encoding="utf-8"?>
+<p:notes xmlns:a="http://schemas.openxmlformats.org/drawingml/2006/main" xmlns:r="http://schemas.openxmlformats.org/officeDocument/2006/relationships" xmlns:p="http://schemas.openxmlformats.org/presentationml/2006/main">
+  <p:cSld>
+    <p:spTree>
+      <p:nvGrpSpPr>
+        <p:cNvPr id="1" name=""/>
+        <p:cNvGrpSpPr/>
+        <p:nvPr/>
+      </p:nvGrpSpPr>
+      <p:grpSpPr>
+        <a:xfrm>
+          <a:off x="0" y="0"/>
+          <a:ext cx="0" cy="0"/>
+          <a:chOff x="0" y="0"/>
+          <a:chExt cx="0" cy="0"/>
+        </a:xfrm>
+      </p:grpSpPr>
+      <p:sp>
+        <p:nvSpPr>
+          <p:cNvPr id="2" name="Slide Image Placeholder 1"/>
+          <p:cNvSpPr>
+            <a:spLocks noGrp="1" noRot="1" noChangeAspect="1"/>
+          </p:cNvSpPr>
+          <p:nvPr>
+            <p:ph type="sldImg"/>
+          </p:nvPr>
+        </p:nvSpPr>
+        <p:spPr/>
+      </p:sp>
+      <p:sp>
+        <p:nvSpPr>
+          <p:cNvPr id="3" name="Notes Placeholder 2"/>
+          <p:cNvSpPr>
+            <a:spLocks noGrp="1"/>
+          </p:cNvSpPr>
+          <p:nvPr>
+            <p:ph type="body" idx="1"/>
+          </p:nvPr>
+        </p:nvSpPr>
+        <p:spPr/>
+        <p:txBody>
+          <a:bodyPr/>
+          <a:lstStyle/>
+          <a:p>
+            <a:r>
+              <a:rPr lang="en-US" dirty="0"/>
+              <a:t>We’re </a:t>
+            </a:r>
+            <a:r>
+              <a:rPr lang="en-US" dirty="0" err="1"/>
+              <a:t>gonna</a:t>
+            </a:r>
+            <a:r>
+              <a:rPr lang="en-US" dirty="0"/>
+              <a:t> cover this again</a:t>
+            </a:r>
+          </a:p>
+        </p:txBody>
+      </p:sp>
+      <p:sp>
+        <p:nvSpPr>
+          <p:cNvPr id="4" name="Slide Number Placeholder 3"/>
+          <p:cNvSpPr>
+            <a:spLocks noGrp="1"/>
+          </p:cNvSpPr>
+          <p:nvPr>
+            <p:ph type="sldNum" sz="quarter" idx="5"/>
+          </p:nvPr>
+        </p:nvSpPr>
+        <p:spPr/>
+        <p:txBody>
+          <a:bodyPr/>
+          <a:lstStyle/>
+          <a:p>
+            <a:fld id="{AC55928C-CD14-454C-B617-1AFCF9A58596}" type="slidenum">
+              <a:rPr lang="en-US" smtClean="0"/>
+              <a:t>42</a:t>
+            </a:fld>
+            <a:endParaRPr lang="en-US" dirty="0"/>
+          </a:p>
+        </p:txBody>
+      </p:sp>
+    </p:spTree>
+    <p:extLst>
+      <p:ext uri="{BB962C8B-B14F-4D97-AF65-F5344CB8AC3E}">
+        <p14:creationId xmlns:p14="http://schemas.microsoft.com/office/powerpoint/2010/main" val="3654713969"/>
+      </p:ext>
+    </p:extLst>
+  </p:cSld>
+  <p:clrMapOvr>
+    <a:masterClrMapping/>
+  </p:clrMapOvr>
+</p:notes>
+</file>
+
+<file path=ppt/notesSlides/notesSlide12.xml><?xml version="1.0" encoding="utf-8"?>
+<p:notes xmlns:a="http://schemas.openxmlformats.org/drawingml/2006/main" xmlns:r="http://schemas.openxmlformats.org/officeDocument/2006/relationships" xmlns:p="http://schemas.openxmlformats.org/presentationml/2006/main">
+  <p:cSld>
+    <p:spTree>
+      <p:nvGrpSpPr>
+        <p:cNvPr id="1" name=""/>
+        <p:cNvGrpSpPr/>
+        <p:nvPr/>
+      </p:nvGrpSpPr>
+      <p:grpSpPr>
+        <a:xfrm>
+          <a:off x="0" y="0"/>
+          <a:ext cx="0" cy="0"/>
+          <a:chOff x="0" y="0"/>
+          <a:chExt cx="0" cy="0"/>
+        </a:xfrm>
+      </p:grpSpPr>
+      <p:sp>
+        <p:nvSpPr>
+          <p:cNvPr id="2" name="Slide Image Placeholder 1"/>
+          <p:cNvSpPr>
+            <a:spLocks noGrp="1" noRot="1" noChangeAspect="1"/>
+          </p:cNvSpPr>
+          <p:nvPr>
+            <p:ph type="sldImg"/>
+          </p:nvPr>
+        </p:nvSpPr>
+        <p:spPr/>
+      </p:sp>
+      <p:sp>
+        <p:nvSpPr>
+          <p:cNvPr id="3" name="Notes Placeholder 2"/>
+          <p:cNvSpPr>
+            <a:spLocks noGrp="1"/>
+          </p:cNvSpPr>
+          <p:nvPr>
+            <p:ph type="body" idx="1"/>
+          </p:nvPr>
+        </p:nvSpPr>
+        <p:spPr/>
+        <p:txBody>
+          <a:bodyPr/>
+          <a:lstStyle/>
+          <a:p>
+            <a:r>
+              <a:rPr lang="en-US" dirty="0"/>
+              <a:t>This is the same thing again</a:t>
+            </a:r>
+          </a:p>
+        </p:txBody>
+      </p:sp>
+      <p:sp>
+        <p:nvSpPr>
+          <p:cNvPr id="4" name="Slide Number Placeholder 3"/>
+          <p:cNvSpPr>
+            <a:spLocks noGrp="1"/>
+          </p:cNvSpPr>
+          <p:nvPr>
+            <p:ph type="sldNum" sz="quarter" idx="5"/>
+          </p:nvPr>
+        </p:nvSpPr>
+        <p:spPr/>
+        <p:txBody>
+          <a:bodyPr/>
+          <a:lstStyle/>
+          <a:p>
+            <a:fld id="{AC55928C-CD14-454C-B617-1AFCF9A58596}" type="slidenum">
+              <a:rPr lang="en-US" smtClean="0"/>
+              <a:t>43</a:t>
+            </a:fld>
+            <a:endParaRPr lang="en-US" dirty="0"/>
+          </a:p>
+        </p:txBody>
+      </p:sp>
+    </p:spTree>
+    <p:extLst>
+      <p:ext uri="{BB962C8B-B14F-4D97-AF65-F5344CB8AC3E}">
+        <p14:creationId xmlns:p14="http://schemas.microsoft.com/office/powerpoint/2010/main" val="2315643534"/>
+      </p:ext>
+    </p:extLst>
+  </p:cSld>
+  <p:clrMapOvr>
+    <a:masterClrMapping/>
+  </p:clrMapOvr>
+</p:notes>
+</file>
+
 <file path=ppt/notesSlides/notesSlide2.xml><?xml version="1.0" encoding="utf-8"?>
 <p:notes xmlns:a="http://schemas.openxmlformats.org/drawingml/2006/main" xmlns:r="http://schemas.openxmlformats.org/officeDocument/2006/relationships" xmlns:p="http://schemas.openxmlformats.org/presentationml/2006/main">
   <p:cSld>
@@ -16444,6 +16729,15 @@
             <a:r>
               <a:rPr lang="en-US" dirty="0"/>
               <a:t>Questions?</a:t>
+            </a:r>
+          </a:p>
+          <a:p>
+            <a:endParaRPr lang="en-US" dirty="0"/>
+          </a:p>
+          <a:p>
+            <a:r>
+              <a:rPr lang="en-US" dirty="0"/>
+              <a:t>This is one way to exploit this is to get the memory to be reallocated, then we can view or edit it, or another way to exploit this is to…</a:t>
             </a:r>
           </a:p>
         </p:txBody>
@@ -16530,7 +16824,7 @@
           <a:p>
             <a:r>
               <a:rPr lang="en-US" dirty="0"/>
-              <a:t>Questions?</a:t>
+              <a:t>…is to manipulate memory structures in the allocator.</a:t>
             </a:r>
           </a:p>
         </p:txBody>
@@ -16552,7 +16846,7 @@
           <a:p>
             <a:fld id="{AC55928C-CD14-454C-B617-1AFCF9A58596}" type="slidenum">
               <a:rPr lang="en-US" smtClean="0"/>
-              <a:t>19</a:t>
+              <a:t>6</a:t>
             </a:fld>
             <a:endParaRPr lang="en-US" dirty="0"/>
           </a:p>
@@ -16561,7 +16855,7 @@
     </p:spTree>
     <p:extLst>
       <p:ext uri="{BB962C8B-B14F-4D97-AF65-F5344CB8AC3E}">
-        <p14:creationId xmlns:p14="http://schemas.microsoft.com/office/powerpoint/2010/main" val="2404414752"/>
+        <p14:creationId xmlns:p14="http://schemas.microsoft.com/office/powerpoint/2010/main" val="1911693688"/>
       </p:ext>
     </p:extLst>
   </p:cSld>
@@ -16615,6 +16909,276 @@
           <a:bodyPr/>
           <a:lstStyle/>
           <a:p>
+            <a:r>
+              <a:rPr lang="en-US" dirty="0"/>
+              <a:t>!After this there are slides!</a:t>
+            </a:r>
+          </a:p>
+          <a:p>
+            <a:endParaRPr lang="en-US" dirty="0"/>
+          </a:p>
+          <a:p>
+            <a:r>
+              <a:rPr lang="en-US" dirty="0"/>
+              <a:t>!Go through how to use it!</a:t>
+            </a:r>
+          </a:p>
+        </p:txBody>
+      </p:sp>
+      <p:sp>
+        <p:nvSpPr>
+          <p:cNvPr id="4" name="Slide Number Placeholder 3"/>
+          <p:cNvSpPr>
+            <a:spLocks noGrp="1"/>
+          </p:cNvSpPr>
+          <p:nvPr>
+            <p:ph type="sldNum" sz="quarter" idx="5"/>
+          </p:nvPr>
+        </p:nvSpPr>
+        <p:spPr/>
+        <p:txBody>
+          <a:bodyPr/>
+          <a:lstStyle/>
+          <a:p>
+            <a:fld id="{AC55928C-CD14-454C-B617-1AFCF9A58596}" type="slidenum">
+              <a:rPr lang="en-US" smtClean="0"/>
+              <a:t>7</a:t>
+            </a:fld>
+            <a:endParaRPr lang="en-US" dirty="0"/>
+          </a:p>
+        </p:txBody>
+      </p:sp>
+    </p:spTree>
+    <p:extLst>
+      <p:ext uri="{BB962C8B-B14F-4D97-AF65-F5344CB8AC3E}">
+        <p14:creationId xmlns:p14="http://schemas.microsoft.com/office/powerpoint/2010/main" val="3014907576"/>
+      </p:ext>
+    </p:extLst>
+  </p:cSld>
+  <p:clrMapOvr>
+    <a:masterClrMapping/>
+  </p:clrMapOvr>
+</p:notes>
+</file>
+
+<file path=ppt/notesSlides/notesSlide5.xml><?xml version="1.0" encoding="utf-8"?>
+<p:notes xmlns:a="http://schemas.openxmlformats.org/drawingml/2006/main" xmlns:r="http://schemas.openxmlformats.org/officeDocument/2006/relationships" xmlns:p="http://schemas.openxmlformats.org/presentationml/2006/main">
+  <p:cSld>
+    <p:spTree>
+      <p:nvGrpSpPr>
+        <p:cNvPr id="1" name=""/>
+        <p:cNvGrpSpPr/>
+        <p:nvPr/>
+      </p:nvGrpSpPr>
+      <p:grpSpPr>
+        <a:xfrm>
+          <a:off x="0" y="0"/>
+          <a:ext cx="0" cy="0"/>
+          <a:chOff x="0" y="0"/>
+          <a:chExt cx="0" cy="0"/>
+        </a:xfrm>
+      </p:grpSpPr>
+      <p:sp>
+        <p:nvSpPr>
+          <p:cNvPr id="2" name="Slide Image Placeholder 1"/>
+          <p:cNvSpPr>
+            <a:spLocks noGrp="1" noRot="1" noChangeAspect="1"/>
+          </p:cNvSpPr>
+          <p:nvPr>
+            <p:ph type="sldImg"/>
+          </p:nvPr>
+        </p:nvSpPr>
+        <p:spPr/>
+      </p:sp>
+      <p:sp>
+        <p:nvSpPr>
+          <p:cNvPr id="3" name="Notes Placeholder 2"/>
+          <p:cNvSpPr>
+            <a:spLocks noGrp="1"/>
+          </p:cNvSpPr>
+          <p:nvPr>
+            <p:ph type="body" idx="1"/>
+          </p:nvPr>
+        </p:nvSpPr>
+        <p:spPr/>
+        <p:txBody>
+          <a:bodyPr/>
+          <a:lstStyle/>
+          <a:p>
+            <a:r>
+              <a:rPr lang="en-US" dirty="0"/>
+              <a:t>We are using the same memory after freeing: we allocate the player struct, we free it, then we use it in “won”.  There’s out use after free.</a:t>
+            </a:r>
+          </a:p>
+        </p:txBody>
+      </p:sp>
+      <p:sp>
+        <p:nvSpPr>
+          <p:cNvPr id="4" name="Slide Number Placeholder 3"/>
+          <p:cNvSpPr>
+            <a:spLocks noGrp="1"/>
+          </p:cNvSpPr>
+          <p:nvPr>
+            <p:ph type="sldNum" sz="quarter" idx="5"/>
+          </p:nvPr>
+        </p:nvSpPr>
+        <p:spPr/>
+        <p:txBody>
+          <a:bodyPr/>
+          <a:lstStyle/>
+          <a:p>
+            <a:fld id="{AC55928C-CD14-454C-B617-1AFCF9A58596}" type="slidenum">
+              <a:rPr lang="en-US" smtClean="0"/>
+              <a:t>16</a:t>
+            </a:fld>
+            <a:endParaRPr lang="en-US" dirty="0"/>
+          </a:p>
+        </p:txBody>
+      </p:sp>
+    </p:spTree>
+    <p:extLst>
+      <p:ext uri="{BB962C8B-B14F-4D97-AF65-F5344CB8AC3E}">
+        <p14:creationId xmlns:p14="http://schemas.microsoft.com/office/powerpoint/2010/main" val="3737808289"/>
+      </p:ext>
+    </p:extLst>
+  </p:cSld>
+  <p:clrMapOvr>
+    <a:masterClrMapping/>
+  </p:clrMapOvr>
+</p:notes>
+</file>
+
+<file path=ppt/notesSlides/notesSlide6.xml><?xml version="1.0" encoding="utf-8"?>
+<p:notes xmlns:a="http://schemas.openxmlformats.org/drawingml/2006/main" xmlns:r="http://schemas.openxmlformats.org/officeDocument/2006/relationships" xmlns:p="http://schemas.openxmlformats.org/presentationml/2006/main">
+  <p:cSld>
+    <p:spTree>
+      <p:nvGrpSpPr>
+        <p:cNvPr id="1" name=""/>
+        <p:cNvGrpSpPr/>
+        <p:nvPr/>
+      </p:nvGrpSpPr>
+      <p:grpSpPr>
+        <a:xfrm>
+          <a:off x="0" y="0"/>
+          <a:ext cx="0" cy="0"/>
+          <a:chOff x="0" y="0"/>
+          <a:chExt cx="0" cy="0"/>
+        </a:xfrm>
+      </p:grpSpPr>
+      <p:sp>
+        <p:nvSpPr>
+          <p:cNvPr id="2" name="Slide Image Placeholder 1"/>
+          <p:cNvSpPr>
+            <a:spLocks noGrp="1" noRot="1" noChangeAspect="1"/>
+          </p:cNvSpPr>
+          <p:nvPr>
+            <p:ph type="sldImg"/>
+          </p:nvPr>
+        </p:nvSpPr>
+        <p:spPr/>
+      </p:sp>
+      <p:sp>
+        <p:nvSpPr>
+          <p:cNvPr id="3" name="Notes Placeholder 2"/>
+          <p:cNvSpPr>
+            <a:spLocks noGrp="1"/>
+          </p:cNvSpPr>
+          <p:nvPr>
+            <p:ph type="body" idx="1"/>
+          </p:nvPr>
+        </p:nvSpPr>
+        <p:spPr/>
+        <p:txBody>
+          <a:bodyPr/>
+          <a:lstStyle/>
+          <a:p>
+            <a:r>
+              <a:rPr lang="en-US" dirty="0"/>
+              <a:t>Questions?</a:t>
+            </a:r>
+          </a:p>
+        </p:txBody>
+      </p:sp>
+      <p:sp>
+        <p:nvSpPr>
+          <p:cNvPr id="4" name="Slide Number Placeholder 3"/>
+          <p:cNvSpPr>
+            <a:spLocks noGrp="1"/>
+          </p:cNvSpPr>
+          <p:nvPr>
+            <p:ph type="sldNum" sz="quarter" idx="5"/>
+          </p:nvPr>
+        </p:nvSpPr>
+        <p:spPr/>
+        <p:txBody>
+          <a:bodyPr/>
+          <a:lstStyle/>
+          <a:p>
+            <a:fld id="{AC55928C-CD14-454C-B617-1AFCF9A58596}" type="slidenum">
+              <a:rPr lang="en-US" smtClean="0"/>
+              <a:t>19</a:t>
+            </a:fld>
+            <a:endParaRPr lang="en-US" dirty="0"/>
+          </a:p>
+        </p:txBody>
+      </p:sp>
+    </p:spTree>
+    <p:extLst>
+      <p:ext uri="{BB962C8B-B14F-4D97-AF65-F5344CB8AC3E}">
+        <p14:creationId xmlns:p14="http://schemas.microsoft.com/office/powerpoint/2010/main" val="2404414752"/>
+      </p:ext>
+    </p:extLst>
+  </p:cSld>
+  <p:clrMapOvr>
+    <a:masterClrMapping/>
+  </p:clrMapOvr>
+</p:notes>
+</file>
+
+<file path=ppt/notesSlides/notesSlide7.xml><?xml version="1.0" encoding="utf-8"?>
+<p:notes xmlns:a="http://schemas.openxmlformats.org/drawingml/2006/main" xmlns:r="http://schemas.openxmlformats.org/officeDocument/2006/relationships" xmlns:p="http://schemas.openxmlformats.org/presentationml/2006/main">
+  <p:cSld>
+    <p:spTree>
+      <p:nvGrpSpPr>
+        <p:cNvPr id="1" name=""/>
+        <p:cNvGrpSpPr/>
+        <p:nvPr/>
+      </p:nvGrpSpPr>
+      <p:grpSpPr>
+        <a:xfrm>
+          <a:off x="0" y="0"/>
+          <a:ext cx="0" cy="0"/>
+          <a:chOff x="0" y="0"/>
+          <a:chExt cx="0" cy="0"/>
+        </a:xfrm>
+      </p:grpSpPr>
+      <p:sp>
+        <p:nvSpPr>
+          <p:cNvPr id="2" name="Slide Image Placeholder 1"/>
+          <p:cNvSpPr>
+            <a:spLocks noGrp="1" noRot="1" noChangeAspect="1"/>
+          </p:cNvSpPr>
+          <p:nvPr>
+            <p:ph type="sldImg"/>
+          </p:nvPr>
+        </p:nvSpPr>
+        <p:spPr/>
+      </p:sp>
+      <p:sp>
+        <p:nvSpPr>
+          <p:cNvPr id="3" name="Notes Placeholder 2"/>
+          <p:cNvSpPr>
+            <a:spLocks noGrp="1"/>
+          </p:cNvSpPr>
+          <p:nvPr>
+            <p:ph type="body" idx="1"/>
+          </p:nvPr>
+        </p:nvSpPr>
+        <p:spPr/>
+        <p:txBody>
+          <a:bodyPr/>
+          <a:lstStyle/>
+          <a:p>
             <a:pPr marL="0" marR="0" lvl="0" indent="0" algn="l" defTabSz="457200" rtl="0" eaLnBrk="1" fontAlgn="auto" latinLnBrk="0" hangingPunct="1">
               <a:lnSpc>
                 <a:spcPct val="100000"/>
@@ -16669,6 +17233,177 @@
     <p:extLst>
       <p:ext uri="{BB962C8B-B14F-4D97-AF65-F5344CB8AC3E}">
         <p14:creationId xmlns:p14="http://schemas.microsoft.com/office/powerpoint/2010/main" val="960306344"/>
+      </p:ext>
+    </p:extLst>
+  </p:cSld>
+  <p:clrMapOvr>
+    <a:masterClrMapping/>
+  </p:clrMapOvr>
+</p:notes>
+</file>
+
+<file path=ppt/notesSlides/notesSlide8.xml><?xml version="1.0" encoding="utf-8"?>
+<p:notes xmlns:a="http://schemas.openxmlformats.org/drawingml/2006/main" xmlns:r="http://schemas.openxmlformats.org/officeDocument/2006/relationships" xmlns:p="http://schemas.openxmlformats.org/presentationml/2006/main">
+  <p:cSld>
+    <p:spTree>
+      <p:nvGrpSpPr>
+        <p:cNvPr id="1" name=""/>
+        <p:cNvGrpSpPr/>
+        <p:nvPr/>
+      </p:nvGrpSpPr>
+      <p:grpSpPr>
+        <a:xfrm>
+          <a:off x="0" y="0"/>
+          <a:ext cx="0" cy="0"/>
+          <a:chOff x="0" y="0"/>
+          <a:chExt cx="0" cy="0"/>
+        </a:xfrm>
+      </p:grpSpPr>
+      <p:sp>
+        <p:nvSpPr>
+          <p:cNvPr id="2" name="Slide Image Placeholder 1"/>
+          <p:cNvSpPr>
+            <a:spLocks noGrp="1" noRot="1" noChangeAspect="1"/>
+          </p:cNvSpPr>
+          <p:nvPr>
+            <p:ph type="sldImg"/>
+          </p:nvPr>
+        </p:nvSpPr>
+        <p:spPr/>
+      </p:sp>
+      <p:sp>
+        <p:nvSpPr>
+          <p:cNvPr id="3" name="Notes Placeholder 2"/>
+          <p:cNvSpPr>
+            <a:spLocks noGrp="1"/>
+          </p:cNvSpPr>
+          <p:nvPr>
+            <p:ph type="body" idx="1"/>
+          </p:nvPr>
+        </p:nvSpPr>
+        <p:spPr/>
+        <p:txBody>
+          <a:bodyPr/>
+          <a:lstStyle/>
+          <a:p>
+            <a:endParaRPr lang="en-US" dirty="0"/>
+          </a:p>
+        </p:txBody>
+      </p:sp>
+      <p:sp>
+        <p:nvSpPr>
+          <p:cNvPr id="4" name="Slide Number Placeholder 3"/>
+          <p:cNvSpPr>
+            <a:spLocks noGrp="1"/>
+          </p:cNvSpPr>
+          <p:nvPr>
+            <p:ph type="sldNum" sz="quarter" idx="5"/>
+          </p:nvPr>
+        </p:nvSpPr>
+        <p:spPr/>
+        <p:txBody>
+          <a:bodyPr/>
+          <a:lstStyle/>
+          <a:p>
+            <a:fld id="{AC55928C-CD14-454C-B617-1AFCF9A58596}" type="slidenum">
+              <a:rPr lang="en-US" smtClean="0"/>
+              <a:t>24</a:t>
+            </a:fld>
+            <a:endParaRPr lang="en-US" dirty="0"/>
+          </a:p>
+        </p:txBody>
+      </p:sp>
+    </p:spTree>
+    <p:extLst>
+      <p:ext uri="{BB962C8B-B14F-4D97-AF65-F5344CB8AC3E}">
+        <p14:creationId xmlns:p14="http://schemas.microsoft.com/office/powerpoint/2010/main" val="917408208"/>
+      </p:ext>
+    </p:extLst>
+  </p:cSld>
+  <p:clrMapOvr>
+    <a:masterClrMapping/>
+  </p:clrMapOvr>
+</p:notes>
+</file>
+
+<file path=ppt/notesSlides/notesSlide9.xml><?xml version="1.0" encoding="utf-8"?>
+<p:notes xmlns:a="http://schemas.openxmlformats.org/drawingml/2006/main" xmlns:r="http://schemas.openxmlformats.org/officeDocument/2006/relationships" xmlns:p="http://schemas.openxmlformats.org/presentationml/2006/main">
+  <p:cSld>
+    <p:spTree>
+      <p:nvGrpSpPr>
+        <p:cNvPr id="1" name=""/>
+        <p:cNvGrpSpPr/>
+        <p:nvPr/>
+      </p:nvGrpSpPr>
+      <p:grpSpPr>
+        <a:xfrm>
+          <a:off x="0" y="0"/>
+          <a:ext cx="0" cy="0"/>
+          <a:chOff x="0" y="0"/>
+          <a:chExt cx="0" cy="0"/>
+        </a:xfrm>
+      </p:grpSpPr>
+      <p:sp>
+        <p:nvSpPr>
+          <p:cNvPr id="2" name="Slide Image Placeholder 1"/>
+          <p:cNvSpPr>
+            <a:spLocks noGrp="1" noRot="1" noChangeAspect="1"/>
+          </p:cNvSpPr>
+          <p:nvPr>
+            <p:ph type="sldImg"/>
+          </p:nvPr>
+        </p:nvSpPr>
+        <p:spPr/>
+      </p:sp>
+      <p:sp>
+        <p:nvSpPr>
+          <p:cNvPr id="3" name="Notes Placeholder 2"/>
+          <p:cNvSpPr>
+            <a:spLocks noGrp="1"/>
+          </p:cNvSpPr>
+          <p:nvPr>
+            <p:ph type="body" idx="1"/>
+          </p:nvPr>
+        </p:nvSpPr>
+        <p:spPr/>
+        <p:txBody>
+          <a:bodyPr/>
+          <a:lstStyle/>
+          <a:p>
+            <a:r>
+              <a:rPr lang="en-US" dirty="0"/>
+              <a:t>There’s a bunch of bypasses..</a:t>
+            </a:r>
+          </a:p>
+        </p:txBody>
+      </p:sp>
+      <p:sp>
+        <p:nvSpPr>
+          <p:cNvPr id="4" name="Slide Number Placeholder 3"/>
+          <p:cNvSpPr>
+            <a:spLocks noGrp="1"/>
+          </p:cNvSpPr>
+          <p:nvPr>
+            <p:ph type="sldNum" sz="quarter" idx="5"/>
+          </p:nvPr>
+        </p:nvSpPr>
+        <p:spPr/>
+        <p:txBody>
+          <a:bodyPr/>
+          <a:lstStyle/>
+          <a:p>
+            <a:fld id="{AC55928C-CD14-454C-B617-1AFCF9A58596}" type="slidenum">
+              <a:rPr lang="en-US" smtClean="0"/>
+              <a:t>35</a:t>
+            </a:fld>
+            <a:endParaRPr lang="en-US" dirty="0"/>
+          </a:p>
+        </p:txBody>
+      </p:sp>
+    </p:spTree>
+    <p:extLst>
+      <p:ext uri="{BB962C8B-B14F-4D97-AF65-F5344CB8AC3E}">
+        <p14:creationId xmlns:p14="http://schemas.microsoft.com/office/powerpoint/2010/main" val="1311525637"/>
       </p:ext>
     </p:extLst>
   </p:cSld>
@@ -16881,7 +17616,7 @@
                 <a:latin typeface="Calibri"/>
               </a:rPr>
               <a:pPr/>
-              <a:t>11/14/21</a:t>
+              <a:t>3/8/22</a:t>
             </a:fld>
             <a:endParaRPr lang="en-US" dirty="0">
               <a:solidFill>
@@ -17134,7 +17869,7 @@
                 <a:latin typeface="Calibri"/>
               </a:rPr>
               <a:pPr/>
-              <a:t>11/14/21</a:t>
+              <a:t>3/8/22</a:t>
             </a:fld>
             <a:endParaRPr lang="en-US" dirty="0">
               <a:solidFill>
@@ -17349,7 +18084,7 @@
                 <a:latin typeface="Calibri"/>
               </a:rPr>
               <a:pPr/>
-              <a:t>11/14/21</a:t>
+              <a:t>3/8/22</a:t>
             </a:fld>
             <a:endParaRPr lang="en-US" dirty="0">
               <a:solidFill>
@@ -17633,7 +18368,7 @@
                 <a:latin typeface="Calibri"/>
               </a:rPr>
               <a:pPr/>
-              <a:t>11/14/21</a:t>
+              <a:t>3/8/22</a:t>
             </a:fld>
             <a:endParaRPr lang="en-US" dirty="0">
               <a:solidFill>
@@ -17975,7 +18710,7 @@
                 <a:latin typeface="Calibri"/>
               </a:rPr>
               <a:pPr/>
-              <a:t>11/14/21</a:t>
+              <a:t>3/8/22</a:t>
             </a:fld>
             <a:endParaRPr lang="en-US" dirty="0">
               <a:solidFill>
@@ -18303,7 +19038,7 @@
                 <a:latin typeface="Calibri"/>
               </a:rPr>
               <a:pPr/>
-              <a:t>11/14/21</a:t>
+              <a:t>3/8/22</a:t>
             </a:fld>
             <a:endParaRPr lang="en-US" dirty="0">
               <a:solidFill>
@@ -18792,7 +19527,7 @@
                 <a:latin typeface="Calibri"/>
               </a:rPr>
               <a:pPr/>
-              <a:t>11/14/21</a:t>
+              <a:t>3/8/22</a:t>
             </a:fld>
             <a:endParaRPr lang="en-US" dirty="0">
               <a:solidFill>
@@ -18975,7 +19710,7 @@
                 <a:latin typeface="Calibri"/>
               </a:rPr>
               <a:pPr/>
-              <a:t>11/14/21</a:t>
+              <a:t>3/8/22</a:t>
             </a:fld>
             <a:endParaRPr lang="en-US" dirty="0">
               <a:solidFill>
@@ -19221,7 +19956,7 @@
                 <a:latin typeface="Calibri"/>
               </a:rPr>
               <a:pPr/>
-              <a:t>11/14/21</a:t>
+              <a:t>3/8/22</a:t>
             </a:fld>
             <a:endParaRPr lang="en-US" dirty="0">
               <a:solidFill>
@@ -19563,7 +20298,7 @@
                 <a:latin typeface="Calibri"/>
               </a:rPr>
               <a:pPr/>
-              <a:t>11/14/21</a:t>
+              <a:t>3/8/22</a:t>
             </a:fld>
             <a:endParaRPr lang="en-US" dirty="0">
               <a:solidFill>
@@ -19855,7 +20590,7 @@
                 <a:latin typeface="Calibri"/>
               </a:rPr>
               <a:pPr/>
-              <a:t>11/14/21</a:t>
+              <a:t>3/8/22</a:t>
             </a:fld>
             <a:endParaRPr lang="en-US" dirty="0">
               <a:solidFill>
@@ -20105,7 +20840,7 @@
                 <a:latin typeface="Calibri"/>
               </a:rPr>
               <a:pPr defTabSz="914400"/>
-              <a:t>11/14/21</a:t>
+              <a:t>3/8/22</a:t>
             </a:fld>
             <a:endParaRPr lang="en-US" dirty="0">
               <a:solidFill>
@@ -22128,7 +22863,7 @@
           <p:nvPr/>
         </p:nvPicPr>
         <p:blipFill>
-          <a:blip r:embed="rId2"/>
+          <a:blip r:embed="rId3"/>
           <a:stretch>
             <a:fillRect/>
           </a:stretch>
@@ -23069,6 +23804,24 @@
             </a:r>
             <a:r>
               <a:rPr lang="en-US" dirty="0"/>
+              <a:t> is the </a:t>
+            </a:r>
+            <a:r>
+              <a:rPr lang="en-US" b="1" i="1" dirty="0"/>
+              <a:t>hotel</a:t>
+            </a:r>
+          </a:p>
+          <a:p>
+            <a:r>
+              <a:rPr lang="en-US" dirty="0"/>
+              <a:t>The </a:t>
+            </a:r>
+            <a:r>
+              <a:rPr lang="en-US" i="1" dirty="0"/>
+              <a:t>memory</a:t>
+            </a:r>
+            <a:r>
+              <a:rPr lang="en-US" dirty="0"/>
               <a:t> </a:t>
             </a:r>
             <a:r>
@@ -23081,7 +23834,7 @@
             </a:r>
             <a:r>
               <a:rPr lang="en-US" b="1" i="1" dirty="0"/>
-              <a:t>hotel</a:t>
+              <a:t>hotel management</a:t>
             </a:r>
             <a:endParaRPr lang="en-US" b="1" dirty="0"/>
           </a:p>
@@ -24758,7 +25511,7 @@
           <a:p>
             <a:r>
               <a:rPr lang="en-US" dirty="0"/>
-              <a:t>Two chunks point to the same memory (UAF)</a:t>
+              <a:t>Two pointers to the same memory (UAF)</a:t>
             </a:r>
           </a:p>
         </p:txBody>
@@ -26251,19 +27004,24 @@
         </p:spPr>
         <p:txBody>
           <a:bodyPr>
-            <a:normAutofit/>
+            <a:normAutofit fontScale="92500"/>
           </a:bodyPr>
           <a:lstStyle/>
           <a:p>
             <a:r>
               <a:rPr lang="en-US" sz="2200" dirty="0"/>
-              <a:t>The memory allocator is the </a:t>
+              <a:t>The memory is the </a:t>
             </a:r>
             <a:r>
               <a:rPr lang="en-US" sz="2200" i="1" dirty="0"/>
               <a:t>hotel</a:t>
             </a:r>
-            <a:endParaRPr lang="en-US" sz="2200" dirty="0"/>
+          </a:p>
+          <a:p>
+            <a:r>
+              <a:rPr lang="en-US" sz="2200" dirty="0"/>
+              <a:t>The memory allocator is the manager</a:t>
+            </a:r>
           </a:p>
           <a:p>
             <a:r>
@@ -26805,7 +27563,7 @@
           </p:nvPr>
         </p:nvPicPr>
         <p:blipFill>
-          <a:blip r:embed="rId2"/>
+          <a:blip r:embed="rId3"/>
           <a:stretch>
             <a:fillRect/>
           </a:stretch>
@@ -27041,7 +27799,7 @@
         </p:xfrm>
         <a:graphic>
           <a:graphicData uri="http://schemas.openxmlformats.org/drawingml/2006/diagram">
-            <dgm:relIds xmlns:dgm="http://schemas.openxmlformats.org/drawingml/2006/diagram" xmlns:r="http://schemas.openxmlformats.org/officeDocument/2006/relationships" r:dm="rId2" r:lo="rId3" r:qs="rId4" r:cs="rId5"/>
+            <dgm:relIds xmlns:dgm="http://schemas.openxmlformats.org/drawingml/2006/diagram" xmlns:r="http://schemas.openxmlformats.org/officeDocument/2006/relationships" r:dm="rId3" r:lo="rId4" r:qs="rId5" r:cs="rId6"/>
           </a:graphicData>
         </a:graphic>
       </p:graphicFrame>
@@ -27126,7 +27884,7 @@
             <p:ph idx="1"/>
             <p:extLst>
               <p:ext uri="{D42A27DB-BD31-4B8C-83A1-F6EECF244321}">
-                <p14:modId xmlns:p14="http://schemas.microsoft.com/office/powerpoint/2010/main" val="584684978"/>
+                <p14:modId xmlns:p14="http://schemas.microsoft.com/office/powerpoint/2010/main" val="3169653971"/>
               </p:ext>
             </p:extLst>
           </p:nvPr>
@@ -27683,10 +28441,10 @@
           <p:nvPr/>
         </p:nvPicPr>
         <p:blipFill>
-          <a:blip r:embed="rId2">
+          <a:blip r:embed="rId3">
             <a:extLst>
               <a:ext uri="{96DAC541-7B7A-43D3-8B79-37D633B846F1}">
-                <asvg:svgBlip xmlns:asvg="http://schemas.microsoft.com/office/drawing/2016/SVG/main" r:embed="rId3"/>
+                <asvg:svgBlip xmlns:asvg="http://schemas.microsoft.com/office/drawing/2016/SVG/main" r:embed="rId4"/>
               </a:ext>
             </a:extLst>
           </a:blip>
@@ -28089,7 +28847,7 @@
           <a:p>
             <a:r>
               <a:rPr lang="en-US" dirty="0"/>
-              <a:t>Malloc - Create User Code </a:t>
+              <a:t>Malloc – Create a User</a:t>
             </a:r>
           </a:p>
         </p:txBody>

--- a/modules/vuln_classes/vuln_classes.pptx
+++ b/modules/vuln_classes/vuln_classes.pptx
@@ -16023,7 +16023,7 @@
           <a:p>
             <a:fld id="{2DA23E8D-1792-1541-9147-970A8DD8A355}" type="datetimeFigureOut">
               <a:rPr lang="en-US" smtClean="0"/>
-              <a:t>3/8/22</a:t>
+              <a:t>5/3/22</a:t>
             </a:fld>
             <a:endParaRPr lang="en-US" dirty="0"/>
           </a:p>
@@ -17616,7 +17616,7 @@
                 <a:latin typeface="Calibri"/>
               </a:rPr>
               <a:pPr/>
-              <a:t>3/8/22</a:t>
+              <a:t>5/3/22</a:t>
             </a:fld>
             <a:endParaRPr lang="en-US" dirty="0">
               <a:solidFill>
@@ -17869,7 +17869,7 @@
                 <a:latin typeface="Calibri"/>
               </a:rPr>
               <a:pPr/>
-              <a:t>3/8/22</a:t>
+              <a:t>5/3/22</a:t>
             </a:fld>
             <a:endParaRPr lang="en-US" dirty="0">
               <a:solidFill>
@@ -18084,7 +18084,7 @@
                 <a:latin typeface="Calibri"/>
               </a:rPr>
               <a:pPr/>
-              <a:t>3/8/22</a:t>
+              <a:t>5/3/22</a:t>
             </a:fld>
             <a:endParaRPr lang="en-US" dirty="0">
               <a:solidFill>
@@ -18368,7 +18368,7 @@
                 <a:latin typeface="Calibri"/>
               </a:rPr>
               <a:pPr/>
-              <a:t>3/8/22</a:t>
+              <a:t>5/3/22</a:t>
             </a:fld>
             <a:endParaRPr lang="en-US" dirty="0">
               <a:solidFill>
@@ -18710,7 +18710,7 @@
                 <a:latin typeface="Calibri"/>
               </a:rPr>
               <a:pPr/>
-              <a:t>3/8/22</a:t>
+              <a:t>5/3/22</a:t>
             </a:fld>
             <a:endParaRPr lang="en-US" dirty="0">
               <a:solidFill>
@@ -19038,7 +19038,7 @@
                 <a:latin typeface="Calibri"/>
               </a:rPr>
               <a:pPr/>
-              <a:t>3/8/22</a:t>
+              <a:t>5/3/22</a:t>
             </a:fld>
             <a:endParaRPr lang="en-US" dirty="0">
               <a:solidFill>
@@ -19527,7 +19527,7 @@
                 <a:latin typeface="Calibri"/>
               </a:rPr>
               <a:pPr/>
-              <a:t>3/8/22</a:t>
+              <a:t>5/3/22</a:t>
             </a:fld>
             <a:endParaRPr lang="en-US" dirty="0">
               <a:solidFill>
@@ -19710,7 +19710,7 @@
                 <a:latin typeface="Calibri"/>
               </a:rPr>
               <a:pPr/>
-              <a:t>3/8/22</a:t>
+              <a:t>5/3/22</a:t>
             </a:fld>
             <a:endParaRPr lang="en-US" dirty="0">
               <a:solidFill>
@@ -19956,7 +19956,7 @@
                 <a:latin typeface="Calibri"/>
               </a:rPr>
               <a:pPr/>
-              <a:t>3/8/22</a:t>
+              <a:t>5/3/22</a:t>
             </a:fld>
             <a:endParaRPr lang="en-US" dirty="0">
               <a:solidFill>
@@ -20298,7 +20298,7 @@
                 <a:latin typeface="Calibri"/>
               </a:rPr>
               <a:pPr/>
-              <a:t>3/8/22</a:t>
+              <a:t>5/3/22</a:t>
             </a:fld>
             <a:endParaRPr lang="en-US" dirty="0">
               <a:solidFill>
@@ -20590,7 +20590,7 @@
                 <a:latin typeface="Calibri"/>
               </a:rPr>
               <a:pPr/>
-              <a:t>3/8/22</a:t>
+              <a:t>5/3/22</a:t>
             </a:fld>
             <a:endParaRPr lang="en-US" dirty="0">
               <a:solidFill>
@@ -20840,7 +20840,7 @@
                 <a:latin typeface="Calibri"/>
               </a:rPr>
               <a:pPr defTabSz="914400"/>
-              <a:t>3/8/22</a:t>
+              <a:t>5/3/22</a:t>
             </a:fld>
             <a:endParaRPr lang="en-US" dirty="0">
               <a:solidFill>
@@ -22579,7 +22579,7 @@
           <a:p>
             <a:r>
               <a:rPr lang="en-US" dirty="0"/>
-              <a:t>Free (reset) a player</a:t>
+              <a:t>Free (delete) a player</a:t>
             </a:r>
           </a:p>
           <a:p>
@@ -23207,8 +23207,12 @@
           </a:p>
           <a:p>
             <a:r>
+              <a:rPr lang="en-US"/>
+              <a:t>Delete </a:t>
+            </a:r>
+            <a:r>
               <a:rPr lang="en-US" dirty="0"/>
-              <a:t>Reset User </a:t>
+              <a:t>User </a:t>
             </a:r>
             <a:r>
               <a:rPr lang="en-US" dirty="0">
@@ -24379,7 +24383,7 @@
             </a:r>
             <a:r>
               <a:rPr lang="en-US" dirty="0"/>
-              <a:t>Reset the player</a:t>
+              <a:t>Delete the player</a:t>
             </a:r>
           </a:p>
           <a:p>
@@ -24694,7 +24698,7 @@
           <a:p>
             <a:r>
               <a:rPr lang="en-US" dirty="0"/>
-              <a:t>Free (reset) a player</a:t>
+              <a:t>Free (delete) a player</a:t>
             </a:r>
           </a:p>
           <a:p>
@@ -24838,7 +24842,7 @@
           <a:p>
             <a:r>
               <a:rPr lang="en-US" dirty="0"/>
-              <a:t>Free (reset) a player (again!) </a:t>
+              <a:t>Free (delete) a player (again!) </a:t>
             </a:r>
           </a:p>
           <a:p>
@@ -25948,7 +25952,7 @@
           <a:p>
             <a:r>
               <a:rPr lang="en-US" dirty="0"/>
-              <a:t>Reset User (Free) </a:t>
+              <a:t>Delete User (Free) </a:t>
             </a:r>
             <a:r>
               <a:rPr lang="en-US" dirty="0">
@@ -25960,22 +25964,16 @@
           <a:p>
             <a:r>
               <a:rPr lang="en-US" dirty="0"/>
-              <a:t>Reset User  (Free) </a:t>
+              <a:t>Delete User  (Free) </a:t>
             </a:r>
             <a:r>
               <a:rPr lang="en-US" dirty="0">
                 <a:sym typeface="Wingdings" pitchFamily="2" charset="2"/>
               </a:rPr>
-              <a:t> Frees a </a:t>
-            </a:r>
-            <a:r>
-              <a:rPr lang="en-US">
-                <a:sym typeface="Wingdings" pitchFamily="2" charset="2"/>
-              </a:rPr>
-              <a:t>malloc chunk (</a:t>
-            </a:r>
-            <a:r>
-              <a:rPr lang="en-US" i="1">
+              <a:t> Frees a malloc chunk (</a:t>
+            </a:r>
+            <a:r>
+              <a:rPr lang="en-US" i="1" dirty="0">
                 <a:sym typeface="Wingdings" pitchFamily="2" charset="2"/>
               </a:rPr>
               <a:t>again)</a:t>

--- a/modules/vuln_classes/vuln_classes.pptx
+++ b/modules/vuln_classes/vuln_classes.pptx
@@ -6125,10 +6125,10 @@
         <a:lstStyle/>
         <a:p>
           <a:r>
-            <a:rPr lang="en-US" i="1"/>
+            <a:rPr lang="en-US" i="1" dirty="0"/>
             <a:t>Free</a:t>
           </a:r>
-          <a:endParaRPr lang="en-US"/>
+          <a:endParaRPr lang="en-US" dirty="0"/>
         </a:p>
       </dgm:t>
     </dgm:pt>
@@ -8391,10 +8391,10 @@
             <a:buChar char="•"/>
           </a:pPr>
           <a:r>
-            <a:rPr lang="en-US" sz="3400" i="1" kern="1200"/>
+            <a:rPr lang="en-US" sz="3400" i="1" kern="1200" dirty="0"/>
             <a:t>Free</a:t>
           </a:r>
-          <a:endParaRPr lang="en-US" sz="3400" kern="1200"/>
+          <a:endParaRPr lang="en-US" sz="3400" kern="1200" dirty="0"/>
         </a:p>
       </dsp:txBody>
       <dsp:txXfrm>
@@ -16023,7 +16023,7 @@
           <a:p>
             <a:fld id="{2DA23E8D-1792-1541-9147-970A8DD8A355}" type="datetimeFigureOut">
               <a:rPr lang="en-US" smtClean="0"/>
-              <a:t>5/3/22</a:t>
+              <a:t>8/6/22</a:t>
             </a:fld>
             <a:endParaRPr lang="en-US" dirty="0"/>
           </a:p>
@@ -16728,15 +16728,6 @@
           <a:p>
             <a:r>
               <a:rPr lang="en-US" dirty="0"/>
-              <a:t>Questions?</a:t>
-            </a:r>
-          </a:p>
-          <a:p>
-            <a:endParaRPr lang="en-US" dirty="0"/>
-          </a:p>
-          <a:p>
-            <a:r>
-              <a:rPr lang="en-US" dirty="0"/>
               <a:t>This is one way to exploit this is to get the memory to be reallocated, then we can view or edit it, or another way to exploit this is to…</a:t>
             </a:r>
           </a:p>
@@ -16826,6 +16817,35 @@
               <a:rPr lang="en-US" dirty="0"/>
               <a:t>…is to manipulate memory structures in the allocator.</a:t>
             </a:r>
+          </a:p>
+          <a:p>
+            <a:endParaRPr lang="en-US" dirty="0"/>
+          </a:p>
+          <a:p>
+            <a:pPr marL="0" marR="0" lvl="0" indent="0" algn="l" defTabSz="457200" rtl="0" eaLnBrk="1" fontAlgn="auto" latinLnBrk="0" hangingPunct="1">
+              <a:lnSpc>
+                <a:spcPct val="100000"/>
+              </a:lnSpc>
+              <a:spcBef>
+                <a:spcPts val="0"/>
+              </a:spcBef>
+              <a:spcAft>
+                <a:spcPts val="0"/>
+              </a:spcAft>
+              <a:buClrTx/>
+              <a:buSzTx/>
+              <a:buFontTx/>
+              <a:buNone/>
+              <a:tabLst/>
+              <a:defRPr/>
+            </a:pPr>
+            <a:r>
+              <a:rPr lang="en-US" dirty="0"/>
+              <a:t>Questions?</a:t>
+            </a:r>
+          </a:p>
+          <a:p>
+            <a:endParaRPr lang="en-US" dirty="0"/>
           </a:p>
         </p:txBody>
       </p:sp>
@@ -17616,7 +17636,7 @@
                 <a:latin typeface="Calibri"/>
               </a:rPr>
               <a:pPr/>
-              <a:t>5/3/22</a:t>
+              <a:t>8/6/22</a:t>
             </a:fld>
             <a:endParaRPr lang="en-US" dirty="0">
               <a:solidFill>
@@ -17869,7 +17889,7 @@
                 <a:latin typeface="Calibri"/>
               </a:rPr>
               <a:pPr/>
-              <a:t>5/3/22</a:t>
+              <a:t>8/6/22</a:t>
             </a:fld>
             <a:endParaRPr lang="en-US" dirty="0">
               <a:solidFill>
@@ -18084,7 +18104,7 @@
                 <a:latin typeface="Calibri"/>
               </a:rPr>
               <a:pPr/>
-              <a:t>5/3/22</a:t>
+              <a:t>8/6/22</a:t>
             </a:fld>
             <a:endParaRPr lang="en-US" dirty="0">
               <a:solidFill>
@@ -18368,7 +18388,7 @@
                 <a:latin typeface="Calibri"/>
               </a:rPr>
               <a:pPr/>
-              <a:t>5/3/22</a:t>
+              <a:t>8/6/22</a:t>
             </a:fld>
             <a:endParaRPr lang="en-US" dirty="0">
               <a:solidFill>
@@ -18710,7 +18730,7 @@
                 <a:latin typeface="Calibri"/>
               </a:rPr>
               <a:pPr/>
-              <a:t>5/3/22</a:t>
+              <a:t>8/6/22</a:t>
             </a:fld>
             <a:endParaRPr lang="en-US" dirty="0">
               <a:solidFill>
@@ -19038,7 +19058,7 @@
                 <a:latin typeface="Calibri"/>
               </a:rPr>
               <a:pPr/>
-              <a:t>5/3/22</a:t>
+              <a:t>8/6/22</a:t>
             </a:fld>
             <a:endParaRPr lang="en-US" dirty="0">
               <a:solidFill>
@@ -19527,7 +19547,7 @@
                 <a:latin typeface="Calibri"/>
               </a:rPr>
               <a:pPr/>
-              <a:t>5/3/22</a:t>
+              <a:t>8/6/22</a:t>
             </a:fld>
             <a:endParaRPr lang="en-US" dirty="0">
               <a:solidFill>
@@ -19710,7 +19730,7 @@
                 <a:latin typeface="Calibri"/>
               </a:rPr>
               <a:pPr/>
-              <a:t>5/3/22</a:t>
+              <a:t>8/6/22</a:t>
             </a:fld>
             <a:endParaRPr lang="en-US" dirty="0">
               <a:solidFill>
@@ -19956,7 +19976,7 @@
                 <a:latin typeface="Calibri"/>
               </a:rPr>
               <a:pPr/>
-              <a:t>5/3/22</a:t>
+              <a:t>8/6/22</a:t>
             </a:fld>
             <a:endParaRPr lang="en-US" dirty="0">
               <a:solidFill>
@@ -20298,7 +20318,7 @@
                 <a:latin typeface="Calibri"/>
               </a:rPr>
               <a:pPr/>
-              <a:t>5/3/22</a:t>
+              <a:t>8/6/22</a:t>
             </a:fld>
             <a:endParaRPr lang="en-US" dirty="0">
               <a:solidFill>
@@ -20590,7 +20610,7 @@
                 <a:latin typeface="Calibri"/>
               </a:rPr>
               <a:pPr/>
-              <a:t>5/3/22</a:t>
+              <a:t>8/6/22</a:t>
             </a:fld>
             <a:endParaRPr lang="en-US" dirty="0">
               <a:solidFill>
@@ -20840,7 +20860,7 @@
                 <a:latin typeface="Calibri"/>
               </a:rPr>
               <a:pPr defTabSz="914400"/>
-              <a:t>5/3/22</a:t>
+              <a:t>8/6/22</a:t>
             </a:fld>
             <a:endParaRPr lang="en-US" dirty="0">
               <a:solidFill>
@@ -24271,7 +24291,7 @@
 </file>
 
 <file path=ppt/slides/slide24.xml><?xml version="1.0" encoding="utf-8"?>
-<p:sld xmlns:a="http://schemas.openxmlformats.org/drawingml/2006/main" xmlns:r="http://schemas.openxmlformats.org/officeDocument/2006/relationships" xmlns:p="http://schemas.openxmlformats.org/presentationml/2006/main">
+<p:sld xmlns:a="http://schemas.openxmlformats.org/drawingml/2006/main" xmlns:r="http://schemas.openxmlformats.org/officeDocument/2006/relationships" xmlns:p="http://schemas.openxmlformats.org/presentationml/2006/main" show="0">
   <p:cSld>
     <p:spTree>
       <p:nvGrpSpPr>
@@ -24486,7 +24506,7 @@
 </file>
 
 <file path=ppt/slides/slide25.xml><?xml version="1.0" encoding="utf-8"?>
-<p:sld xmlns:a="http://schemas.openxmlformats.org/drawingml/2006/main" xmlns:r="http://schemas.openxmlformats.org/officeDocument/2006/relationships" xmlns:p="http://schemas.openxmlformats.org/presentationml/2006/main">
+<p:sld xmlns:a="http://schemas.openxmlformats.org/drawingml/2006/main" xmlns:r="http://schemas.openxmlformats.org/officeDocument/2006/relationships" xmlns:p="http://schemas.openxmlformats.org/presentationml/2006/main" show="0">
   <p:cSld>
     <p:spTree>
       <p:nvGrpSpPr>
@@ -24617,7 +24637,7 @@
 </file>
 
 <file path=ppt/slides/slide26.xml><?xml version="1.0" encoding="utf-8"?>
-<p:sld xmlns:a="http://schemas.openxmlformats.org/drawingml/2006/main" xmlns:r="http://schemas.openxmlformats.org/officeDocument/2006/relationships" xmlns:p="http://schemas.openxmlformats.org/presentationml/2006/main">
+<p:sld xmlns:a="http://schemas.openxmlformats.org/drawingml/2006/main" xmlns:r="http://schemas.openxmlformats.org/officeDocument/2006/relationships" xmlns:p="http://schemas.openxmlformats.org/presentationml/2006/main" show="0">
   <p:cSld>
     <p:spTree>
       <p:nvGrpSpPr>
@@ -24761,7 +24781,7 @@
 </file>
 
 <file path=ppt/slides/slide27.xml><?xml version="1.0" encoding="utf-8"?>
-<p:sld xmlns:a="http://schemas.openxmlformats.org/drawingml/2006/main" xmlns:r="http://schemas.openxmlformats.org/officeDocument/2006/relationships" xmlns:p="http://schemas.openxmlformats.org/presentationml/2006/main">
+<p:sld xmlns:a="http://schemas.openxmlformats.org/drawingml/2006/main" xmlns:r="http://schemas.openxmlformats.org/officeDocument/2006/relationships" xmlns:p="http://schemas.openxmlformats.org/presentationml/2006/main" show="0">
   <p:cSld>
     <p:spTree>
       <p:nvGrpSpPr>
@@ -24905,7 +24925,7 @@
 </file>
 
 <file path=ppt/slides/slide28.xml><?xml version="1.0" encoding="utf-8"?>
-<p:sld xmlns:a="http://schemas.openxmlformats.org/drawingml/2006/main" xmlns:r="http://schemas.openxmlformats.org/officeDocument/2006/relationships" xmlns:p="http://schemas.openxmlformats.org/presentationml/2006/main">
+<p:sld xmlns:a="http://schemas.openxmlformats.org/drawingml/2006/main" xmlns:r="http://schemas.openxmlformats.org/officeDocument/2006/relationships" xmlns:p="http://schemas.openxmlformats.org/presentationml/2006/main" show="0">
   <p:cSld>
     <p:spTree>
       <p:nvGrpSpPr>
@@ -25061,7 +25081,7 @@
 </file>
 
 <file path=ppt/slides/slide29.xml><?xml version="1.0" encoding="utf-8"?>
-<p:sld xmlns:a="http://schemas.openxmlformats.org/drawingml/2006/main" xmlns:r="http://schemas.openxmlformats.org/officeDocument/2006/relationships" xmlns:p="http://schemas.openxmlformats.org/presentationml/2006/main">
+<p:sld xmlns:a="http://schemas.openxmlformats.org/drawingml/2006/main" xmlns:r="http://schemas.openxmlformats.org/officeDocument/2006/relationships" xmlns:p="http://schemas.openxmlformats.org/presentationml/2006/main" show="0">
   <p:cSld>
     <p:spTree>
       <p:nvGrpSpPr>
@@ -25422,7 +25442,7 @@
 </file>
 
 <file path=ppt/slides/slide30.xml><?xml version="1.0" encoding="utf-8"?>
-<p:sld xmlns:a="http://schemas.openxmlformats.org/drawingml/2006/main" xmlns:r="http://schemas.openxmlformats.org/officeDocument/2006/relationships" xmlns:p="http://schemas.openxmlformats.org/presentationml/2006/main">
+<p:sld xmlns:a="http://schemas.openxmlformats.org/drawingml/2006/main" xmlns:r="http://schemas.openxmlformats.org/officeDocument/2006/relationships" xmlns:p="http://schemas.openxmlformats.org/presentationml/2006/main" show="0">
   <p:cSld>
     <p:spTree>
       <p:nvGrpSpPr>
@@ -25564,7 +25584,7 @@
 </file>
 
 <file path=ppt/slides/slide31.xml><?xml version="1.0" encoding="utf-8"?>
-<p:sld xmlns:a="http://schemas.openxmlformats.org/drawingml/2006/main" xmlns:r="http://schemas.openxmlformats.org/officeDocument/2006/relationships" xmlns:p="http://schemas.openxmlformats.org/presentationml/2006/main">
+<p:sld xmlns:a="http://schemas.openxmlformats.org/drawingml/2006/main" xmlns:r="http://schemas.openxmlformats.org/officeDocument/2006/relationships" xmlns:p="http://schemas.openxmlformats.org/presentationml/2006/main" show="0">
   <p:cSld>
     <p:spTree>
       <p:nvGrpSpPr>
@@ -25705,7 +25725,7 @@
 </file>
 
 <file path=ppt/slides/slide32.xml><?xml version="1.0" encoding="utf-8"?>
-<p:sld xmlns:a="http://schemas.openxmlformats.org/drawingml/2006/main" xmlns:r="http://schemas.openxmlformats.org/officeDocument/2006/relationships" xmlns:p="http://schemas.openxmlformats.org/presentationml/2006/main">
+<p:sld xmlns:a="http://schemas.openxmlformats.org/drawingml/2006/main" xmlns:r="http://schemas.openxmlformats.org/officeDocument/2006/relationships" xmlns:p="http://schemas.openxmlformats.org/presentationml/2006/main" show="0">
   <p:cSld>
     <p:spTree>
       <p:nvGrpSpPr>
@@ -25865,7 +25885,7 @@
 </file>
 
 <file path=ppt/slides/slide33.xml><?xml version="1.0" encoding="utf-8"?>
-<p:sld xmlns:a="http://schemas.openxmlformats.org/drawingml/2006/main" xmlns:r="http://schemas.openxmlformats.org/officeDocument/2006/relationships" xmlns:p="http://schemas.openxmlformats.org/presentationml/2006/main">
+<p:sld xmlns:a="http://schemas.openxmlformats.org/drawingml/2006/main" xmlns:r="http://schemas.openxmlformats.org/officeDocument/2006/relationships" xmlns:p="http://schemas.openxmlformats.org/presentationml/2006/main" show="0">
   <p:cSld>
     <p:spTree>
       <p:nvGrpSpPr>
@@ -26663,7 +26683,7 @@
           <a:p>
             <a:r>
               <a:rPr lang="en-US" dirty="0"/>
-              <a:t>Double Free #3</a:t>
+              <a:t>Staggered Double Free</a:t>
             </a:r>
           </a:p>
         </p:txBody>
@@ -26822,13 +26842,13 @@
         </p:spPr>
         <p:txBody>
           <a:bodyPr anchor="ctr">
-            <a:normAutofit/>
+            <a:normAutofit fontScale="90000"/>
           </a:bodyPr>
           <a:lstStyle/>
           <a:p>
             <a:r>
               <a:rPr lang="en-US" dirty="0"/>
-              <a:t>Double Free #3 – Start </a:t>
+              <a:t>Staggered Double Free – Start </a:t>
             </a:r>
           </a:p>
         </p:txBody>
@@ -27197,19 +27217,19 @@
         </p:nvSpPr>
         <p:spPr>
           <a:xfrm>
-            <a:off x="628649" y="273847"/>
-            <a:ext cx="8011655" cy="994172"/>
+            <a:off x="0" y="273847"/>
+            <a:ext cx="9392575" cy="994172"/>
           </a:xfrm>
         </p:spPr>
         <p:txBody>
           <a:bodyPr anchor="ctr">
-            <a:normAutofit fontScale="90000"/>
+            <a:normAutofit/>
           </a:bodyPr>
           <a:lstStyle/>
           <a:p>
             <a:r>
-              <a:rPr lang="en-US" dirty="0"/>
-              <a:t>Double Free #3 – Free The Chunk</a:t>
+              <a:rPr lang="en-US" sz="3500" dirty="0"/>
+              <a:t>Staggered Double Free – Free The Chunk</a:t>
             </a:r>
           </a:p>
         </p:txBody>
@@ -27365,19 +27385,19 @@
         </p:nvSpPr>
         <p:spPr>
           <a:xfrm>
-            <a:off x="628650" y="273847"/>
-            <a:ext cx="7886700" cy="994172"/>
+            <a:off x="628649" y="273847"/>
+            <a:ext cx="8692903" cy="994172"/>
           </a:xfrm>
         </p:spPr>
         <p:txBody>
           <a:bodyPr anchor="ctr">
-            <a:normAutofit/>
+            <a:normAutofit fontScale="90000"/>
           </a:bodyPr>
           <a:lstStyle/>
           <a:p>
             <a:r>
               <a:rPr lang="en-US" dirty="0"/>
-              <a:t>Double Free #3 – Reallocate</a:t>
+              <a:t>Staggered Double Free – Reallocate</a:t>
             </a:r>
           </a:p>
         </p:txBody>
@@ -27527,19 +27547,19 @@
         </p:nvSpPr>
         <p:spPr>
           <a:xfrm>
-            <a:off x="628650" y="273847"/>
-            <a:ext cx="7886700" cy="994172"/>
+            <a:off x="195309" y="273847"/>
+            <a:ext cx="8859913" cy="994172"/>
           </a:xfrm>
         </p:spPr>
         <p:txBody>
           <a:bodyPr anchor="ctr">
-            <a:normAutofit/>
+            <a:normAutofit fontScale="90000"/>
           </a:bodyPr>
           <a:lstStyle/>
           <a:p>
             <a:r>
               <a:rPr lang="en-US" dirty="0"/>
-              <a:t>Double Free #3 – Free AGAIN</a:t>
+              <a:t>Staggered Double Free– Free AGAIN</a:t>
             </a:r>
           </a:p>
         </p:txBody>
@@ -27732,7 +27752,7 @@
           <a:p>
             <a:r>
               <a:rPr lang="en-US" dirty="0"/>
-              <a:t>Double Free – Attack #3 </a:t>
+              <a:t>Staggered Double Free</a:t>
             </a:r>
           </a:p>
         </p:txBody>
@@ -28365,7 +28385,7 @@
           <a:p>
             <a:r>
               <a:rPr lang="en-US" dirty="0"/>
-              <a:t>UAF Explanation Diagram – 1 </a:t>
+              <a:t>UAF Explanation Diagram – 2 </a:t>
             </a:r>
           </a:p>
         </p:txBody>

--- a/modules/vuln_classes/vuln_classes.pptx
+++ b/modules/vuln_classes/vuln_classes.pptx
@@ -5,55 +5,56 @@
     <p:sldMasterId id="2147483660" r:id="rId1"/>
   </p:sldMasterIdLst>
   <p:notesMasterIdLst>
-    <p:notesMasterId r:id="rId48"/>
+    <p:notesMasterId r:id="rId49"/>
   </p:notesMasterIdLst>
   <p:sldIdLst>
     <p:sldId id="396" r:id="rId2"/>
     <p:sldId id="401" r:id="rId3"/>
-    <p:sldId id="397" r:id="rId4"/>
-    <p:sldId id="398" r:id="rId5"/>
-    <p:sldId id="428" r:id="rId6"/>
-    <p:sldId id="516" r:id="rId7"/>
-    <p:sldId id="403" r:id="rId8"/>
-    <p:sldId id="503" r:id="rId9"/>
-    <p:sldId id="505" r:id="rId10"/>
-    <p:sldId id="506" r:id="rId11"/>
-    <p:sldId id="507" r:id="rId12"/>
-    <p:sldId id="508" r:id="rId13"/>
-    <p:sldId id="436" r:id="rId14"/>
-    <p:sldId id="468" r:id="rId15"/>
-    <p:sldId id="469" r:id="rId16"/>
-    <p:sldId id="471" r:id="rId17"/>
-    <p:sldId id="472" r:id="rId18"/>
-    <p:sldId id="485" r:id="rId19"/>
-    <p:sldId id="473" r:id="rId20"/>
-    <p:sldId id="400" r:id="rId21"/>
-    <p:sldId id="399" r:id="rId22"/>
-    <p:sldId id="429" r:id="rId23"/>
-    <p:sldId id="451" r:id="rId24"/>
-    <p:sldId id="404" r:id="rId25"/>
-    <p:sldId id="474" r:id="rId26"/>
-    <p:sldId id="475" r:id="rId27"/>
-    <p:sldId id="477" r:id="rId28"/>
-    <p:sldId id="478" r:id="rId29"/>
-    <p:sldId id="480" r:id="rId30"/>
-    <p:sldId id="479" r:id="rId31"/>
-    <p:sldId id="481" r:id="rId32"/>
-    <p:sldId id="482" r:id="rId33"/>
-    <p:sldId id="483" r:id="rId34"/>
-    <p:sldId id="452" r:id="rId35"/>
-    <p:sldId id="491" r:id="rId36"/>
-    <p:sldId id="502" r:id="rId37"/>
-    <p:sldId id="501" r:id="rId38"/>
-    <p:sldId id="509" r:id="rId39"/>
-    <p:sldId id="511" r:id="rId40"/>
-    <p:sldId id="512" r:id="rId41"/>
-    <p:sldId id="513" r:id="rId42"/>
-    <p:sldId id="514" r:id="rId43"/>
-    <p:sldId id="453" r:id="rId44"/>
-    <p:sldId id="493" r:id="rId45"/>
-    <p:sldId id="435" r:id="rId46"/>
-    <p:sldId id="348" r:id="rId47"/>
+    <p:sldId id="517" r:id="rId4"/>
+    <p:sldId id="397" r:id="rId5"/>
+    <p:sldId id="398" r:id="rId6"/>
+    <p:sldId id="428" r:id="rId7"/>
+    <p:sldId id="516" r:id="rId8"/>
+    <p:sldId id="403" r:id="rId9"/>
+    <p:sldId id="503" r:id="rId10"/>
+    <p:sldId id="505" r:id="rId11"/>
+    <p:sldId id="506" r:id="rId12"/>
+    <p:sldId id="507" r:id="rId13"/>
+    <p:sldId id="508" r:id="rId14"/>
+    <p:sldId id="436" r:id="rId15"/>
+    <p:sldId id="468" r:id="rId16"/>
+    <p:sldId id="469" r:id="rId17"/>
+    <p:sldId id="471" r:id="rId18"/>
+    <p:sldId id="472" r:id="rId19"/>
+    <p:sldId id="485" r:id="rId20"/>
+    <p:sldId id="473" r:id="rId21"/>
+    <p:sldId id="400" r:id="rId22"/>
+    <p:sldId id="399" r:id="rId23"/>
+    <p:sldId id="429" r:id="rId24"/>
+    <p:sldId id="451" r:id="rId25"/>
+    <p:sldId id="404" r:id="rId26"/>
+    <p:sldId id="474" r:id="rId27"/>
+    <p:sldId id="475" r:id="rId28"/>
+    <p:sldId id="477" r:id="rId29"/>
+    <p:sldId id="478" r:id="rId30"/>
+    <p:sldId id="480" r:id="rId31"/>
+    <p:sldId id="479" r:id="rId32"/>
+    <p:sldId id="481" r:id="rId33"/>
+    <p:sldId id="482" r:id="rId34"/>
+    <p:sldId id="483" r:id="rId35"/>
+    <p:sldId id="452" r:id="rId36"/>
+    <p:sldId id="491" r:id="rId37"/>
+    <p:sldId id="502" r:id="rId38"/>
+    <p:sldId id="501" r:id="rId39"/>
+    <p:sldId id="509" r:id="rId40"/>
+    <p:sldId id="511" r:id="rId41"/>
+    <p:sldId id="512" r:id="rId42"/>
+    <p:sldId id="513" r:id="rId43"/>
+    <p:sldId id="514" r:id="rId44"/>
+    <p:sldId id="453" r:id="rId45"/>
+    <p:sldId id="493" r:id="rId46"/>
+    <p:sldId id="435" r:id="rId47"/>
+    <p:sldId id="348" r:id="rId48"/>
   </p:sldIdLst>
   <p:sldSz cx="9144000" cy="5143500" type="screen16x9"/>
   <p:notesSz cx="6858000" cy="9144000"/>
@@ -16023,7 +16024,7 @@
           <a:p>
             <a:fld id="{2DA23E8D-1792-1541-9147-970A8DD8A355}" type="datetimeFigureOut">
               <a:rPr lang="en-US" smtClean="0"/>
-              <a:t>8/6/22</a:t>
+              <a:t>8/10/23</a:t>
             </a:fld>
             <a:endParaRPr lang="en-US" dirty="0"/>
           </a:p>
@@ -16443,23 +16444,7 @@
           <a:p>
             <a:r>
               <a:rPr lang="en-US" dirty="0"/>
-              <a:t>House of </a:t>
-            </a:r>
-            <a:r>
-              <a:rPr lang="en-US" dirty="0" err="1"/>
-              <a:t>Botcake</a:t>
-            </a:r>
-            <a:r>
-              <a:rPr lang="en-US" dirty="0"/>
-              <a:t>: it exists, we’re </a:t>
-            </a:r>
-            <a:r>
-              <a:rPr lang="en-US" dirty="0" err="1"/>
-              <a:t>gonna</a:t>
-            </a:r>
-            <a:r>
-              <a:rPr lang="en-US" dirty="0"/>
-              <a:t> not cover it</a:t>
+              <a:t>There’s a bunch of bypasses..</a:t>
             </a:r>
           </a:p>
         </p:txBody>
@@ -16481,7 +16466,7 @@
           <a:p>
             <a:fld id="{AC55928C-CD14-454C-B617-1AFCF9A58596}" type="slidenum">
               <a:rPr lang="en-US" smtClean="0"/>
-              <a:t>37</a:t>
+              <a:t>36</a:t>
             </a:fld>
             <a:endParaRPr lang="en-US" dirty="0"/>
           </a:p>
@@ -16490,7 +16475,7 @@
     </p:spTree>
     <p:extLst>
       <p:ext uri="{BB962C8B-B14F-4D97-AF65-F5344CB8AC3E}">
-        <p14:creationId xmlns:p14="http://schemas.microsoft.com/office/powerpoint/2010/main" val="2232360295"/>
+        <p14:creationId xmlns:p14="http://schemas.microsoft.com/office/powerpoint/2010/main" val="1311525637"/>
       </p:ext>
     </p:extLst>
   </p:cSld>
@@ -16546,7 +16531,15 @@
           <a:p>
             <a:r>
               <a:rPr lang="en-US" dirty="0"/>
-              <a:t>We’re </a:t>
+              <a:t>House of </a:t>
+            </a:r>
+            <a:r>
+              <a:rPr lang="en-US" dirty="0" err="1"/>
+              <a:t>Botcake</a:t>
+            </a:r>
+            <a:r>
+              <a:rPr lang="en-US" dirty="0"/>
+              <a:t>: it exists, we’re </a:t>
             </a:r>
             <a:r>
               <a:rPr lang="en-US" dirty="0" err="1"/>
@@ -16554,7 +16547,7 @@
             </a:r>
             <a:r>
               <a:rPr lang="en-US" dirty="0"/>
-              <a:t> cover this again</a:t>
+              <a:t> not cover it</a:t>
             </a:r>
           </a:p>
         </p:txBody>
@@ -16576,7 +16569,7 @@
           <a:p>
             <a:fld id="{AC55928C-CD14-454C-B617-1AFCF9A58596}" type="slidenum">
               <a:rPr lang="en-US" smtClean="0"/>
-              <a:t>42</a:t>
+              <a:t>38</a:t>
             </a:fld>
             <a:endParaRPr lang="en-US" dirty="0"/>
           </a:p>
@@ -16585,7 +16578,7 @@
     </p:spTree>
     <p:extLst>
       <p:ext uri="{BB962C8B-B14F-4D97-AF65-F5344CB8AC3E}">
-        <p14:creationId xmlns:p14="http://schemas.microsoft.com/office/powerpoint/2010/main" val="3654713969"/>
+        <p14:creationId xmlns:p14="http://schemas.microsoft.com/office/powerpoint/2010/main" val="2232360295"/>
       </p:ext>
     </p:extLst>
   </p:cSld>
@@ -16641,7 +16634,15 @@
           <a:p>
             <a:r>
               <a:rPr lang="en-US" dirty="0"/>
-              <a:t>This is the same thing again</a:t>
+              <a:t>We’re </a:t>
+            </a:r>
+            <a:r>
+              <a:rPr lang="en-US" dirty="0" err="1"/>
+              <a:t>gonna</a:t>
+            </a:r>
+            <a:r>
+              <a:rPr lang="en-US" dirty="0"/>
+              <a:t> cover this again</a:t>
             </a:r>
           </a:p>
         </p:txBody>
@@ -16664,6 +16665,93 @@
             <a:fld id="{AC55928C-CD14-454C-B617-1AFCF9A58596}" type="slidenum">
               <a:rPr lang="en-US" smtClean="0"/>
               <a:t>43</a:t>
+            </a:fld>
+            <a:endParaRPr lang="en-US" dirty="0"/>
+          </a:p>
+        </p:txBody>
+      </p:sp>
+    </p:spTree>
+    <p:extLst>
+      <p:ext uri="{BB962C8B-B14F-4D97-AF65-F5344CB8AC3E}">
+        <p14:creationId xmlns:p14="http://schemas.microsoft.com/office/powerpoint/2010/main" val="3654713969"/>
+      </p:ext>
+    </p:extLst>
+  </p:cSld>
+  <p:clrMapOvr>
+    <a:masterClrMapping/>
+  </p:clrMapOvr>
+</p:notes>
+</file>
+
+<file path=ppt/notesSlides/notesSlide13.xml><?xml version="1.0" encoding="utf-8"?>
+<p:notes xmlns:a="http://schemas.openxmlformats.org/drawingml/2006/main" xmlns:r="http://schemas.openxmlformats.org/officeDocument/2006/relationships" xmlns:p="http://schemas.openxmlformats.org/presentationml/2006/main">
+  <p:cSld>
+    <p:spTree>
+      <p:nvGrpSpPr>
+        <p:cNvPr id="1" name=""/>
+        <p:cNvGrpSpPr/>
+        <p:nvPr/>
+      </p:nvGrpSpPr>
+      <p:grpSpPr>
+        <a:xfrm>
+          <a:off x="0" y="0"/>
+          <a:ext cx="0" cy="0"/>
+          <a:chOff x="0" y="0"/>
+          <a:chExt cx="0" cy="0"/>
+        </a:xfrm>
+      </p:grpSpPr>
+      <p:sp>
+        <p:nvSpPr>
+          <p:cNvPr id="2" name="Slide Image Placeholder 1"/>
+          <p:cNvSpPr>
+            <a:spLocks noGrp="1" noRot="1" noChangeAspect="1"/>
+          </p:cNvSpPr>
+          <p:nvPr>
+            <p:ph type="sldImg"/>
+          </p:nvPr>
+        </p:nvSpPr>
+        <p:spPr/>
+      </p:sp>
+      <p:sp>
+        <p:nvSpPr>
+          <p:cNvPr id="3" name="Notes Placeholder 2"/>
+          <p:cNvSpPr>
+            <a:spLocks noGrp="1"/>
+          </p:cNvSpPr>
+          <p:nvPr>
+            <p:ph type="body" idx="1"/>
+          </p:nvPr>
+        </p:nvSpPr>
+        <p:spPr/>
+        <p:txBody>
+          <a:bodyPr/>
+          <a:lstStyle/>
+          <a:p>
+            <a:r>
+              <a:rPr lang="en-US" dirty="0"/>
+              <a:t>This is the same thing again</a:t>
+            </a:r>
+          </a:p>
+        </p:txBody>
+      </p:sp>
+      <p:sp>
+        <p:nvSpPr>
+          <p:cNvPr id="4" name="Slide Number Placeholder 3"/>
+          <p:cNvSpPr>
+            <a:spLocks noGrp="1"/>
+          </p:cNvSpPr>
+          <p:nvPr>
+            <p:ph type="sldNum" sz="quarter" idx="5"/>
+          </p:nvPr>
+        </p:nvSpPr>
+        <p:spPr/>
+        <p:txBody>
+          <a:bodyPr/>
+          <a:lstStyle/>
+          <a:p>
+            <a:fld id="{AC55928C-CD14-454C-B617-1AFCF9A58596}" type="slidenum">
+              <a:rPr lang="en-US" smtClean="0"/>
+              <a:t>44</a:t>
             </a:fld>
             <a:endParaRPr lang="en-US" dirty="0"/>
           </a:p>
@@ -16726,10 +16814,30 @@
           <a:bodyPr/>
           <a:lstStyle/>
           <a:p>
+            <a:pPr marL="0" marR="0" lvl="0" indent="0" algn="l" defTabSz="457200" rtl="0" eaLnBrk="1" fontAlgn="auto" latinLnBrk="0" hangingPunct="1">
+              <a:lnSpc>
+                <a:spcPct val="100000"/>
+              </a:lnSpc>
+              <a:spcBef>
+                <a:spcPts val="0"/>
+              </a:spcBef>
+              <a:spcAft>
+                <a:spcPts val="0"/>
+              </a:spcAft>
+              <a:buClrTx/>
+              <a:buSzTx/>
+              <a:buFontTx/>
+              <a:buNone/>
+              <a:tabLst/>
+              <a:defRPr/>
+            </a:pPr>
             <a:r>
               <a:rPr lang="en-US" dirty="0"/>
-              <a:t>This is one way to exploit this is to get the memory to be reallocated, then we can view or edit it, or another way to exploit this is to…</a:t>
-            </a:r>
+              <a:t>Example of RIP of stack. But, instead, we are able to overwrite metadata on the heap</a:t>
+            </a:r>
+          </a:p>
+          <a:p>
+            <a:endParaRPr lang="en-US" dirty="0"/>
           </a:p>
         </p:txBody>
       </p:sp>
@@ -16750,7 +16858,7 @@
           <a:p>
             <a:fld id="{AC55928C-CD14-454C-B617-1AFCF9A58596}" type="slidenum">
               <a:rPr lang="en-US" smtClean="0"/>
-              <a:t>5</a:t>
+              <a:t>3</a:t>
             </a:fld>
             <a:endParaRPr lang="en-US" dirty="0"/>
           </a:p>
@@ -16759,7 +16867,7 @@
     </p:spTree>
     <p:extLst>
       <p:ext uri="{BB962C8B-B14F-4D97-AF65-F5344CB8AC3E}">
-        <p14:creationId xmlns:p14="http://schemas.microsoft.com/office/powerpoint/2010/main" val="2624839916"/>
+        <p14:creationId xmlns:p14="http://schemas.microsoft.com/office/powerpoint/2010/main" val="389453690"/>
       </p:ext>
     </p:extLst>
   </p:cSld>
@@ -16815,37 +16923,8 @@
           <a:p>
             <a:r>
               <a:rPr lang="en-US" dirty="0"/>
-              <a:t>…is to manipulate memory structures in the allocator.</a:t>
-            </a:r>
-          </a:p>
-          <a:p>
-            <a:endParaRPr lang="en-US" dirty="0"/>
-          </a:p>
-          <a:p>
-            <a:pPr marL="0" marR="0" lvl="0" indent="0" algn="l" defTabSz="457200" rtl="0" eaLnBrk="1" fontAlgn="auto" latinLnBrk="0" hangingPunct="1">
-              <a:lnSpc>
-                <a:spcPct val="100000"/>
-              </a:lnSpc>
-              <a:spcBef>
-                <a:spcPts val="0"/>
-              </a:spcBef>
-              <a:spcAft>
-                <a:spcPts val="0"/>
-              </a:spcAft>
-              <a:buClrTx/>
-              <a:buSzTx/>
-              <a:buFontTx/>
-              <a:buNone/>
-              <a:tabLst/>
-              <a:defRPr/>
-            </a:pPr>
-            <a:r>
-              <a:rPr lang="en-US" dirty="0"/>
-              <a:t>Questions?</a:t>
-            </a:r>
-          </a:p>
-          <a:p>
-            <a:endParaRPr lang="en-US" dirty="0"/>
+              <a:t>This is one way to exploit this is to get the memory to be reallocated, then we can view or edit it, or another way to exploit this is to…</a:t>
+            </a:r>
           </a:p>
         </p:txBody>
       </p:sp>
@@ -16875,7 +16954,7 @@
     </p:spTree>
     <p:extLst>
       <p:ext uri="{BB962C8B-B14F-4D97-AF65-F5344CB8AC3E}">
-        <p14:creationId xmlns:p14="http://schemas.microsoft.com/office/powerpoint/2010/main" val="1911693688"/>
+        <p14:creationId xmlns:p14="http://schemas.microsoft.com/office/powerpoint/2010/main" val="2624839916"/>
       </p:ext>
     </p:extLst>
   </p:cSld>
@@ -16931,17 +17010,37 @@
           <a:p>
             <a:r>
               <a:rPr lang="en-US" dirty="0"/>
-              <a:t>!After this there are slides!</a:t>
+              <a:t>…is to manipulate memory structures in the allocator.</a:t>
             </a:r>
           </a:p>
           <a:p>
             <a:endParaRPr lang="en-US" dirty="0"/>
           </a:p>
           <a:p>
+            <a:pPr marL="0" marR="0" lvl="0" indent="0" algn="l" defTabSz="457200" rtl="0" eaLnBrk="1" fontAlgn="auto" latinLnBrk="0" hangingPunct="1">
+              <a:lnSpc>
+                <a:spcPct val="100000"/>
+              </a:lnSpc>
+              <a:spcBef>
+                <a:spcPts val="0"/>
+              </a:spcBef>
+              <a:spcAft>
+                <a:spcPts val="0"/>
+              </a:spcAft>
+              <a:buClrTx/>
+              <a:buSzTx/>
+              <a:buFontTx/>
+              <a:buNone/>
+              <a:tabLst/>
+              <a:defRPr/>
+            </a:pPr>
             <a:r>
               <a:rPr lang="en-US" dirty="0"/>
-              <a:t>!Go through how to use it!</a:t>
-            </a:r>
+              <a:t>Questions?</a:t>
+            </a:r>
+          </a:p>
+          <a:p>
+            <a:endParaRPr lang="en-US" dirty="0"/>
           </a:p>
         </p:txBody>
       </p:sp>
@@ -16971,7 +17070,7 @@
     </p:spTree>
     <p:extLst>
       <p:ext uri="{BB962C8B-B14F-4D97-AF65-F5344CB8AC3E}">
-        <p14:creationId xmlns:p14="http://schemas.microsoft.com/office/powerpoint/2010/main" val="3014907576"/>
+        <p14:creationId xmlns:p14="http://schemas.microsoft.com/office/powerpoint/2010/main" val="1911693688"/>
       </p:ext>
     </p:extLst>
   </p:cSld>
@@ -17027,7 +17126,16 @@
           <a:p>
             <a:r>
               <a:rPr lang="en-US" dirty="0"/>
-              <a:t>We are using the same memory after freeing: we allocate the player struct, we free it, then we use it in “won”.  There’s out use after free.</a:t>
+              <a:t>!After this there are slides!</a:t>
+            </a:r>
+          </a:p>
+          <a:p>
+            <a:endParaRPr lang="en-US" dirty="0"/>
+          </a:p>
+          <a:p>
+            <a:r>
+              <a:rPr lang="en-US" dirty="0"/>
+              <a:t>!Go through how to use it!</a:t>
             </a:r>
           </a:p>
         </p:txBody>
@@ -17049,7 +17157,7 @@
           <a:p>
             <a:fld id="{AC55928C-CD14-454C-B617-1AFCF9A58596}" type="slidenum">
               <a:rPr lang="en-US" smtClean="0"/>
-              <a:t>16</a:t>
+              <a:t>8</a:t>
             </a:fld>
             <a:endParaRPr lang="en-US" dirty="0"/>
           </a:p>
@@ -17058,7 +17166,7 @@
     </p:spTree>
     <p:extLst>
       <p:ext uri="{BB962C8B-B14F-4D97-AF65-F5344CB8AC3E}">
-        <p14:creationId xmlns:p14="http://schemas.microsoft.com/office/powerpoint/2010/main" val="3737808289"/>
+        <p14:creationId xmlns:p14="http://schemas.microsoft.com/office/powerpoint/2010/main" val="3014907576"/>
       </p:ext>
     </p:extLst>
   </p:cSld>
@@ -17114,7 +17222,7 @@
           <a:p>
             <a:r>
               <a:rPr lang="en-US" dirty="0"/>
-              <a:t>Questions?</a:t>
+              <a:t>We are using the same memory after freeing: we allocate the player struct, we free it, then we use it in “won”.  There’s out use after free.</a:t>
             </a:r>
           </a:p>
         </p:txBody>
@@ -17136,7 +17244,7 @@
           <a:p>
             <a:fld id="{AC55928C-CD14-454C-B617-1AFCF9A58596}" type="slidenum">
               <a:rPr lang="en-US" smtClean="0"/>
-              <a:t>19</a:t>
+              <a:t>17</a:t>
             </a:fld>
             <a:endParaRPr lang="en-US" dirty="0"/>
           </a:p>
@@ -17145,7 +17253,7 @@
     </p:spTree>
     <p:extLst>
       <p:ext uri="{BB962C8B-B14F-4D97-AF65-F5344CB8AC3E}">
-        <p14:creationId xmlns:p14="http://schemas.microsoft.com/office/powerpoint/2010/main" val="2404414752"/>
+        <p14:creationId xmlns:p14="http://schemas.microsoft.com/office/powerpoint/2010/main" val="3737808289"/>
       </p:ext>
     </p:extLst>
   </p:cSld>
@@ -17199,30 +17307,10 @@
           <a:bodyPr/>
           <a:lstStyle/>
           <a:p>
-            <a:pPr marL="0" marR="0" lvl="0" indent="0" algn="l" defTabSz="457200" rtl="0" eaLnBrk="1" fontAlgn="auto" latinLnBrk="0" hangingPunct="1">
-              <a:lnSpc>
-                <a:spcPct val="100000"/>
-              </a:lnSpc>
-              <a:spcBef>
-                <a:spcPts val="0"/>
-              </a:spcBef>
-              <a:spcAft>
-                <a:spcPts val="0"/>
-              </a:spcAft>
-              <a:buClrTx/>
-              <a:buSzTx/>
-              <a:buFontTx/>
-              <a:buNone/>
-              <a:tabLst/>
-              <a:defRPr/>
-            </a:pPr>
             <a:r>
               <a:rPr lang="en-US" dirty="0"/>
-              <a:t>The hotel keeps an available list of hotels on paper in a linked list. </a:t>
-            </a:r>
-          </a:p>
-          <a:p>
-            <a:endParaRPr lang="en-US" dirty="0"/>
+              <a:t>Questions?</a:t>
+            </a:r>
           </a:p>
         </p:txBody>
       </p:sp>
@@ -17252,7 +17340,7 @@
     </p:spTree>
     <p:extLst>
       <p:ext uri="{BB962C8B-B14F-4D97-AF65-F5344CB8AC3E}">
-        <p14:creationId xmlns:p14="http://schemas.microsoft.com/office/powerpoint/2010/main" val="960306344"/>
+        <p14:creationId xmlns:p14="http://schemas.microsoft.com/office/powerpoint/2010/main" val="2404414752"/>
       </p:ext>
     </p:extLst>
   </p:cSld>
@@ -17306,6 +17394,29 @@
           <a:bodyPr/>
           <a:lstStyle/>
           <a:p>
+            <a:pPr marL="0" marR="0" lvl="0" indent="0" algn="l" defTabSz="457200" rtl="0" eaLnBrk="1" fontAlgn="auto" latinLnBrk="0" hangingPunct="1">
+              <a:lnSpc>
+                <a:spcPct val="100000"/>
+              </a:lnSpc>
+              <a:spcBef>
+                <a:spcPts val="0"/>
+              </a:spcBef>
+              <a:spcAft>
+                <a:spcPts val="0"/>
+              </a:spcAft>
+              <a:buClrTx/>
+              <a:buSzTx/>
+              <a:buFontTx/>
+              <a:buNone/>
+              <a:tabLst/>
+              <a:defRPr/>
+            </a:pPr>
+            <a:r>
+              <a:rPr lang="en-US" dirty="0"/>
+              <a:t>The hotel keeps an available list of hotels on paper in a linked list. </a:t>
+            </a:r>
+          </a:p>
+          <a:p>
             <a:endParaRPr lang="en-US" dirty="0"/>
           </a:p>
         </p:txBody>
@@ -17327,7 +17438,7 @@
           <a:p>
             <a:fld id="{AC55928C-CD14-454C-B617-1AFCF9A58596}" type="slidenum">
               <a:rPr lang="en-US" smtClean="0"/>
-              <a:t>24</a:t>
+              <a:t>21</a:t>
             </a:fld>
             <a:endParaRPr lang="en-US" dirty="0"/>
           </a:p>
@@ -17336,7 +17447,7 @@
     </p:spTree>
     <p:extLst>
       <p:ext uri="{BB962C8B-B14F-4D97-AF65-F5344CB8AC3E}">
-        <p14:creationId xmlns:p14="http://schemas.microsoft.com/office/powerpoint/2010/main" val="917408208"/>
+        <p14:creationId xmlns:p14="http://schemas.microsoft.com/office/powerpoint/2010/main" val="960306344"/>
       </p:ext>
     </p:extLst>
   </p:cSld>
@@ -17390,10 +17501,7 @@
           <a:bodyPr/>
           <a:lstStyle/>
           <a:p>
-            <a:r>
-              <a:rPr lang="en-US" dirty="0"/>
-              <a:t>There’s a bunch of bypasses..</a:t>
-            </a:r>
+            <a:endParaRPr lang="en-US" dirty="0"/>
           </a:p>
         </p:txBody>
       </p:sp>
@@ -17414,7 +17522,7 @@
           <a:p>
             <a:fld id="{AC55928C-CD14-454C-B617-1AFCF9A58596}" type="slidenum">
               <a:rPr lang="en-US" smtClean="0"/>
-              <a:t>35</a:t>
+              <a:t>25</a:t>
             </a:fld>
             <a:endParaRPr lang="en-US" dirty="0"/>
           </a:p>
@@ -17423,7 +17531,7 @@
     </p:spTree>
     <p:extLst>
       <p:ext uri="{BB962C8B-B14F-4D97-AF65-F5344CB8AC3E}">
-        <p14:creationId xmlns:p14="http://schemas.microsoft.com/office/powerpoint/2010/main" val="1311525637"/>
+        <p14:creationId xmlns:p14="http://schemas.microsoft.com/office/powerpoint/2010/main" val="917408208"/>
       </p:ext>
     </p:extLst>
   </p:cSld>
@@ -17636,7 +17744,7 @@
                 <a:latin typeface="Calibri"/>
               </a:rPr>
               <a:pPr/>
-              <a:t>8/6/22</a:t>
+              <a:t>8/10/23</a:t>
             </a:fld>
             <a:endParaRPr lang="en-US" dirty="0">
               <a:solidFill>
@@ -17889,7 +17997,7 @@
                 <a:latin typeface="Calibri"/>
               </a:rPr>
               <a:pPr/>
-              <a:t>8/6/22</a:t>
+              <a:t>8/10/23</a:t>
             </a:fld>
             <a:endParaRPr lang="en-US" dirty="0">
               <a:solidFill>
@@ -18104,7 +18212,7 @@
                 <a:latin typeface="Calibri"/>
               </a:rPr>
               <a:pPr/>
-              <a:t>8/6/22</a:t>
+              <a:t>8/10/23</a:t>
             </a:fld>
             <a:endParaRPr lang="en-US" dirty="0">
               <a:solidFill>
@@ -18388,7 +18496,7 @@
                 <a:latin typeface="Calibri"/>
               </a:rPr>
               <a:pPr/>
-              <a:t>8/6/22</a:t>
+              <a:t>8/10/23</a:t>
             </a:fld>
             <a:endParaRPr lang="en-US" dirty="0">
               <a:solidFill>
@@ -18730,7 +18838,7 @@
                 <a:latin typeface="Calibri"/>
               </a:rPr>
               <a:pPr/>
-              <a:t>8/6/22</a:t>
+              <a:t>8/10/23</a:t>
             </a:fld>
             <a:endParaRPr lang="en-US" dirty="0">
               <a:solidFill>
@@ -19058,7 +19166,7 @@
                 <a:latin typeface="Calibri"/>
               </a:rPr>
               <a:pPr/>
-              <a:t>8/6/22</a:t>
+              <a:t>8/10/23</a:t>
             </a:fld>
             <a:endParaRPr lang="en-US" dirty="0">
               <a:solidFill>
@@ -19547,7 +19655,7 @@
                 <a:latin typeface="Calibri"/>
               </a:rPr>
               <a:pPr/>
-              <a:t>8/6/22</a:t>
+              <a:t>8/10/23</a:t>
             </a:fld>
             <a:endParaRPr lang="en-US" dirty="0">
               <a:solidFill>
@@ -19730,7 +19838,7 @@
                 <a:latin typeface="Calibri"/>
               </a:rPr>
               <a:pPr/>
-              <a:t>8/6/22</a:t>
+              <a:t>8/10/23</a:t>
             </a:fld>
             <a:endParaRPr lang="en-US" dirty="0">
               <a:solidFill>
@@ -19976,7 +20084,7 @@
                 <a:latin typeface="Calibri"/>
               </a:rPr>
               <a:pPr/>
-              <a:t>8/6/22</a:t>
+              <a:t>8/10/23</a:t>
             </a:fld>
             <a:endParaRPr lang="en-US" dirty="0">
               <a:solidFill>
@@ -20318,7 +20426,7 @@
                 <a:latin typeface="Calibri"/>
               </a:rPr>
               <a:pPr/>
-              <a:t>8/6/22</a:t>
+              <a:t>8/10/23</a:t>
             </a:fld>
             <a:endParaRPr lang="en-US" dirty="0">
               <a:solidFill>
@@ -20610,7 +20718,7 @@
                 <a:latin typeface="Calibri"/>
               </a:rPr>
               <a:pPr/>
-              <a:t>8/6/22</a:t>
+              <a:t>8/10/23</a:t>
             </a:fld>
             <a:endParaRPr lang="en-US" dirty="0">
               <a:solidFill>
@@ -20860,7 +20968,7 @@
                 <a:latin typeface="Calibri"/>
               </a:rPr>
               <a:pPr defTabSz="914400"/>
-              <a:t>8/6/22</a:t>
+              <a:t>8/10/23</a:t>
             </a:fld>
             <a:endParaRPr lang="en-US" dirty="0">
               <a:solidFill>
@@ -21441,6 +21549,136 @@
           <a:p>
             <a:r>
               <a:rPr lang="en-US" dirty="0"/>
+              <a:t>Free – Delete User Code</a:t>
+            </a:r>
+          </a:p>
+        </p:txBody>
+      </p:sp>
+      <p:sp>
+        <p:nvSpPr>
+          <p:cNvPr id="12" name="Content Placeholder 3">
+            <a:extLst>
+              <a:ext uri="{FF2B5EF4-FFF2-40B4-BE49-F238E27FC236}">
+                <a16:creationId xmlns:a16="http://schemas.microsoft.com/office/drawing/2014/main" id="{A5649606-BCC9-4BF9-9D55-8703B3BC1187}"/>
+              </a:ext>
+            </a:extLst>
+          </p:cNvPr>
+          <p:cNvSpPr>
+            <a:spLocks noGrp="1"/>
+          </p:cNvSpPr>
+          <p:nvPr>
+            <p:ph sz="half" idx="2"/>
+          </p:nvPr>
+        </p:nvSpPr>
+        <p:spPr>
+          <a:xfrm>
+            <a:off x="5680128" y="1369219"/>
+            <a:ext cx="3308889" cy="3071045"/>
+          </a:xfrm>
+        </p:spPr>
+        <p:txBody>
+          <a:bodyPr/>
+          <a:lstStyle/>
+          <a:p>
+            <a:r>
+              <a:rPr lang="en-US" dirty="0"/>
+              <a:t>Free the current player</a:t>
+            </a:r>
+          </a:p>
+          <a:p>
+            <a:endParaRPr lang="en-US" dirty="0"/>
+          </a:p>
+        </p:txBody>
+      </p:sp>
+      <p:pic>
+        <p:nvPicPr>
+          <p:cNvPr id="7" name="Content Placeholder 6" descr="Free the player">
+            <a:extLst>
+              <a:ext uri="{FF2B5EF4-FFF2-40B4-BE49-F238E27FC236}">
+                <a16:creationId xmlns:a16="http://schemas.microsoft.com/office/drawing/2014/main" id="{1E1BA128-BE0A-7841-9C7C-067404CB4197}"/>
+              </a:ext>
+            </a:extLst>
+          </p:cNvPr>
+          <p:cNvPicPr>
+            <a:picLocks noGrp="1" noChangeAspect="1"/>
+          </p:cNvPicPr>
+          <p:nvPr>
+            <p:ph sz="half" idx="1"/>
+          </p:nvPr>
+        </p:nvPicPr>
+        <p:blipFill>
+          <a:blip r:embed="rId2"/>
+          <a:stretch>
+            <a:fillRect/>
+          </a:stretch>
+        </p:blipFill>
+        <p:spPr>
+          <a:xfrm>
+            <a:off x="256691" y="3547292"/>
+            <a:ext cx="7808404" cy="994172"/>
+          </a:xfrm>
+        </p:spPr>
+      </p:pic>
+    </p:spTree>
+    <p:extLst>
+      <p:ext uri="{BB962C8B-B14F-4D97-AF65-F5344CB8AC3E}">
+        <p14:creationId xmlns:p14="http://schemas.microsoft.com/office/powerpoint/2010/main" val="1736615238"/>
+      </p:ext>
+    </p:extLst>
+  </p:cSld>
+  <p:clrMapOvr>
+    <a:masterClrMapping/>
+  </p:clrMapOvr>
+</p:sld>
+</file>
+
+<file path=ppt/slides/slide11.xml><?xml version="1.0" encoding="utf-8"?>
+<p:sld xmlns:a="http://schemas.openxmlformats.org/drawingml/2006/main" xmlns:r="http://schemas.openxmlformats.org/officeDocument/2006/relationships" xmlns:p="http://schemas.openxmlformats.org/presentationml/2006/main">
+  <p:cSld>
+    <p:spTree>
+      <p:nvGrpSpPr>
+        <p:cNvPr id="1" name=""/>
+        <p:cNvGrpSpPr/>
+        <p:nvPr/>
+      </p:nvGrpSpPr>
+      <p:grpSpPr>
+        <a:xfrm>
+          <a:off x="0" y="0"/>
+          <a:ext cx="0" cy="0"/>
+          <a:chOff x="0" y="0"/>
+          <a:chExt cx="0" cy="0"/>
+        </a:xfrm>
+      </p:grpSpPr>
+      <p:sp>
+        <p:nvSpPr>
+          <p:cNvPr id="2" name="Title 1">
+            <a:extLst>
+              <a:ext uri="{FF2B5EF4-FFF2-40B4-BE49-F238E27FC236}">
+                <a16:creationId xmlns:a16="http://schemas.microsoft.com/office/drawing/2014/main" id="{C0043344-1274-8343-96A8-8362EDE1A7C8}"/>
+              </a:ext>
+            </a:extLst>
+          </p:cNvPr>
+          <p:cNvSpPr>
+            <a:spLocks noGrp="1"/>
+          </p:cNvSpPr>
+          <p:nvPr>
+            <p:ph type="title"/>
+          </p:nvPr>
+        </p:nvSpPr>
+        <p:spPr>
+          <a:xfrm>
+            <a:off x="628650" y="273847"/>
+            <a:ext cx="7886700" cy="994172"/>
+          </a:xfrm>
+        </p:spPr>
+        <p:txBody>
+          <a:bodyPr anchor="ctr">
+            <a:normAutofit/>
+          </a:bodyPr>
+          <a:lstStyle/>
+          <a:p>
+            <a:r>
+              <a:rPr lang="en-US" dirty="0"/>
               <a:t>Use – Play the Game Code </a:t>
             </a:r>
           </a:p>
@@ -21789,7 +22027,7 @@
 </p:sld>
 </file>
 
-<file path=ppt/slides/slide11.xml><?xml version="1.0" encoding="utf-8"?>
+<file path=ppt/slides/slide12.xml><?xml version="1.0" encoding="utf-8"?>
 <p:sld xmlns:a="http://schemas.openxmlformats.org/drawingml/2006/main" xmlns:r="http://schemas.openxmlformats.org/officeDocument/2006/relationships" xmlns:p="http://schemas.openxmlformats.org/presentationml/2006/main">
   <p:cSld>
     <p:spTree>
@@ -22173,7 +22411,7 @@
 </p:sld>
 </file>
 
-<file path=ppt/slides/slide12.xml><?xml version="1.0" encoding="utf-8"?>
+<file path=ppt/slides/slide13.xml><?xml version="1.0" encoding="utf-8"?>
 <p:sld xmlns:a="http://schemas.openxmlformats.org/drawingml/2006/main" xmlns:r="http://schemas.openxmlformats.org/officeDocument/2006/relationships" xmlns:p="http://schemas.openxmlformats.org/presentationml/2006/main">
   <p:cSld>
     <p:spTree>
@@ -22377,137 +22615,6 @@
     <p:extLst>
       <p:ext uri="{BB962C8B-B14F-4D97-AF65-F5344CB8AC3E}">
         <p14:creationId xmlns:p14="http://schemas.microsoft.com/office/powerpoint/2010/main" val="1402329773"/>
-      </p:ext>
-    </p:extLst>
-  </p:cSld>
-  <p:clrMapOvr>
-    <a:masterClrMapping/>
-  </p:clrMapOvr>
-</p:sld>
-</file>
-
-<file path=ppt/slides/slide13.xml><?xml version="1.0" encoding="utf-8"?>
-<p:sld xmlns:a="http://schemas.openxmlformats.org/drawingml/2006/main" xmlns:r="http://schemas.openxmlformats.org/officeDocument/2006/relationships" xmlns:p="http://schemas.openxmlformats.org/presentationml/2006/main">
-  <p:cSld>
-    <p:spTree>
-      <p:nvGrpSpPr>
-        <p:cNvPr id="1" name=""/>
-        <p:cNvGrpSpPr/>
-        <p:nvPr/>
-      </p:nvGrpSpPr>
-      <p:grpSpPr>
-        <a:xfrm>
-          <a:off x="0" y="0"/>
-          <a:ext cx="0" cy="0"/>
-          <a:chOff x="0" y="0"/>
-          <a:chExt cx="0" cy="0"/>
-        </a:xfrm>
-      </p:grpSpPr>
-      <p:sp>
-        <p:nvSpPr>
-          <p:cNvPr id="2" name="Title 1">
-            <a:extLst>
-              <a:ext uri="{FF2B5EF4-FFF2-40B4-BE49-F238E27FC236}">
-                <a16:creationId xmlns:a16="http://schemas.microsoft.com/office/drawing/2014/main" id="{08506B2A-1853-DC4C-8F91-DA7FFFFD7CD8}"/>
-              </a:ext>
-            </a:extLst>
-          </p:cNvPr>
-          <p:cNvSpPr>
-            <a:spLocks noGrp="1"/>
-          </p:cNvSpPr>
-          <p:nvPr>
-            <p:ph type="title"/>
-          </p:nvPr>
-        </p:nvSpPr>
-        <p:spPr>
-          <a:xfrm>
-            <a:off x="628650" y="273847"/>
-            <a:ext cx="7886700" cy="994172"/>
-          </a:xfrm>
-        </p:spPr>
-        <p:txBody>
-          <a:bodyPr anchor="ctr">
-            <a:normAutofit/>
-          </a:bodyPr>
-          <a:lstStyle/>
-          <a:p>
-            <a:r>
-              <a:rPr lang="en-US" dirty="0"/>
-              <a:t>UAF – Solution Diagram 1</a:t>
-            </a:r>
-          </a:p>
-        </p:txBody>
-      </p:sp>
-      <p:sp>
-        <p:nvSpPr>
-          <p:cNvPr id="3" name="Content Placeholder 2">
-            <a:extLst>
-              <a:ext uri="{FF2B5EF4-FFF2-40B4-BE49-F238E27FC236}">
-                <a16:creationId xmlns:a16="http://schemas.microsoft.com/office/drawing/2014/main" id="{7F271F73-3DDC-104B-BA9C-1D75C1191326}"/>
-              </a:ext>
-            </a:extLst>
-          </p:cNvPr>
-          <p:cNvSpPr>
-            <a:spLocks noGrp="1"/>
-          </p:cNvSpPr>
-          <p:nvPr>
-            <p:ph sz="half" idx="1"/>
-          </p:nvPr>
-        </p:nvSpPr>
-        <p:spPr>
-          <a:xfrm>
-            <a:off x="628650" y="1369219"/>
-            <a:ext cx="3886200" cy="3263504"/>
-          </a:xfrm>
-        </p:spPr>
-        <p:txBody>
-          <a:bodyPr>
-            <a:normAutofit/>
-          </a:bodyPr>
-          <a:lstStyle/>
-          <a:p>
-            <a:r>
-              <a:rPr lang="en-US" dirty="0"/>
-              <a:t>Allocate a player</a:t>
-            </a:r>
-          </a:p>
-        </p:txBody>
-      </p:sp>
-      <p:pic>
-        <p:nvPicPr>
-          <p:cNvPr id="5" name="Picture 4" descr="Diagram&#10;&#10;Description automatically generated">
-            <a:extLst>
-              <a:ext uri="{FF2B5EF4-FFF2-40B4-BE49-F238E27FC236}">
-                <a16:creationId xmlns:a16="http://schemas.microsoft.com/office/drawing/2014/main" id="{74FCBF0C-D21E-6A4B-BAFE-2A17B6B17FE6}"/>
-              </a:ext>
-            </a:extLst>
-          </p:cNvPr>
-          <p:cNvPicPr>
-            <a:picLocks noChangeAspect="1"/>
-          </p:cNvPicPr>
-          <p:nvPr/>
-        </p:nvPicPr>
-        <p:blipFill>
-          <a:blip r:embed="rId2"/>
-          <a:stretch>
-            <a:fillRect/>
-          </a:stretch>
-        </p:blipFill>
-        <p:spPr>
-          <a:xfrm>
-            <a:off x="4629150" y="1438395"/>
-            <a:ext cx="3886200" cy="3125152"/>
-          </a:xfrm>
-          <a:prstGeom prst="rect">
-            <a:avLst/>
-          </a:prstGeom>
-          <a:noFill/>
-        </p:spPr>
-      </p:pic>
-    </p:spTree>
-    <p:extLst>
-      <p:ext uri="{BB962C8B-B14F-4D97-AF65-F5344CB8AC3E}">
-        <p14:creationId xmlns:p14="http://schemas.microsoft.com/office/powerpoint/2010/main" val="1653033134"/>
       </p:ext>
     </p:extLst>
   </p:cSld>
@@ -22564,7 +22671,7 @@
           <a:p>
             <a:r>
               <a:rPr lang="en-US" dirty="0"/>
-              <a:t>UAF – Solution Diagram 2</a:t>
+              <a:t>UAF – Solution Diagram 1</a:t>
             </a:r>
           </a:p>
         </p:txBody>
@@ -22599,50 +22706,17 @@
           <a:p>
             <a:r>
               <a:rPr lang="en-US" dirty="0"/>
-              <a:t>Free (delete) a player</a:t>
-            </a:r>
-          </a:p>
-          <a:p>
-            <a:r>
-              <a:rPr lang="en-US" dirty="0"/>
-              <a:t>Puts a </a:t>
-            </a:r>
-            <a:r>
-              <a:rPr lang="en-US" i="1" dirty="0"/>
-              <a:t>chunk</a:t>
-            </a:r>
-            <a:r>
-              <a:rPr lang="en-US" dirty="0"/>
-              <a:t> into the </a:t>
-            </a:r>
-            <a:r>
-              <a:rPr lang="en-US" dirty="0" err="1"/>
-              <a:t>tcache</a:t>
-            </a:r>
-            <a:endParaRPr lang="en-US" dirty="0"/>
-          </a:p>
-          <a:p>
-            <a:r>
-              <a:rPr lang="en-US" dirty="0"/>
-              <a:t>Creates a UAF on the </a:t>
-            </a:r>
-            <a:r>
-              <a:rPr lang="en-US" i="1" dirty="0"/>
-              <a:t>player </a:t>
-            </a:r>
-            <a:r>
-              <a:rPr lang="en-US" dirty="0"/>
-              <a:t>struct</a:t>
+              <a:t>Allocate a player</a:t>
             </a:r>
           </a:p>
         </p:txBody>
       </p:sp>
       <p:pic>
         <p:nvPicPr>
-          <p:cNvPr id="8" name="Picture 7" descr="Free the player struct">
+          <p:cNvPr id="5" name="Picture 4" descr="Diagram&#10;&#10;Description automatically generated">
             <a:extLst>
               <a:ext uri="{FF2B5EF4-FFF2-40B4-BE49-F238E27FC236}">
-                <a16:creationId xmlns:a16="http://schemas.microsoft.com/office/drawing/2014/main" id="{545C6C7E-195D-2B41-A6B9-D3470285E14F}"/>
+                <a16:creationId xmlns:a16="http://schemas.microsoft.com/office/drawing/2014/main" id="{74FCBF0C-D21E-6A4B-BAFE-2A17B6B17FE6}"/>
               </a:ext>
             </a:extLst>
           </p:cNvPr>
@@ -22659,18 +22733,19 @@
         </p:blipFill>
         <p:spPr>
           <a:xfrm>
-            <a:off x="4413314" y="1369218"/>
-            <a:ext cx="3886199" cy="3108959"/>
+            <a:off x="4629150" y="1438395"/>
+            <a:ext cx="3886200" cy="3125152"/>
           </a:xfrm>
           <a:prstGeom prst="rect">
             <a:avLst/>
           </a:prstGeom>
+          <a:noFill/>
         </p:spPr>
       </p:pic>
     </p:spTree>
     <p:extLst>
       <p:ext uri="{BB962C8B-B14F-4D97-AF65-F5344CB8AC3E}">
-        <p14:creationId xmlns:p14="http://schemas.microsoft.com/office/powerpoint/2010/main" val="3826566874"/>
+        <p14:creationId xmlns:p14="http://schemas.microsoft.com/office/powerpoint/2010/main" val="1653033134"/>
       </p:ext>
     </p:extLst>
   </p:cSld>
@@ -22727,6 +22802,169 @@
           <a:p>
             <a:r>
               <a:rPr lang="en-US" dirty="0"/>
+              <a:t>UAF – Solution Diagram 2</a:t>
+            </a:r>
+          </a:p>
+        </p:txBody>
+      </p:sp>
+      <p:sp>
+        <p:nvSpPr>
+          <p:cNvPr id="3" name="Content Placeholder 2">
+            <a:extLst>
+              <a:ext uri="{FF2B5EF4-FFF2-40B4-BE49-F238E27FC236}">
+                <a16:creationId xmlns:a16="http://schemas.microsoft.com/office/drawing/2014/main" id="{7F271F73-3DDC-104B-BA9C-1D75C1191326}"/>
+              </a:ext>
+            </a:extLst>
+          </p:cNvPr>
+          <p:cNvSpPr>
+            <a:spLocks noGrp="1"/>
+          </p:cNvSpPr>
+          <p:nvPr>
+            <p:ph sz="half" idx="1"/>
+          </p:nvPr>
+        </p:nvSpPr>
+        <p:spPr>
+          <a:xfrm>
+            <a:off x="628650" y="1369219"/>
+            <a:ext cx="3886200" cy="3263504"/>
+          </a:xfrm>
+        </p:spPr>
+        <p:txBody>
+          <a:bodyPr>
+            <a:normAutofit/>
+          </a:bodyPr>
+          <a:lstStyle/>
+          <a:p>
+            <a:r>
+              <a:rPr lang="en-US" dirty="0"/>
+              <a:t>Free (delete) a player</a:t>
+            </a:r>
+          </a:p>
+          <a:p>
+            <a:r>
+              <a:rPr lang="en-US" dirty="0"/>
+              <a:t>Puts a </a:t>
+            </a:r>
+            <a:r>
+              <a:rPr lang="en-US" i="1" dirty="0"/>
+              <a:t>chunk</a:t>
+            </a:r>
+            <a:r>
+              <a:rPr lang="en-US" dirty="0"/>
+              <a:t> into the </a:t>
+            </a:r>
+            <a:r>
+              <a:rPr lang="en-US" dirty="0" err="1"/>
+              <a:t>tcache</a:t>
+            </a:r>
+            <a:endParaRPr lang="en-US" dirty="0"/>
+          </a:p>
+          <a:p>
+            <a:r>
+              <a:rPr lang="en-US" dirty="0"/>
+              <a:t>Creates a UAF on the </a:t>
+            </a:r>
+            <a:r>
+              <a:rPr lang="en-US" i="1" dirty="0"/>
+              <a:t>player </a:t>
+            </a:r>
+            <a:r>
+              <a:rPr lang="en-US" dirty="0"/>
+              <a:t>struct</a:t>
+            </a:r>
+          </a:p>
+        </p:txBody>
+      </p:sp>
+      <p:pic>
+        <p:nvPicPr>
+          <p:cNvPr id="8" name="Picture 7" descr="Free the player struct">
+            <a:extLst>
+              <a:ext uri="{FF2B5EF4-FFF2-40B4-BE49-F238E27FC236}">
+                <a16:creationId xmlns:a16="http://schemas.microsoft.com/office/drawing/2014/main" id="{545C6C7E-195D-2B41-A6B9-D3470285E14F}"/>
+              </a:ext>
+            </a:extLst>
+          </p:cNvPr>
+          <p:cNvPicPr>
+            <a:picLocks noChangeAspect="1"/>
+          </p:cNvPicPr>
+          <p:nvPr/>
+        </p:nvPicPr>
+        <p:blipFill>
+          <a:blip r:embed="rId2"/>
+          <a:stretch>
+            <a:fillRect/>
+          </a:stretch>
+        </p:blipFill>
+        <p:spPr>
+          <a:xfrm>
+            <a:off x="4413314" y="1369218"/>
+            <a:ext cx="3886199" cy="3108959"/>
+          </a:xfrm>
+          <a:prstGeom prst="rect">
+            <a:avLst/>
+          </a:prstGeom>
+        </p:spPr>
+      </p:pic>
+    </p:spTree>
+    <p:extLst>
+      <p:ext uri="{BB962C8B-B14F-4D97-AF65-F5344CB8AC3E}">
+        <p14:creationId xmlns:p14="http://schemas.microsoft.com/office/powerpoint/2010/main" val="3826566874"/>
+      </p:ext>
+    </p:extLst>
+  </p:cSld>
+  <p:clrMapOvr>
+    <a:masterClrMapping/>
+  </p:clrMapOvr>
+</p:sld>
+</file>
+
+<file path=ppt/slides/slide16.xml><?xml version="1.0" encoding="utf-8"?>
+<p:sld xmlns:a="http://schemas.openxmlformats.org/drawingml/2006/main" xmlns:r="http://schemas.openxmlformats.org/officeDocument/2006/relationships" xmlns:p="http://schemas.openxmlformats.org/presentationml/2006/main">
+  <p:cSld>
+    <p:spTree>
+      <p:nvGrpSpPr>
+        <p:cNvPr id="1" name=""/>
+        <p:cNvGrpSpPr/>
+        <p:nvPr/>
+      </p:nvGrpSpPr>
+      <p:grpSpPr>
+        <a:xfrm>
+          <a:off x="0" y="0"/>
+          <a:ext cx="0" cy="0"/>
+          <a:chOff x="0" y="0"/>
+          <a:chExt cx="0" cy="0"/>
+        </a:xfrm>
+      </p:grpSpPr>
+      <p:sp>
+        <p:nvSpPr>
+          <p:cNvPr id="2" name="Title 1">
+            <a:extLst>
+              <a:ext uri="{FF2B5EF4-FFF2-40B4-BE49-F238E27FC236}">
+                <a16:creationId xmlns:a16="http://schemas.microsoft.com/office/drawing/2014/main" id="{08506B2A-1853-DC4C-8F91-DA7FFFFD7CD8}"/>
+              </a:ext>
+            </a:extLst>
+          </p:cNvPr>
+          <p:cNvSpPr>
+            <a:spLocks noGrp="1"/>
+          </p:cNvSpPr>
+          <p:nvPr>
+            <p:ph type="title"/>
+          </p:nvPr>
+        </p:nvSpPr>
+        <p:spPr>
+          <a:xfrm>
+            <a:off x="628650" y="273847"/>
+            <a:ext cx="7886700" cy="994172"/>
+          </a:xfrm>
+        </p:spPr>
+        <p:txBody>
+          <a:bodyPr anchor="ctr">
+            <a:normAutofit/>
+          </a:bodyPr>
+          <a:lstStyle/>
+          <a:p>
+            <a:r>
+              <a:rPr lang="en-US" dirty="0"/>
               <a:t>UAF – Solution Diagram 3</a:t>
             </a:r>
           </a:p>
@@ -22816,7 +23054,7 @@
 </p:sld>
 </file>
 
-<file path=ppt/slides/slide16.xml><?xml version="1.0" encoding="utf-8"?>
+<file path=ppt/slides/slide17.xml><?xml version="1.0" encoding="utf-8"?>
 <p:sld xmlns:a="http://schemas.openxmlformats.org/drawingml/2006/main" xmlns:r="http://schemas.openxmlformats.org/officeDocument/2006/relationships" xmlns:p="http://schemas.openxmlformats.org/presentationml/2006/main">
   <p:cSld>
     <p:spTree>
@@ -22987,7 +23225,7 @@
 </p:sld>
 </file>
 
-<file path=ppt/slides/slide17.xml><?xml version="1.0" encoding="utf-8"?>
+<file path=ppt/slides/slide18.xml><?xml version="1.0" encoding="utf-8"?>
 <p:sld xmlns:a="http://schemas.openxmlformats.org/drawingml/2006/main" xmlns:r="http://schemas.openxmlformats.org/officeDocument/2006/relationships" xmlns:p="http://schemas.openxmlformats.org/presentationml/2006/main">
   <p:cSld>
     <p:spTree>
@@ -23147,7 +23385,7 @@
 </p:sld>
 </file>
 
-<file path=ppt/slides/slide18.xml><?xml version="1.0" encoding="utf-8"?>
+<file path=ppt/slides/slide19.xml><?xml version="1.0" encoding="utf-8"?>
 <p:sld xmlns:a="http://schemas.openxmlformats.org/drawingml/2006/main" xmlns:r="http://schemas.openxmlformats.org/officeDocument/2006/relationships" xmlns:p="http://schemas.openxmlformats.org/presentationml/2006/main">
   <p:cSld>
     <p:spTree>
@@ -23295,102 +23533,6 @@
     <p:extLst>
       <p:ext uri="{BB962C8B-B14F-4D97-AF65-F5344CB8AC3E}">
         <p14:creationId xmlns:p14="http://schemas.microsoft.com/office/powerpoint/2010/main" val="346699533"/>
-      </p:ext>
-    </p:extLst>
-  </p:cSld>
-  <p:clrMapOvr>
-    <a:masterClrMapping/>
-  </p:clrMapOvr>
-</p:sld>
-</file>
-
-<file path=ppt/slides/slide19.xml><?xml version="1.0" encoding="utf-8"?>
-<p:sld xmlns:a="http://schemas.openxmlformats.org/drawingml/2006/main" xmlns:r="http://schemas.openxmlformats.org/officeDocument/2006/relationships" xmlns:p="http://schemas.openxmlformats.org/presentationml/2006/main">
-  <p:cSld>
-    <p:spTree>
-      <p:nvGrpSpPr>
-        <p:cNvPr id="1" name=""/>
-        <p:cNvGrpSpPr/>
-        <p:nvPr/>
-      </p:nvGrpSpPr>
-      <p:grpSpPr>
-        <a:xfrm>
-          <a:off x="0" y="0"/>
-          <a:ext cx="0" cy="0"/>
-          <a:chOff x="0" y="0"/>
-          <a:chExt cx="0" cy="0"/>
-        </a:xfrm>
-      </p:grpSpPr>
-      <p:sp>
-        <p:nvSpPr>
-          <p:cNvPr id="2" name="Title 1">
-            <a:extLst>
-              <a:ext uri="{FF2B5EF4-FFF2-40B4-BE49-F238E27FC236}">
-                <a16:creationId xmlns:a16="http://schemas.microsoft.com/office/drawing/2014/main" id="{558E0423-8451-8641-8523-C046B8A9C3B9}"/>
-              </a:ext>
-            </a:extLst>
-          </p:cNvPr>
-          <p:cNvSpPr>
-            <a:spLocks noGrp="1"/>
-          </p:cNvSpPr>
-          <p:nvPr>
-            <p:ph type="title"/>
-          </p:nvPr>
-        </p:nvSpPr>
-        <p:spPr>
-          <a:xfrm>
-            <a:off x="628650" y="273847"/>
-            <a:ext cx="7886700" cy="994172"/>
-          </a:xfrm>
-        </p:spPr>
-        <p:txBody>
-          <a:bodyPr anchor="ctr">
-            <a:normAutofit/>
-          </a:bodyPr>
-          <a:lstStyle/>
-          <a:p>
-            <a:r>
-              <a:rPr lang="en-US" dirty="0"/>
-              <a:t>Use After Free – Wrap Up</a:t>
-            </a:r>
-          </a:p>
-        </p:txBody>
-      </p:sp>
-      <p:graphicFrame>
-        <p:nvGraphicFramePr>
-          <p:cNvPr id="5" name="Content Placeholder 2">
-            <a:extLst>
-              <a:ext uri="{FF2B5EF4-FFF2-40B4-BE49-F238E27FC236}">
-                <a16:creationId xmlns:a16="http://schemas.microsoft.com/office/drawing/2014/main" id="{1BD7CE1E-345E-4CBD-BF43-E5F3D852A859}"/>
-              </a:ext>
-            </a:extLst>
-          </p:cNvPr>
-          <p:cNvGraphicFramePr>
-            <a:graphicFrameLocks noGrp="1"/>
-          </p:cNvGraphicFramePr>
-          <p:nvPr>
-            <p:ph idx="1"/>
-            <p:extLst>
-              <p:ext uri="{D42A27DB-BD31-4B8C-83A1-F6EECF244321}">
-                <p14:modId xmlns:p14="http://schemas.microsoft.com/office/powerpoint/2010/main" val="3783265157"/>
-              </p:ext>
-            </p:extLst>
-          </p:nvPr>
-        </p:nvGraphicFramePr>
-        <p:xfrm>
-          <a:off x="628650" y="1236541"/>
-          <a:ext cx="7886700" cy="3263504"/>
-        </p:xfrm>
-        <a:graphic>
-          <a:graphicData uri="http://schemas.openxmlformats.org/drawingml/2006/diagram">
-            <dgm:relIds xmlns:dgm="http://schemas.openxmlformats.org/drawingml/2006/diagram" xmlns:r="http://schemas.openxmlformats.org/officeDocument/2006/relationships" r:dm="rId3" r:lo="rId4" r:qs="rId5" r:cs="rId6"/>
-          </a:graphicData>
-        </a:graphic>
-      </p:graphicFrame>
-    </p:spTree>
-    <p:extLst>
-      <p:ext uri="{BB962C8B-B14F-4D97-AF65-F5344CB8AC3E}">
-        <p14:creationId xmlns:p14="http://schemas.microsoft.com/office/powerpoint/2010/main" val="2724099311"/>
       </p:ext>
     </p:extLst>
   </p:cSld>
@@ -23631,6 +23773,102 @@
           <p:cNvPr id="2" name="Title 1">
             <a:extLst>
               <a:ext uri="{FF2B5EF4-FFF2-40B4-BE49-F238E27FC236}">
+                <a16:creationId xmlns:a16="http://schemas.microsoft.com/office/drawing/2014/main" id="{558E0423-8451-8641-8523-C046B8A9C3B9}"/>
+              </a:ext>
+            </a:extLst>
+          </p:cNvPr>
+          <p:cNvSpPr>
+            <a:spLocks noGrp="1"/>
+          </p:cNvSpPr>
+          <p:nvPr>
+            <p:ph type="title"/>
+          </p:nvPr>
+        </p:nvSpPr>
+        <p:spPr>
+          <a:xfrm>
+            <a:off x="628650" y="273847"/>
+            <a:ext cx="7886700" cy="994172"/>
+          </a:xfrm>
+        </p:spPr>
+        <p:txBody>
+          <a:bodyPr anchor="ctr">
+            <a:normAutofit/>
+          </a:bodyPr>
+          <a:lstStyle/>
+          <a:p>
+            <a:r>
+              <a:rPr lang="en-US" dirty="0"/>
+              <a:t>Use After Free – Wrap Up</a:t>
+            </a:r>
+          </a:p>
+        </p:txBody>
+      </p:sp>
+      <p:graphicFrame>
+        <p:nvGraphicFramePr>
+          <p:cNvPr id="5" name="Content Placeholder 2">
+            <a:extLst>
+              <a:ext uri="{FF2B5EF4-FFF2-40B4-BE49-F238E27FC236}">
+                <a16:creationId xmlns:a16="http://schemas.microsoft.com/office/drawing/2014/main" id="{1BD7CE1E-345E-4CBD-BF43-E5F3D852A859}"/>
+              </a:ext>
+            </a:extLst>
+          </p:cNvPr>
+          <p:cNvGraphicFramePr>
+            <a:graphicFrameLocks noGrp="1"/>
+          </p:cNvGraphicFramePr>
+          <p:nvPr>
+            <p:ph idx="1"/>
+            <p:extLst>
+              <p:ext uri="{D42A27DB-BD31-4B8C-83A1-F6EECF244321}">
+                <p14:modId xmlns:p14="http://schemas.microsoft.com/office/powerpoint/2010/main" val="3783265157"/>
+              </p:ext>
+            </p:extLst>
+          </p:nvPr>
+        </p:nvGraphicFramePr>
+        <p:xfrm>
+          <a:off x="628650" y="1236541"/>
+          <a:ext cx="7886700" cy="3263504"/>
+        </p:xfrm>
+        <a:graphic>
+          <a:graphicData uri="http://schemas.openxmlformats.org/drawingml/2006/diagram">
+            <dgm:relIds xmlns:dgm="http://schemas.openxmlformats.org/drawingml/2006/diagram" xmlns:r="http://schemas.openxmlformats.org/officeDocument/2006/relationships" r:dm="rId3" r:lo="rId4" r:qs="rId5" r:cs="rId6"/>
+          </a:graphicData>
+        </a:graphic>
+      </p:graphicFrame>
+    </p:spTree>
+    <p:extLst>
+      <p:ext uri="{BB962C8B-B14F-4D97-AF65-F5344CB8AC3E}">
+        <p14:creationId xmlns:p14="http://schemas.microsoft.com/office/powerpoint/2010/main" val="2724099311"/>
+      </p:ext>
+    </p:extLst>
+  </p:cSld>
+  <p:clrMapOvr>
+    <a:masterClrMapping/>
+  </p:clrMapOvr>
+</p:sld>
+</file>
+
+<file path=ppt/slides/slide21.xml><?xml version="1.0" encoding="utf-8"?>
+<p:sld xmlns:a="http://schemas.openxmlformats.org/drawingml/2006/main" xmlns:r="http://schemas.openxmlformats.org/officeDocument/2006/relationships" xmlns:p="http://schemas.openxmlformats.org/presentationml/2006/main">
+  <p:cSld>
+    <p:spTree>
+      <p:nvGrpSpPr>
+        <p:cNvPr id="1" name=""/>
+        <p:cNvGrpSpPr/>
+        <p:nvPr/>
+      </p:nvGrpSpPr>
+      <p:grpSpPr>
+        <a:xfrm>
+          <a:off x="0" y="0"/>
+          <a:ext cx="0" cy="0"/>
+          <a:chOff x="0" y="0"/>
+          <a:chExt cx="0" cy="0"/>
+        </a:xfrm>
+      </p:grpSpPr>
+      <p:sp>
+        <p:nvSpPr>
+          <p:cNvPr id="2" name="Title 1">
+            <a:extLst>
+              <a:ext uri="{FF2B5EF4-FFF2-40B4-BE49-F238E27FC236}">
                 <a16:creationId xmlns:a16="http://schemas.microsoft.com/office/drawing/2014/main" id="{DDA31572-8746-FA45-AF5F-D5A2AA95813E}"/>
               </a:ext>
             </a:extLst>
@@ -23740,7 +23978,7 @@
 </p:sld>
 </file>
 
-<file path=ppt/slides/slide21.xml><?xml version="1.0" encoding="utf-8"?>
+<file path=ppt/slides/slide22.xml><?xml version="1.0" encoding="utf-8"?>
 <p:sld xmlns:a="http://schemas.openxmlformats.org/drawingml/2006/main" xmlns:r="http://schemas.openxmlformats.org/officeDocument/2006/relationships" xmlns:p="http://schemas.openxmlformats.org/presentationml/2006/main">
   <p:cSld>
     <p:spTree>
@@ -23999,7 +24237,7 @@
 </p:sld>
 </file>
 
-<file path=ppt/slides/slide22.xml><?xml version="1.0" encoding="utf-8"?>
+<file path=ppt/slides/slide23.xml><?xml version="1.0" encoding="utf-8"?>
 <p:sld xmlns:a="http://schemas.openxmlformats.org/drawingml/2006/main" xmlns:r="http://schemas.openxmlformats.org/officeDocument/2006/relationships" xmlns:p="http://schemas.openxmlformats.org/presentationml/2006/main">
   <p:cSld>
     <p:spTree>
@@ -24147,7 +24385,7 @@
 </p:sld>
 </file>
 
-<file path=ppt/slides/slide23.xml><?xml version="1.0" encoding="utf-8"?>
+<file path=ppt/slides/slide24.xml><?xml version="1.0" encoding="utf-8"?>
 <p:sld xmlns:a="http://schemas.openxmlformats.org/drawingml/2006/main" xmlns:r="http://schemas.openxmlformats.org/officeDocument/2006/relationships" xmlns:p="http://schemas.openxmlformats.org/presentationml/2006/main">
   <p:cSld>
     <p:spTree>
@@ -24290,7 +24528,7 @@
 </p:sld>
 </file>
 
-<file path=ppt/slides/slide24.xml><?xml version="1.0" encoding="utf-8"?>
+<file path=ppt/slides/slide25.xml><?xml version="1.0" encoding="utf-8"?>
 <p:sld xmlns:a="http://schemas.openxmlformats.org/drawingml/2006/main" xmlns:r="http://schemas.openxmlformats.org/officeDocument/2006/relationships" xmlns:p="http://schemas.openxmlformats.org/presentationml/2006/main" show="0">
   <p:cSld>
     <p:spTree>
@@ -24505,7 +24743,7 @@
 </p:sld>
 </file>
 
-<file path=ppt/slides/slide25.xml><?xml version="1.0" encoding="utf-8"?>
+<file path=ppt/slides/slide26.xml><?xml version="1.0" encoding="utf-8"?>
 <p:sld xmlns:a="http://schemas.openxmlformats.org/drawingml/2006/main" xmlns:r="http://schemas.openxmlformats.org/officeDocument/2006/relationships" xmlns:p="http://schemas.openxmlformats.org/presentationml/2006/main" show="0">
   <p:cSld>
     <p:spTree>
@@ -24636,7 +24874,7 @@
 </p:sld>
 </file>
 
-<file path=ppt/slides/slide26.xml><?xml version="1.0" encoding="utf-8"?>
+<file path=ppt/slides/slide27.xml><?xml version="1.0" encoding="utf-8"?>
 <p:sld xmlns:a="http://schemas.openxmlformats.org/drawingml/2006/main" xmlns:r="http://schemas.openxmlformats.org/officeDocument/2006/relationships" xmlns:p="http://schemas.openxmlformats.org/presentationml/2006/main" show="0">
   <p:cSld>
     <p:spTree>
@@ -24780,7 +25018,7 @@
 </p:sld>
 </file>
 
-<file path=ppt/slides/slide27.xml><?xml version="1.0" encoding="utf-8"?>
+<file path=ppt/slides/slide28.xml><?xml version="1.0" encoding="utf-8"?>
 <p:sld xmlns:a="http://schemas.openxmlformats.org/drawingml/2006/main" xmlns:r="http://schemas.openxmlformats.org/officeDocument/2006/relationships" xmlns:p="http://schemas.openxmlformats.org/presentationml/2006/main" show="0">
   <p:cSld>
     <p:spTree>
@@ -24924,7 +25162,7 @@
 </p:sld>
 </file>
 
-<file path=ppt/slides/slide28.xml><?xml version="1.0" encoding="utf-8"?>
+<file path=ppt/slides/slide29.xml><?xml version="1.0" encoding="utf-8"?>
 <p:sld xmlns:a="http://schemas.openxmlformats.org/drawingml/2006/main" xmlns:r="http://schemas.openxmlformats.org/officeDocument/2006/relationships" xmlns:p="http://schemas.openxmlformats.org/presentationml/2006/main" show="0">
   <p:cSld>
     <p:spTree>
@@ -25080,7 +25318,396 @@
 </p:sld>
 </file>
 
-<file path=ppt/slides/slide29.xml><?xml version="1.0" encoding="utf-8"?>
+<file path=ppt/slides/slide3.xml><?xml version="1.0" encoding="utf-8"?>
+<p:sld xmlns:a="http://schemas.openxmlformats.org/drawingml/2006/main" xmlns:r="http://schemas.openxmlformats.org/officeDocument/2006/relationships" xmlns:p="http://schemas.openxmlformats.org/presentationml/2006/main">
+  <p:cSld>
+    <p:spTree>
+      <p:nvGrpSpPr>
+        <p:cNvPr id="1" name=""/>
+        <p:cNvGrpSpPr/>
+        <p:nvPr/>
+      </p:nvGrpSpPr>
+      <p:grpSpPr>
+        <a:xfrm>
+          <a:off x="0" y="0"/>
+          <a:ext cx="0" cy="0"/>
+          <a:chOff x="0" y="0"/>
+          <a:chExt cx="0" cy="0"/>
+        </a:xfrm>
+      </p:grpSpPr>
+      <p:sp>
+        <p:nvSpPr>
+          <p:cNvPr id="2" name="Title 1">
+            <a:extLst>
+              <a:ext uri="{FF2B5EF4-FFF2-40B4-BE49-F238E27FC236}">
+                <a16:creationId xmlns:a16="http://schemas.microsoft.com/office/drawing/2014/main" id="{0FE9B492-F788-BE46-B5E3-389B21A66A84}"/>
+              </a:ext>
+            </a:extLst>
+          </p:cNvPr>
+          <p:cNvSpPr>
+            <a:spLocks noGrp="1"/>
+          </p:cNvSpPr>
+          <p:nvPr>
+            <p:ph type="title"/>
+          </p:nvPr>
+        </p:nvSpPr>
+        <p:spPr/>
+        <p:txBody>
+          <a:bodyPr/>
+          <a:lstStyle/>
+          <a:p>
+            <a:r>
+              <a:rPr lang="en-US" dirty="0"/>
+              <a:t>Buffer Overflows (Heap Edition)</a:t>
+            </a:r>
+          </a:p>
+        </p:txBody>
+      </p:sp>
+      <p:sp>
+        <p:nvSpPr>
+          <p:cNvPr id="3" name="Content Placeholder 2">
+            <a:extLst>
+              <a:ext uri="{FF2B5EF4-FFF2-40B4-BE49-F238E27FC236}">
+                <a16:creationId xmlns:a16="http://schemas.microsoft.com/office/drawing/2014/main" id="{9CA2C494-3A5C-F948-904A-CB3B146A39FA}"/>
+              </a:ext>
+            </a:extLst>
+          </p:cNvPr>
+          <p:cNvSpPr>
+            <a:spLocks noGrp="1"/>
+          </p:cNvSpPr>
+          <p:nvPr>
+            <p:ph idx="1"/>
+          </p:nvPr>
+        </p:nvSpPr>
+        <p:spPr>
+          <a:xfrm>
+            <a:off x="628650" y="1236541"/>
+            <a:ext cx="4564787" cy="3263504"/>
+          </a:xfrm>
+        </p:spPr>
+        <p:txBody>
+          <a:bodyPr/>
+          <a:lstStyle/>
+          <a:p>
+            <a:r>
+              <a:rPr lang="en-US" dirty="0"/>
+              <a:t>Classic </a:t>
+            </a:r>
+            <a:r>
+              <a:rPr lang="en-US" dirty="0">
+                <a:sym typeface="Wingdings" pitchFamily="2" charset="2"/>
+              </a:rPr>
+              <a:t> </a:t>
+            </a:r>
+            <a:endParaRPr lang="en-US" dirty="0"/>
+          </a:p>
+          <a:p>
+            <a:r>
+              <a:rPr lang="en-US" dirty="0"/>
+              <a:t>Writing outside of the range of the specified buffer to corrupt data around it</a:t>
+            </a:r>
+          </a:p>
+          <a:p>
+            <a:r>
+              <a:rPr lang="en-US" dirty="0"/>
+              <a:t>What’s the difference? </a:t>
+            </a:r>
+          </a:p>
+          <a:p>
+            <a:pPr lvl="1"/>
+            <a:r>
+              <a:rPr lang="en-US" dirty="0"/>
+              <a:t>Corrupt prev_size, size (+metadata), fd and bk pointers</a:t>
+            </a:r>
+          </a:p>
+          <a:p>
+            <a:pPr lvl="1"/>
+            <a:r>
+              <a:rPr lang="en-US" dirty="0"/>
+              <a:t>Instead of RIP on stack</a:t>
+            </a:r>
+          </a:p>
+        </p:txBody>
+      </p:sp>
+      <p:pic>
+        <p:nvPicPr>
+          <p:cNvPr id="5" name="Graphic 4">
+            <a:extLst>
+              <a:ext uri="{FF2B5EF4-FFF2-40B4-BE49-F238E27FC236}">
+                <a16:creationId xmlns:a16="http://schemas.microsoft.com/office/drawing/2014/main" id="{FD77701A-A0C1-8E4F-8D96-4221261FFD4E}"/>
+              </a:ext>
+            </a:extLst>
+          </p:cNvPr>
+          <p:cNvPicPr>
+            <a:picLocks noChangeAspect="1"/>
+          </p:cNvPicPr>
+          <p:nvPr/>
+        </p:nvPicPr>
+        <p:blipFill>
+          <a:blip r:embed="rId3">
+            <a:extLst>
+              <a:ext uri="{96DAC541-7B7A-43D3-8B79-37D633B846F1}">
+                <asvg:svgBlip xmlns:asvg="http://schemas.microsoft.com/office/drawing/2016/SVG/main" r:embed="rId4"/>
+              </a:ext>
+            </a:extLst>
+          </a:blip>
+          <a:stretch>
+            <a:fillRect/>
+          </a:stretch>
+        </p:blipFill>
+        <p:spPr>
+          <a:xfrm>
+            <a:off x="5347266" y="1156666"/>
+            <a:ext cx="3698411" cy="3193164"/>
+          </a:xfrm>
+          <a:prstGeom prst="rect">
+            <a:avLst/>
+          </a:prstGeom>
+        </p:spPr>
+      </p:pic>
+      <p:sp>
+        <p:nvSpPr>
+          <p:cNvPr id="8" name="Down Arrow 7">
+            <a:extLst>
+              <a:ext uri="{FF2B5EF4-FFF2-40B4-BE49-F238E27FC236}">
+                <a16:creationId xmlns:a16="http://schemas.microsoft.com/office/drawing/2014/main" id="{1D893C04-18DF-8147-B9B2-8D1C3C415735}"/>
+              </a:ext>
+            </a:extLst>
+          </p:cNvPr>
+          <p:cNvSpPr/>
+          <p:nvPr/>
+        </p:nvSpPr>
+        <p:spPr>
+          <a:xfrm>
+            <a:off x="8433117" y="1544714"/>
+            <a:ext cx="612560" cy="2805116"/>
+          </a:xfrm>
+          <a:prstGeom prst="downArrow">
+            <a:avLst/>
+          </a:prstGeom>
+          <a:solidFill>
+            <a:srgbClr val="FF0000"/>
+          </a:solidFill>
+        </p:spPr>
+        <p:style>
+          <a:lnRef idx="2">
+            <a:schemeClr val="accent1">
+              <a:shade val="50000"/>
+            </a:schemeClr>
+          </a:lnRef>
+          <a:fillRef idx="1">
+            <a:schemeClr val="accent1"/>
+          </a:fillRef>
+          <a:effectRef idx="0">
+            <a:schemeClr val="accent1"/>
+          </a:effectRef>
+          <a:fontRef idx="minor">
+            <a:schemeClr val="lt1"/>
+          </a:fontRef>
+        </p:style>
+        <p:txBody>
+          <a:bodyPr rtlCol="0" anchor="ctr"/>
+          <a:lstStyle/>
+          <a:p>
+            <a:pPr algn="ctr"/>
+            <a:endParaRPr lang="en-US"/>
+          </a:p>
+        </p:txBody>
+      </p:sp>
+      <p:sp>
+        <p:nvSpPr>
+          <p:cNvPr id="7" name="Freeform 6">
+            <a:extLst>
+              <a:ext uri="{FF2B5EF4-FFF2-40B4-BE49-F238E27FC236}">
+                <a16:creationId xmlns:a16="http://schemas.microsoft.com/office/drawing/2014/main" id="{2371E478-7654-546D-B0D6-1D31795B5D89}"/>
+              </a:ext>
+            </a:extLst>
+          </p:cNvPr>
+          <p:cNvSpPr/>
+          <p:nvPr/>
+        </p:nvSpPr>
+        <p:spPr>
+          <a:xfrm>
+            <a:off x="0" y="0"/>
+            <a:ext cx="9144000" cy="5143500"/>
+          </a:xfrm>
+          <a:custGeom>
+            <a:avLst/>
+            <a:gdLst>
+              <a:gd name="connsiteX0" fmla="*/ 0 w 9144000"/>
+              <a:gd name="connsiteY0" fmla="*/ 0 h 5143500"/>
+              <a:gd name="connsiteX1" fmla="*/ 9144000 w 9144000"/>
+              <a:gd name="connsiteY1" fmla="*/ 0 h 5143500"/>
+              <a:gd name="connsiteX2" fmla="*/ 9144000 w 9144000"/>
+              <a:gd name="connsiteY2" fmla="*/ 1662925 h 5143500"/>
+              <a:gd name="connsiteX3" fmla="*/ 8549224 w 9144000"/>
+              <a:gd name="connsiteY3" fmla="*/ 1068149 h 5143500"/>
+              <a:gd name="connsiteX4" fmla="*/ 5942042 w 9144000"/>
+              <a:gd name="connsiteY4" fmla="*/ 1068149 h 5143500"/>
+              <a:gd name="connsiteX5" fmla="*/ 5347266 w 9144000"/>
+              <a:gd name="connsiteY5" fmla="*/ 1662925 h 5143500"/>
+              <a:gd name="connsiteX6" fmla="*/ 5347266 w 9144000"/>
+              <a:gd name="connsiteY6" fmla="*/ 4041960 h 5143500"/>
+              <a:gd name="connsiteX7" fmla="*/ 5942042 w 9144000"/>
+              <a:gd name="connsiteY7" fmla="*/ 4636736 h 5143500"/>
+              <a:gd name="connsiteX8" fmla="*/ 8549224 w 9144000"/>
+              <a:gd name="connsiteY8" fmla="*/ 4636736 h 5143500"/>
+              <a:gd name="connsiteX9" fmla="*/ 9144000 w 9144000"/>
+              <a:gd name="connsiteY9" fmla="*/ 4041960 h 5143500"/>
+              <a:gd name="connsiteX10" fmla="*/ 9144000 w 9144000"/>
+              <a:gd name="connsiteY10" fmla="*/ 5143500 h 5143500"/>
+              <a:gd name="connsiteX11" fmla="*/ 0 w 9144000"/>
+              <a:gd name="connsiteY11" fmla="*/ 5143500 h 5143500"/>
+            </a:gdLst>
+            <a:ahLst/>
+            <a:cxnLst>
+              <a:cxn ang="0">
+                <a:pos x="connsiteX0" y="connsiteY0"/>
+              </a:cxn>
+              <a:cxn ang="0">
+                <a:pos x="connsiteX1" y="connsiteY1"/>
+              </a:cxn>
+              <a:cxn ang="0">
+                <a:pos x="connsiteX2" y="connsiteY2"/>
+              </a:cxn>
+              <a:cxn ang="0">
+                <a:pos x="connsiteX3" y="connsiteY3"/>
+              </a:cxn>
+              <a:cxn ang="0">
+                <a:pos x="connsiteX4" y="connsiteY4"/>
+              </a:cxn>
+              <a:cxn ang="0">
+                <a:pos x="connsiteX5" y="connsiteY5"/>
+              </a:cxn>
+              <a:cxn ang="0">
+                <a:pos x="connsiteX6" y="connsiteY6"/>
+              </a:cxn>
+              <a:cxn ang="0">
+                <a:pos x="connsiteX7" y="connsiteY7"/>
+              </a:cxn>
+              <a:cxn ang="0">
+                <a:pos x="connsiteX8" y="connsiteY8"/>
+              </a:cxn>
+              <a:cxn ang="0">
+                <a:pos x="connsiteX9" y="connsiteY9"/>
+              </a:cxn>
+              <a:cxn ang="0">
+                <a:pos x="connsiteX10" y="connsiteY10"/>
+              </a:cxn>
+              <a:cxn ang="0">
+                <a:pos x="connsiteX11" y="connsiteY11"/>
+              </a:cxn>
+            </a:cxnLst>
+            <a:rect l="l" t="t" r="r" b="b"/>
+            <a:pathLst>
+              <a:path w="9144000" h="5143500">
+                <a:moveTo>
+                  <a:pt x="0" y="0"/>
+                </a:moveTo>
+                <a:lnTo>
+                  <a:pt x="9144000" y="0"/>
+                </a:lnTo>
+                <a:lnTo>
+                  <a:pt x="9144000" y="1662925"/>
+                </a:lnTo>
+                <a:cubicBezTo>
+                  <a:pt x="9144000" y="1334439"/>
+                  <a:pt x="8877710" y="1068149"/>
+                  <a:pt x="8549224" y="1068149"/>
+                </a:cubicBezTo>
+                <a:lnTo>
+                  <a:pt x="5942042" y="1068149"/>
+                </a:lnTo>
+                <a:cubicBezTo>
+                  <a:pt x="5613556" y="1068149"/>
+                  <a:pt x="5347266" y="1334439"/>
+                  <a:pt x="5347266" y="1662925"/>
+                </a:cubicBezTo>
+                <a:lnTo>
+                  <a:pt x="5347266" y="4041960"/>
+                </a:lnTo>
+                <a:cubicBezTo>
+                  <a:pt x="5347266" y="4370446"/>
+                  <a:pt x="5613556" y="4636736"/>
+                  <a:pt x="5942042" y="4636736"/>
+                </a:cubicBezTo>
+                <a:lnTo>
+                  <a:pt x="8549224" y="4636736"/>
+                </a:lnTo>
+                <a:cubicBezTo>
+                  <a:pt x="8877710" y="4636736"/>
+                  <a:pt x="9144000" y="4370446"/>
+                  <a:pt x="9144000" y="4041960"/>
+                </a:cubicBezTo>
+                <a:lnTo>
+                  <a:pt x="9144000" y="5143500"/>
+                </a:lnTo>
+                <a:lnTo>
+                  <a:pt x="0" y="5143500"/>
+                </a:lnTo>
+                <a:close/>
+              </a:path>
+            </a:pathLst>
+          </a:custGeom>
+          <a:solidFill>
+            <a:schemeClr val="dk1">
+              <a:alpha val="62208"/>
+            </a:schemeClr>
+          </a:solidFill>
+        </p:spPr>
+        <p:style>
+          <a:lnRef idx="2">
+            <a:schemeClr val="dk1">
+              <a:shade val="15000"/>
+            </a:schemeClr>
+          </a:lnRef>
+          <a:fillRef idx="1">
+            <a:schemeClr val="dk1"/>
+          </a:fillRef>
+          <a:effectRef idx="0">
+            <a:schemeClr val="dk1"/>
+          </a:effectRef>
+          <a:fontRef idx="minor">
+            <a:schemeClr val="lt1"/>
+          </a:fontRef>
+        </p:style>
+        <p:txBody>
+          <a:bodyPr wrap="square" rtlCol="0" anchor="ctr">
+            <a:noAutofit/>
+          </a:bodyPr>
+          <a:lstStyle/>
+          <a:p>
+            <a:pPr algn="ctr"/>
+            <a:endParaRPr lang="en-US"/>
+          </a:p>
+        </p:txBody>
+      </p:sp>
+    </p:spTree>
+    <p:extLst>
+      <p:ext uri="{BB962C8B-B14F-4D97-AF65-F5344CB8AC3E}">
+        <p14:creationId xmlns:p14="http://schemas.microsoft.com/office/powerpoint/2010/main" val="3509660677"/>
+      </p:ext>
+    </p:extLst>
+  </p:cSld>
+  <p:clrMapOvr>
+    <a:masterClrMapping/>
+  </p:clrMapOvr>
+  <mc:AlternateContent xmlns:mc="http://schemas.openxmlformats.org/markup-compatibility/2006" xmlns:p14="http://schemas.microsoft.com/office/powerpoint/2010/main">
+    <mc:Choice Requires="p14">
+      <p:transition spd="med" p14:dur="700">
+        <p:fade/>
+      </p:transition>
+    </mc:Choice>
+    <mc:Fallback xmlns="">
+      <p:transition spd="med">
+        <p:fade/>
+      </p:transition>
+    </mc:Fallback>
+  </mc:AlternateContent>
+</p:sld>
+</file>
+
+<file path=ppt/slides/slide30.xml><?xml version="1.0" encoding="utf-8"?>
 <p:sld xmlns:a="http://schemas.openxmlformats.org/drawingml/2006/main" xmlns:r="http://schemas.openxmlformats.org/officeDocument/2006/relationships" xmlns:p="http://schemas.openxmlformats.org/presentationml/2006/main" show="0">
   <p:cSld>
     <p:spTree>
@@ -25345,103 +25972,7 @@
 </p:sld>
 </file>
 
-<file path=ppt/slides/slide3.xml><?xml version="1.0" encoding="utf-8"?>
-<p:sld xmlns:a="http://schemas.openxmlformats.org/drawingml/2006/main" xmlns:r="http://schemas.openxmlformats.org/officeDocument/2006/relationships" xmlns:p="http://schemas.openxmlformats.org/presentationml/2006/main">
-  <p:cSld>
-    <p:spTree>
-      <p:nvGrpSpPr>
-        <p:cNvPr id="1" name=""/>
-        <p:cNvGrpSpPr/>
-        <p:nvPr/>
-      </p:nvGrpSpPr>
-      <p:grpSpPr>
-        <a:xfrm>
-          <a:off x="0" y="0"/>
-          <a:ext cx="0" cy="0"/>
-          <a:chOff x="0" y="0"/>
-          <a:chExt cx="0" cy="0"/>
-        </a:xfrm>
-      </p:grpSpPr>
-      <p:sp>
-        <p:nvSpPr>
-          <p:cNvPr id="2" name="Title 1">
-            <a:extLst>
-              <a:ext uri="{FF2B5EF4-FFF2-40B4-BE49-F238E27FC236}">
-                <a16:creationId xmlns:a16="http://schemas.microsoft.com/office/drawing/2014/main" id="{04A8DFF0-8FD9-DE41-A4E1-EBA4AF9EDD32}"/>
-              </a:ext>
-            </a:extLst>
-          </p:cNvPr>
-          <p:cNvSpPr>
-            <a:spLocks noGrp="1"/>
-          </p:cNvSpPr>
-          <p:nvPr>
-            <p:ph type="title"/>
-          </p:nvPr>
-        </p:nvSpPr>
-        <p:spPr>
-          <a:xfrm>
-            <a:off x="628650" y="273847"/>
-            <a:ext cx="7886700" cy="994172"/>
-          </a:xfrm>
-        </p:spPr>
-        <p:txBody>
-          <a:bodyPr anchor="ctr">
-            <a:normAutofit/>
-          </a:bodyPr>
-          <a:lstStyle/>
-          <a:p>
-            <a:r>
-              <a:rPr lang="en-US" dirty="0"/>
-              <a:t>Use After Free</a:t>
-            </a:r>
-          </a:p>
-        </p:txBody>
-      </p:sp>
-      <p:graphicFrame>
-        <p:nvGraphicFramePr>
-          <p:cNvPr id="5" name="Content Placeholder 2">
-            <a:extLst>
-              <a:ext uri="{FF2B5EF4-FFF2-40B4-BE49-F238E27FC236}">
-                <a16:creationId xmlns:a16="http://schemas.microsoft.com/office/drawing/2014/main" id="{1115373C-35A7-4148-9A21-666E6C385FBB}"/>
-              </a:ext>
-            </a:extLst>
-          </p:cNvPr>
-          <p:cNvGraphicFramePr>
-            <a:graphicFrameLocks noGrp="1"/>
-          </p:cNvGraphicFramePr>
-          <p:nvPr>
-            <p:ph idx="1"/>
-            <p:extLst>
-              <p:ext uri="{D42A27DB-BD31-4B8C-83A1-F6EECF244321}">
-                <p14:modId xmlns:p14="http://schemas.microsoft.com/office/powerpoint/2010/main" val="3515538897"/>
-              </p:ext>
-            </p:extLst>
-          </p:nvPr>
-        </p:nvGraphicFramePr>
-        <p:xfrm>
-          <a:off x="628650" y="1236541"/>
-          <a:ext cx="7886700" cy="3263504"/>
-        </p:xfrm>
-        <a:graphic>
-          <a:graphicData uri="http://schemas.openxmlformats.org/drawingml/2006/diagram">
-            <dgm:relIds xmlns:dgm="http://schemas.openxmlformats.org/drawingml/2006/diagram" xmlns:r="http://schemas.openxmlformats.org/officeDocument/2006/relationships" r:dm="rId2" r:lo="rId3" r:qs="rId4" r:cs="rId5"/>
-          </a:graphicData>
-        </a:graphic>
-      </p:graphicFrame>
-    </p:spTree>
-    <p:extLst>
-      <p:ext uri="{BB962C8B-B14F-4D97-AF65-F5344CB8AC3E}">
-        <p14:creationId xmlns:p14="http://schemas.microsoft.com/office/powerpoint/2010/main" val="663485513"/>
-      </p:ext>
-    </p:extLst>
-  </p:cSld>
-  <p:clrMapOvr>
-    <a:masterClrMapping/>
-  </p:clrMapOvr>
-</p:sld>
-</file>
-
-<file path=ppt/slides/slide30.xml><?xml version="1.0" encoding="utf-8"?>
+<file path=ppt/slides/slide31.xml><?xml version="1.0" encoding="utf-8"?>
 <p:sld xmlns:a="http://schemas.openxmlformats.org/drawingml/2006/main" xmlns:r="http://schemas.openxmlformats.org/officeDocument/2006/relationships" xmlns:p="http://schemas.openxmlformats.org/presentationml/2006/main" show="0">
   <p:cSld>
     <p:spTree>
@@ -25583,7 +26114,7 @@
 </p:sld>
 </file>
 
-<file path=ppt/slides/slide31.xml><?xml version="1.0" encoding="utf-8"?>
+<file path=ppt/slides/slide32.xml><?xml version="1.0" encoding="utf-8"?>
 <p:sld xmlns:a="http://schemas.openxmlformats.org/drawingml/2006/main" xmlns:r="http://schemas.openxmlformats.org/officeDocument/2006/relationships" xmlns:p="http://schemas.openxmlformats.org/presentationml/2006/main" show="0">
   <p:cSld>
     <p:spTree>
@@ -25724,7 +26255,7 @@
 </p:sld>
 </file>
 
-<file path=ppt/slides/slide32.xml><?xml version="1.0" encoding="utf-8"?>
+<file path=ppt/slides/slide33.xml><?xml version="1.0" encoding="utf-8"?>
 <p:sld xmlns:a="http://schemas.openxmlformats.org/drawingml/2006/main" xmlns:r="http://schemas.openxmlformats.org/officeDocument/2006/relationships" xmlns:p="http://schemas.openxmlformats.org/presentationml/2006/main" show="0">
   <p:cSld>
     <p:spTree>
@@ -25884,7 +26415,7 @@
 </p:sld>
 </file>
 
-<file path=ppt/slides/slide33.xml><?xml version="1.0" encoding="utf-8"?>
+<file path=ppt/slides/slide34.xml><?xml version="1.0" encoding="utf-8"?>
 <p:sld xmlns:a="http://schemas.openxmlformats.org/drawingml/2006/main" xmlns:r="http://schemas.openxmlformats.org/officeDocument/2006/relationships" xmlns:p="http://schemas.openxmlformats.org/presentationml/2006/main" show="0">
   <p:cSld>
     <p:spTree>
@@ -26077,7 +26608,7 @@
 </p:sld>
 </file>
 
-<file path=ppt/slides/slide34.xml><?xml version="1.0" encoding="utf-8"?>
+<file path=ppt/slides/slide35.xml><?xml version="1.0" encoding="utf-8"?>
 <p:sld xmlns:a="http://schemas.openxmlformats.org/drawingml/2006/main" xmlns:r="http://schemas.openxmlformats.org/officeDocument/2006/relationships" xmlns:p="http://schemas.openxmlformats.org/presentationml/2006/main">
   <p:cSld>
     <p:spTree>
@@ -26173,8 +26704,8 @@
 </p:sld>
 </file>
 
-<file path=ppt/slides/slide35.xml><?xml version="1.0" encoding="utf-8"?>
-<p:sld xmlns:a="http://schemas.openxmlformats.org/drawingml/2006/main" xmlns:r="http://schemas.openxmlformats.org/officeDocument/2006/relationships" xmlns:p="http://schemas.openxmlformats.org/presentationml/2006/main">
+<file path=ppt/slides/slide36.xml><?xml version="1.0" encoding="utf-8"?>
+<p:sld xmlns:a="http://schemas.openxmlformats.org/drawingml/2006/main" xmlns:r="http://schemas.openxmlformats.org/officeDocument/2006/relationships" xmlns:p="http://schemas.openxmlformats.org/presentationml/2006/main" show="0">
   <p:cSld>
     <p:spTree>
       <p:nvGrpSpPr>
@@ -26298,7 +26829,7 @@
 </p:sld>
 </file>
 
-<file path=ppt/slides/slide36.xml><?xml version="1.0" encoding="utf-8"?>
+<file path=ppt/slides/slide37.xml><?xml version="1.0" encoding="utf-8"?>
 <p:sld xmlns:a="http://schemas.openxmlformats.org/drawingml/2006/main" xmlns:r="http://schemas.openxmlformats.org/officeDocument/2006/relationships" xmlns:p="http://schemas.openxmlformats.org/presentationml/2006/main">
   <p:cSld>
     <p:spTree>
@@ -26499,7 +27030,7 @@
 </p:sld>
 </file>
 
-<file path=ppt/slides/slide37.xml><?xml version="1.0" encoding="utf-8"?>
+<file path=ppt/slides/slide38.xml><?xml version="1.0" encoding="utf-8"?>
 <p:sld xmlns:a="http://schemas.openxmlformats.org/drawingml/2006/main" xmlns:r="http://schemas.openxmlformats.org/officeDocument/2006/relationships" xmlns:p="http://schemas.openxmlformats.org/presentationml/2006/main">
   <p:cSld>
     <p:spTree>
@@ -26636,7 +27167,7 @@
 </p:sld>
 </file>
 
-<file path=ppt/slides/slide38.xml><?xml version="1.0" encoding="utf-8"?>
+<file path=ppt/slides/slide39.xml><?xml version="1.0" encoding="utf-8"?>
 <p:sld xmlns:a="http://schemas.openxmlformats.org/drawingml/2006/main" xmlns:r="http://schemas.openxmlformats.org/officeDocument/2006/relationships" xmlns:p="http://schemas.openxmlformats.org/presentationml/2006/main">
   <p:cSld>
     <p:spTree>
@@ -26801,7 +27332,103 @@
 </p:sld>
 </file>
 
-<file path=ppt/slides/slide39.xml><?xml version="1.0" encoding="utf-8"?>
+<file path=ppt/slides/slide4.xml><?xml version="1.0" encoding="utf-8"?>
+<p:sld xmlns:a="http://schemas.openxmlformats.org/drawingml/2006/main" xmlns:r="http://schemas.openxmlformats.org/officeDocument/2006/relationships" xmlns:p="http://schemas.openxmlformats.org/presentationml/2006/main">
+  <p:cSld>
+    <p:spTree>
+      <p:nvGrpSpPr>
+        <p:cNvPr id="1" name=""/>
+        <p:cNvGrpSpPr/>
+        <p:nvPr/>
+      </p:nvGrpSpPr>
+      <p:grpSpPr>
+        <a:xfrm>
+          <a:off x="0" y="0"/>
+          <a:ext cx="0" cy="0"/>
+          <a:chOff x="0" y="0"/>
+          <a:chExt cx="0" cy="0"/>
+        </a:xfrm>
+      </p:grpSpPr>
+      <p:sp>
+        <p:nvSpPr>
+          <p:cNvPr id="2" name="Title 1">
+            <a:extLst>
+              <a:ext uri="{FF2B5EF4-FFF2-40B4-BE49-F238E27FC236}">
+                <a16:creationId xmlns:a16="http://schemas.microsoft.com/office/drawing/2014/main" id="{04A8DFF0-8FD9-DE41-A4E1-EBA4AF9EDD32}"/>
+              </a:ext>
+            </a:extLst>
+          </p:cNvPr>
+          <p:cNvSpPr>
+            <a:spLocks noGrp="1"/>
+          </p:cNvSpPr>
+          <p:nvPr>
+            <p:ph type="title"/>
+          </p:nvPr>
+        </p:nvSpPr>
+        <p:spPr>
+          <a:xfrm>
+            <a:off x="628650" y="273847"/>
+            <a:ext cx="7886700" cy="994172"/>
+          </a:xfrm>
+        </p:spPr>
+        <p:txBody>
+          <a:bodyPr anchor="ctr">
+            <a:normAutofit/>
+          </a:bodyPr>
+          <a:lstStyle/>
+          <a:p>
+            <a:r>
+              <a:rPr lang="en-US" dirty="0"/>
+              <a:t>Use After Free</a:t>
+            </a:r>
+          </a:p>
+        </p:txBody>
+      </p:sp>
+      <p:graphicFrame>
+        <p:nvGraphicFramePr>
+          <p:cNvPr id="5" name="Content Placeholder 2">
+            <a:extLst>
+              <a:ext uri="{FF2B5EF4-FFF2-40B4-BE49-F238E27FC236}">
+                <a16:creationId xmlns:a16="http://schemas.microsoft.com/office/drawing/2014/main" id="{1115373C-35A7-4148-9A21-666E6C385FBB}"/>
+              </a:ext>
+            </a:extLst>
+          </p:cNvPr>
+          <p:cNvGraphicFramePr>
+            <a:graphicFrameLocks noGrp="1"/>
+          </p:cNvGraphicFramePr>
+          <p:nvPr>
+            <p:ph idx="1"/>
+            <p:extLst>
+              <p:ext uri="{D42A27DB-BD31-4B8C-83A1-F6EECF244321}">
+                <p14:modId xmlns:p14="http://schemas.microsoft.com/office/powerpoint/2010/main" val="3515538897"/>
+              </p:ext>
+            </p:extLst>
+          </p:nvPr>
+        </p:nvGraphicFramePr>
+        <p:xfrm>
+          <a:off x="628650" y="1236541"/>
+          <a:ext cx="7886700" cy="3263504"/>
+        </p:xfrm>
+        <a:graphic>
+          <a:graphicData uri="http://schemas.openxmlformats.org/drawingml/2006/diagram">
+            <dgm:relIds xmlns:dgm="http://schemas.openxmlformats.org/drawingml/2006/diagram" xmlns:r="http://schemas.openxmlformats.org/officeDocument/2006/relationships" r:dm="rId2" r:lo="rId3" r:qs="rId4" r:cs="rId5"/>
+          </a:graphicData>
+        </a:graphic>
+      </p:graphicFrame>
+    </p:spTree>
+    <p:extLst>
+      <p:ext uri="{BB962C8B-B14F-4D97-AF65-F5344CB8AC3E}">
+        <p14:creationId xmlns:p14="http://schemas.microsoft.com/office/powerpoint/2010/main" val="663485513"/>
+      </p:ext>
+    </p:extLst>
+  </p:cSld>
+  <p:clrMapOvr>
+    <a:masterClrMapping/>
+  </p:clrMapOvr>
+</p:sld>
+</file>
+
+<file path=ppt/slides/slide40.xml><?xml version="1.0" encoding="utf-8"?>
 <p:sld xmlns:a="http://schemas.openxmlformats.org/drawingml/2006/main" xmlns:r="http://schemas.openxmlformats.org/officeDocument/2006/relationships" xmlns:p="http://schemas.openxmlformats.org/presentationml/2006/main">
   <p:cSld>
     <p:spTree>
@@ -26946,243 +27573,7 @@
 </p:sld>
 </file>
 
-<file path=ppt/slides/slide4.xml><?xml version="1.0" encoding="utf-8"?>
-<p:sld xmlns:a="http://schemas.openxmlformats.org/drawingml/2006/main" xmlns:r="http://schemas.openxmlformats.org/officeDocument/2006/relationships" xmlns:p="http://schemas.openxmlformats.org/presentationml/2006/main">
-  <p:cSld>
-    <p:spTree>
-      <p:nvGrpSpPr>
-        <p:cNvPr id="1" name=""/>
-        <p:cNvGrpSpPr/>
-        <p:nvPr/>
-      </p:nvGrpSpPr>
-      <p:grpSpPr>
-        <a:xfrm>
-          <a:off x="0" y="0"/>
-          <a:ext cx="0" cy="0"/>
-          <a:chOff x="0" y="0"/>
-          <a:chExt cx="0" cy="0"/>
-        </a:xfrm>
-      </p:grpSpPr>
-      <p:sp>
-        <p:nvSpPr>
-          <p:cNvPr id="2" name="Title 1">
-            <a:extLst>
-              <a:ext uri="{FF2B5EF4-FFF2-40B4-BE49-F238E27FC236}">
-                <a16:creationId xmlns:a16="http://schemas.microsoft.com/office/drawing/2014/main" id="{8D5D5255-5C3A-324A-851B-0896CEF58412}"/>
-              </a:ext>
-            </a:extLst>
-          </p:cNvPr>
-          <p:cNvSpPr>
-            <a:spLocks noGrp="1"/>
-          </p:cNvSpPr>
-          <p:nvPr>
-            <p:ph type="title"/>
-          </p:nvPr>
-        </p:nvSpPr>
-        <p:spPr>
-          <a:xfrm>
-            <a:off x="628650" y="273847"/>
-            <a:ext cx="7886700" cy="994172"/>
-          </a:xfrm>
-        </p:spPr>
-        <p:txBody>
-          <a:bodyPr anchor="ctr">
-            <a:normAutofit/>
-          </a:bodyPr>
-          <a:lstStyle/>
-          <a:p>
-            <a:r>
-              <a:rPr lang="en-US" dirty="0"/>
-              <a:t>Hotel Analogy – UAF </a:t>
-            </a:r>
-          </a:p>
-        </p:txBody>
-      </p:sp>
-      <p:sp>
-        <p:nvSpPr>
-          <p:cNvPr id="3" name="Content Placeholder 2">
-            <a:extLst>
-              <a:ext uri="{FF2B5EF4-FFF2-40B4-BE49-F238E27FC236}">
-                <a16:creationId xmlns:a16="http://schemas.microsoft.com/office/drawing/2014/main" id="{75352BDB-48CE-8747-9D30-27CD1084013A}"/>
-              </a:ext>
-            </a:extLst>
-          </p:cNvPr>
-          <p:cNvSpPr>
-            <a:spLocks noGrp="1"/>
-          </p:cNvSpPr>
-          <p:nvPr>
-            <p:ph sz="half" idx="1"/>
-          </p:nvPr>
-        </p:nvSpPr>
-        <p:spPr>
-          <a:xfrm>
-            <a:off x="628649" y="1369218"/>
-            <a:ext cx="4885743" cy="3631989"/>
-          </a:xfrm>
-        </p:spPr>
-        <p:txBody>
-          <a:bodyPr>
-            <a:normAutofit fontScale="92500"/>
-          </a:bodyPr>
-          <a:lstStyle/>
-          <a:p>
-            <a:r>
-              <a:rPr lang="en-US" sz="2200" dirty="0"/>
-              <a:t>The memory is the </a:t>
-            </a:r>
-            <a:r>
-              <a:rPr lang="en-US" sz="2200" i="1" dirty="0"/>
-              <a:t>hotel</a:t>
-            </a:r>
-          </a:p>
-          <a:p>
-            <a:r>
-              <a:rPr lang="en-US" sz="2200" dirty="0"/>
-              <a:t>The memory allocator is the manager</a:t>
-            </a:r>
-          </a:p>
-          <a:p>
-            <a:r>
-              <a:rPr lang="en-US" sz="2200" dirty="0"/>
-              <a:t>A piece of</a:t>
-            </a:r>
-            <a:r>
-              <a:rPr lang="en-US" sz="2200" i="1" dirty="0"/>
-              <a:t> memory</a:t>
-            </a:r>
-            <a:r>
-              <a:rPr lang="en-US" sz="2200" dirty="0"/>
-              <a:t> is a </a:t>
-            </a:r>
-            <a:r>
-              <a:rPr lang="en-US" sz="2200" i="1" dirty="0"/>
-              <a:t>hotel</a:t>
-            </a:r>
-            <a:r>
-              <a:rPr lang="en-US" sz="2200" dirty="0"/>
-              <a:t> </a:t>
-            </a:r>
-            <a:r>
-              <a:rPr lang="en-US" sz="2200" b="1" i="1" dirty="0"/>
-              <a:t>room</a:t>
-            </a:r>
-          </a:p>
-          <a:p>
-            <a:r>
-              <a:rPr lang="en-US" sz="2200" dirty="0"/>
-              <a:t>A </a:t>
-            </a:r>
-            <a:r>
-              <a:rPr lang="en-US" sz="2200" i="1" dirty="0"/>
-              <a:t>pointer </a:t>
-            </a:r>
-            <a:r>
-              <a:rPr lang="en-US" sz="2200" dirty="0"/>
-              <a:t>is the </a:t>
-            </a:r>
-            <a:r>
-              <a:rPr lang="en-US" sz="2200" i="1" dirty="0"/>
-              <a:t>room key</a:t>
-            </a:r>
-          </a:p>
-          <a:p>
-            <a:r>
-              <a:rPr lang="en-US" sz="2200" dirty="0"/>
-              <a:t>What would happen if </a:t>
-            </a:r>
-            <a:r>
-              <a:rPr lang="en-US" sz="2200" b="1" i="1" dirty="0"/>
-              <a:t>after</a:t>
-            </a:r>
-            <a:r>
-              <a:rPr lang="en-US" sz="2200" dirty="0"/>
-              <a:t> </a:t>
-            </a:r>
-            <a:r>
-              <a:rPr lang="en-US" sz="2200" i="1" dirty="0"/>
-              <a:t>checking out</a:t>
-            </a:r>
-            <a:r>
-              <a:rPr lang="en-US" sz="2200" dirty="0"/>
-              <a:t>, you still had access to the hotel room via your key?</a:t>
-            </a:r>
-          </a:p>
-          <a:p>
-            <a:pPr lvl="1"/>
-            <a:r>
-              <a:rPr lang="en-US" sz="2200" dirty="0"/>
-              <a:t>Access to a </a:t>
-            </a:r>
-            <a:r>
-              <a:rPr lang="en-US" sz="2200" i="1" dirty="0"/>
-              <a:t>free </a:t>
-            </a:r>
-            <a:r>
-              <a:rPr lang="en-US" sz="2200" dirty="0"/>
-              <a:t>room</a:t>
-            </a:r>
-          </a:p>
-          <a:p>
-            <a:pPr lvl="1"/>
-            <a:r>
-              <a:rPr lang="en-US" sz="2200" dirty="0"/>
-              <a:t>Access to another person's room</a:t>
-            </a:r>
-          </a:p>
-        </p:txBody>
-      </p:sp>
-      <p:pic>
-        <p:nvPicPr>
-          <p:cNvPr id="2050" name="Picture 2" descr="The Most Important Hotel “Salesperson” Right Now Is Working Behind Your Front  Desk | By Doug Kennedy – Hospitality Net">
-            <a:extLst>
-              <a:ext uri="{FF2B5EF4-FFF2-40B4-BE49-F238E27FC236}">
-                <a16:creationId xmlns:a16="http://schemas.microsoft.com/office/drawing/2014/main" id="{115D6988-77ED-2D4E-8578-F62D5EC42AAF}"/>
-              </a:ext>
-            </a:extLst>
-          </p:cNvPr>
-          <p:cNvPicPr>
-            <a:picLocks noChangeAspect="1" noChangeArrowheads="1"/>
-          </p:cNvPicPr>
-          <p:nvPr/>
-        </p:nvPicPr>
-        <p:blipFill rotWithShape="1">
-          <a:blip r:embed="rId2">
-            <a:extLst>
-              <a:ext uri="{28A0092B-C50C-407E-A947-70E740481C1C}">
-                <a14:useLocalDpi xmlns:a14="http://schemas.microsoft.com/office/drawing/2010/main" val="0"/>
-              </a:ext>
-            </a:extLst>
-          </a:blip>
-          <a:srcRect l="3417" r="17339" b="-2"/>
-          <a:stretch/>
-        </p:blipFill>
-        <p:spPr bwMode="auto">
-          <a:xfrm>
-            <a:off x="5419980" y="1369219"/>
-            <a:ext cx="3580561" cy="3006838"/>
-          </a:xfrm>
-          <a:prstGeom prst="rect">
-            <a:avLst/>
-          </a:prstGeom>
-          <a:solidFill>
-            <a:srgbClr val="FFFFFF"/>
-          </a:solidFill>
-        </p:spPr>
-      </p:pic>
-    </p:spTree>
-    <p:extLst>
-      <p:ext uri="{BB962C8B-B14F-4D97-AF65-F5344CB8AC3E}">
-        <p14:creationId xmlns:p14="http://schemas.microsoft.com/office/powerpoint/2010/main" val="1070540681"/>
-      </p:ext>
-    </p:extLst>
-  </p:cSld>
-  <p:clrMapOvr>
-    <a:masterClrMapping/>
-  </p:clrMapOvr>
-</p:sld>
-</file>
-
-<file path=ppt/slides/slide40.xml><?xml version="1.0" encoding="utf-8"?>
+<file path=ppt/slides/slide41.xml><?xml version="1.0" encoding="utf-8"?>
 <p:sld xmlns:a="http://schemas.openxmlformats.org/drawingml/2006/main" xmlns:r="http://schemas.openxmlformats.org/officeDocument/2006/relationships" xmlns:p="http://schemas.openxmlformats.org/presentationml/2006/main">
   <p:cSld>
     <p:spTree>
@@ -27350,7 +27741,7 @@
 </p:sld>
 </file>
 
-<file path=ppt/slides/slide41.xml><?xml version="1.0" encoding="utf-8"?>
+<file path=ppt/slides/slide42.xml><?xml version="1.0" encoding="utf-8"?>
 <p:sld xmlns:a="http://schemas.openxmlformats.org/drawingml/2006/main" xmlns:r="http://schemas.openxmlformats.org/officeDocument/2006/relationships" xmlns:p="http://schemas.openxmlformats.org/presentationml/2006/main">
   <p:cSld>
     <p:spTree>
@@ -27512,7 +27903,7 @@
 </p:sld>
 </file>
 
-<file path=ppt/slides/slide42.xml><?xml version="1.0" encoding="utf-8"?>
+<file path=ppt/slides/slide43.xml><?xml version="1.0" encoding="utf-8"?>
 <p:sld xmlns:a="http://schemas.openxmlformats.org/drawingml/2006/main" xmlns:r="http://schemas.openxmlformats.org/officeDocument/2006/relationships" xmlns:p="http://schemas.openxmlformats.org/presentationml/2006/main">
   <p:cSld>
     <p:spTree>
@@ -27705,7 +28096,7 @@
 </p:sld>
 </file>
 
-<file path=ppt/slides/slide43.xml><?xml version="1.0" encoding="utf-8"?>
+<file path=ppt/slides/slide44.xml><?xml version="1.0" encoding="utf-8"?>
 <p:sld xmlns:a="http://schemas.openxmlformats.org/drawingml/2006/main" xmlns:r="http://schemas.openxmlformats.org/officeDocument/2006/relationships" xmlns:p="http://schemas.openxmlformats.org/presentationml/2006/main">
   <p:cSld>
     <p:spTree>
@@ -27834,8 +28225,8 @@
 </p:sld>
 </file>
 
-<file path=ppt/slides/slide44.xml><?xml version="1.0" encoding="utf-8"?>
-<p:sld xmlns:a="http://schemas.openxmlformats.org/drawingml/2006/main" xmlns:r="http://schemas.openxmlformats.org/officeDocument/2006/relationships" xmlns:p="http://schemas.openxmlformats.org/presentationml/2006/main">
+<file path=ppt/slides/slide45.xml><?xml version="1.0" encoding="utf-8"?>
+<p:sld xmlns:a="http://schemas.openxmlformats.org/drawingml/2006/main" xmlns:r="http://schemas.openxmlformats.org/officeDocument/2006/relationships" xmlns:p="http://schemas.openxmlformats.org/presentationml/2006/main" show="0">
   <p:cSld>
     <p:spTree>
       <p:nvGrpSpPr>
@@ -27930,7 +28321,7 @@
 </p:sld>
 </file>
 
-<file path=ppt/slides/slide45.xml><?xml version="1.0" encoding="utf-8"?>
+<file path=ppt/slides/slide46.xml><?xml version="1.0" encoding="utf-8"?>
 <p:sld xmlns:a="http://schemas.openxmlformats.org/drawingml/2006/main" xmlns:r="http://schemas.openxmlformats.org/officeDocument/2006/relationships" xmlns:p="http://schemas.openxmlformats.org/presentationml/2006/main">
   <p:cSld>
     <p:spTree>
@@ -28026,7 +28417,7 @@
 </p:sld>
 </file>
 
-<file path=ppt/slides/slide46.xml><?xml version="1.0" encoding="utf-8"?>
+<file path=ppt/slides/slide47.xml><?xml version="1.0" encoding="utf-8"?>
 <p:sld xmlns:a="http://schemas.openxmlformats.org/drawingml/2006/main" xmlns:r="http://schemas.openxmlformats.org/officeDocument/2006/relationships" xmlns:p="http://schemas.openxmlformats.org/presentationml/2006/main">
   <p:cSld>
     <p:spTree>
@@ -28205,6 +28596,242 @@
 </file>
 
 <file path=ppt/slides/slide5.xml><?xml version="1.0" encoding="utf-8"?>
+<p:sld xmlns:a="http://schemas.openxmlformats.org/drawingml/2006/main" xmlns:r="http://schemas.openxmlformats.org/officeDocument/2006/relationships" xmlns:p="http://schemas.openxmlformats.org/presentationml/2006/main">
+  <p:cSld>
+    <p:spTree>
+      <p:nvGrpSpPr>
+        <p:cNvPr id="1" name=""/>
+        <p:cNvGrpSpPr/>
+        <p:nvPr/>
+      </p:nvGrpSpPr>
+      <p:grpSpPr>
+        <a:xfrm>
+          <a:off x="0" y="0"/>
+          <a:ext cx="0" cy="0"/>
+          <a:chOff x="0" y="0"/>
+          <a:chExt cx="0" cy="0"/>
+        </a:xfrm>
+      </p:grpSpPr>
+      <p:sp>
+        <p:nvSpPr>
+          <p:cNvPr id="2" name="Title 1">
+            <a:extLst>
+              <a:ext uri="{FF2B5EF4-FFF2-40B4-BE49-F238E27FC236}">
+                <a16:creationId xmlns:a16="http://schemas.microsoft.com/office/drawing/2014/main" id="{8D5D5255-5C3A-324A-851B-0896CEF58412}"/>
+              </a:ext>
+            </a:extLst>
+          </p:cNvPr>
+          <p:cNvSpPr>
+            <a:spLocks noGrp="1"/>
+          </p:cNvSpPr>
+          <p:nvPr>
+            <p:ph type="title"/>
+          </p:nvPr>
+        </p:nvSpPr>
+        <p:spPr>
+          <a:xfrm>
+            <a:off x="628650" y="273847"/>
+            <a:ext cx="7886700" cy="994172"/>
+          </a:xfrm>
+        </p:spPr>
+        <p:txBody>
+          <a:bodyPr anchor="ctr">
+            <a:normAutofit/>
+          </a:bodyPr>
+          <a:lstStyle/>
+          <a:p>
+            <a:r>
+              <a:rPr lang="en-US" dirty="0"/>
+              <a:t>Hotel Analogy – UAF </a:t>
+            </a:r>
+          </a:p>
+        </p:txBody>
+      </p:sp>
+      <p:sp>
+        <p:nvSpPr>
+          <p:cNvPr id="3" name="Content Placeholder 2">
+            <a:extLst>
+              <a:ext uri="{FF2B5EF4-FFF2-40B4-BE49-F238E27FC236}">
+                <a16:creationId xmlns:a16="http://schemas.microsoft.com/office/drawing/2014/main" id="{75352BDB-48CE-8747-9D30-27CD1084013A}"/>
+              </a:ext>
+            </a:extLst>
+          </p:cNvPr>
+          <p:cNvSpPr>
+            <a:spLocks noGrp="1"/>
+          </p:cNvSpPr>
+          <p:nvPr>
+            <p:ph sz="half" idx="1"/>
+          </p:nvPr>
+        </p:nvSpPr>
+        <p:spPr>
+          <a:xfrm>
+            <a:off x="628649" y="1369218"/>
+            <a:ext cx="4885743" cy="3631989"/>
+          </a:xfrm>
+        </p:spPr>
+        <p:txBody>
+          <a:bodyPr>
+            <a:normAutofit fontScale="92500"/>
+          </a:bodyPr>
+          <a:lstStyle/>
+          <a:p>
+            <a:r>
+              <a:rPr lang="en-US" sz="2200" dirty="0"/>
+              <a:t>The memory is the </a:t>
+            </a:r>
+            <a:r>
+              <a:rPr lang="en-US" sz="2200" i="1" dirty="0"/>
+              <a:t>hotel</a:t>
+            </a:r>
+          </a:p>
+          <a:p>
+            <a:r>
+              <a:rPr lang="en-US" sz="2200" dirty="0"/>
+              <a:t>The memory allocator is the manager</a:t>
+            </a:r>
+          </a:p>
+          <a:p>
+            <a:r>
+              <a:rPr lang="en-US" sz="2200" dirty="0"/>
+              <a:t>A piece of</a:t>
+            </a:r>
+            <a:r>
+              <a:rPr lang="en-US" sz="2200" i="1" dirty="0"/>
+              <a:t> memory</a:t>
+            </a:r>
+            <a:r>
+              <a:rPr lang="en-US" sz="2200" dirty="0"/>
+              <a:t> is a </a:t>
+            </a:r>
+            <a:r>
+              <a:rPr lang="en-US" sz="2200" i="1" dirty="0"/>
+              <a:t>hotel</a:t>
+            </a:r>
+            <a:r>
+              <a:rPr lang="en-US" sz="2200" dirty="0"/>
+              <a:t> </a:t>
+            </a:r>
+            <a:r>
+              <a:rPr lang="en-US" sz="2200" b="1" i="1" dirty="0"/>
+              <a:t>room</a:t>
+            </a:r>
+          </a:p>
+          <a:p>
+            <a:r>
+              <a:rPr lang="en-US" sz="2200" dirty="0"/>
+              <a:t>A </a:t>
+            </a:r>
+            <a:r>
+              <a:rPr lang="en-US" sz="2200" i="1" dirty="0"/>
+              <a:t>pointer </a:t>
+            </a:r>
+            <a:r>
+              <a:rPr lang="en-US" sz="2200" dirty="0"/>
+              <a:t>is the </a:t>
+            </a:r>
+            <a:r>
+              <a:rPr lang="en-US" sz="2200" i="1" dirty="0"/>
+              <a:t>room key</a:t>
+            </a:r>
+          </a:p>
+          <a:p>
+            <a:r>
+              <a:rPr lang="en-US" sz="2200" dirty="0"/>
+              <a:t>What would happen if </a:t>
+            </a:r>
+            <a:r>
+              <a:rPr lang="en-US" sz="2200" b="1" i="1" dirty="0"/>
+              <a:t>after</a:t>
+            </a:r>
+            <a:r>
+              <a:rPr lang="en-US" sz="2200" dirty="0"/>
+              <a:t> </a:t>
+            </a:r>
+            <a:r>
+              <a:rPr lang="en-US" sz="2200" i="1" dirty="0"/>
+              <a:t>checking out</a:t>
+            </a:r>
+            <a:r>
+              <a:rPr lang="en-US" sz="2200" dirty="0"/>
+              <a:t>, you still had access to the hotel room via your key?</a:t>
+            </a:r>
+          </a:p>
+          <a:p>
+            <a:pPr lvl="1"/>
+            <a:r>
+              <a:rPr lang="en-US" sz="2200" dirty="0"/>
+              <a:t>Access to a </a:t>
+            </a:r>
+            <a:r>
+              <a:rPr lang="en-US" sz="2200" i="1" dirty="0"/>
+              <a:t>free </a:t>
+            </a:r>
+            <a:r>
+              <a:rPr lang="en-US" sz="2200" dirty="0"/>
+              <a:t>room</a:t>
+            </a:r>
+          </a:p>
+          <a:p>
+            <a:pPr lvl="1"/>
+            <a:r>
+              <a:rPr lang="en-US" sz="2200" dirty="0"/>
+              <a:t>Access to another person's room</a:t>
+            </a:r>
+          </a:p>
+        </p:txBody>
+      </p:sp>
+      <p:pic>
+        <p:nvPicPr>
+          <p:cNvPr id="2050" name="Picture 2" descr="The Most Important Hotel “Salesperson” Right Now Is Working Behind Your Front  Desk | By Doug Kennedy – Hospitality Net">
+            <a:extLst>
+              <a:ext uri="{FF2B5EF4-FFF2-40B4-BE49-F238E27FC236}">
+                <a16:creationId xmlns:a16="http://schemas.microsoft.com/office/drawing/2014/main" id="{115D6988-77ED-2D4E-8578-F62D5EC42AAF}"/>
+              </a:ext>
+            </a:extLst>
+          </p:cNvPr>
+          <p:cNvPicPr>
+            <a:picLocks noChangeAspect="1" noChangeArrowheads="1"/>
+          </p:cNvPicPr>
+          <p:nvPr/>
+        </p:nvPicPr>
+        <p:blipFill rotWithShape="1">
+          <a:blip r:embed="rId2">
+            <a:extLst>
+              <a:ext uri="{28A0092B-C50C-407E-A947-70E740481C1C}">
+                <a14:useLocalDpi xmlns:a14="http://schemas.microsoft.com/office/drawing/2010/main" val="0"/>
+              </a:ext>
+            </a:extLst>
+          </a:blip>
+          <a:srcRect l="3417" r="17339" b="-2"/>
+          <a:stretch/>
+        </p:blipFill>
+        <p:spPr bwMode="auto">
+          <a:xfrm>
+            <a:off x="5419980" y="1369219"/>
+            <a:ext cx="3580561" cy="3006838"/>
+          </a:xfrm>
+          <a:prstGeom prst="rect">
+            <a:avLst/>
+          </a:prstGeom>
+          <a:solidFill>
+            <a:srgbClr val="FFFFFF"/>
+          </a:solidFill>
+        </p:spPr>
+      </p:pic>
+    </p:spTree>
+    <p:extLst>
+      <p:ext uri="{BB962C8B-B14F-4D97-AF65-F5344CB8AC3E}">
+        <p14:creationId xmlns:p14="http://schemas.microsoft.com/office/powerpoint/2010/main" val="1070540681"/>
+      </p:ext>
+    </p:extLst>
+  </p:cSld>
+  <p:clrMapOvr>
+    <a:masterClrMapping/>
+  </p:clrMapOvr>
+</p:sld>
+</file>
+
+<file path=ppt/slides/slide6.xml><?xml version="1.0" encoding="utf-8"?>
 <p:sld xmlns:a="http://schemas.openxmlformats.org/drawingml/2006/main" xmlns:r="http://schemas.openxmlformats.org/officeDocument/2006/relationships" xmlns:p="http://schemas.openxmlformats.org/presentationml/2006/main">
   <p:cSld>
     <p:spTree>
@@ -28345,7 +28972,7 @@
 </p:sld>
 </file>
 
-<file path=ppt/slides/slide6.xml><?xml version="1.0" encoding="utf-8"?>
+<file path=ppt/slides/slide7.xml><?xml version="1.0" encoding="utf-8"?>
 <p:sld xmlns:a="http://schemas.openxmlformats.org/drawingml/2006/main" xmlns:r="http://schemas.openxmlformats.org/officeDocument/2006/relationships" xmlns:p="http://schemas.openxmlformats.org/presentationml/2006/main">
   <p:cSld>
     <p:spTree>
@@ -28594,7 +29221,7 @@
 </p:sld>
 </file>
 
-<file path=ppt/slides/slide7.xml><?xml version="1.0" encoding="utf-8"?>
+<file path=ppt/slides/slide8.xml><?xml version="1.0" encoding="utf-8"?>
 <p:sld xmlns:a="http://schemas.openxmlformats.org/drawingml/2006/main" xmlns:r="http://schemas.openxmlformats.org/officeDocument/2006/relationships" xmlns:p="http://schemas.openxmlformats.org/presentationml/2006/main">
   <p:cSld>
     <p:spTree>
@@ -28818,7 +29445,7 @@
 </p:sld>
 </file>
 
-<file path=ppt/slides/slide8.xml><?xml version="1.0" encoding="utf-8"?>
+<file path=ppt/slides/slide9.xml><?xml version="1.0" encoding="utf-8"?>
 <p:sld xmlns:a="http://schemas.openxmlformats.org/drawingml/2006/main" xmlns:r="http://schemas.openxmlformats.org/officeDocument/2006/relationships" xmlns:p="http://schemas.openxmlformats.org/presentationml/2006/main">
   <p:cSld>
     <p:spTree>
@@ -29190,136 +29817,6 @@
     <p:extLst>
       <p:ext uri="{BB962C8B-B14F-4D97-AF65-F5344CB8AC3E}">
         <p14:creationId xmlns:p14="http://schemas.microsoft.com/office/powerpoint/2010/main" val="1672445607"/>
-      </p:ext>
-    </p:extLst>
-  </p:cSld>
-  <p:clrMapOvr>
-    <a:masterClrMapping/>
-  </p:clrMapOvr>
-</p:sld>
-</file>
-
-<file path=ppt/slides/slide9.xml><?xml version="1.0" encoding="utf-8"?>
-<p:sld xmlns:a="http://schemas.openxmlformats.org/drawingml/2006/main" xmlns:r="http://schemas.openxmlformats.org/officeDocument/2006/relationships" xmlns:p="http://schemas.openxmlformats.org/presentationml/2006/main">
-  <p:cSld>
-    <p:spTree>
-      <p:nvGrpSpPr>
-        <p:cNvPr id="1" name=""/>
-        <p:cNvGrpSpPr/>
-        <p:nvPr/>
-      </p:nvGrpSpPr>
-      <p:grpSpPr>
-        <a:xfrm>
-          <a:off x="0" y="0"/>
-          <a:ext cx="0" cy="0"/>
-          <a:chOff x="0" y="0"/>
-          <a:chExt cx="0" cy="0"/>
-        </a:xfrm>
-      </p:grpSpPr>
-      <p:sp>
-        <p:nvSpPr>
-          <p:cNvPr id="2" name="Title 1">
-            <a:extLst>
-              <a:ext uri="{FF2B5EF4-FFF2-40B4-BE49-F238E27FC236}">
-                <a16:creationId xmlns:a16="http://schemas.microsoft.com/office/drawing/2014/main" id="{C0043344-1274-8343-96A8-8362EDE1A7C8}"/>
-              </a:ext>
-            </a:extLst>
-          </p:cNvPr>
-          <p:cNvSpPr>
-            <a:spLocks noGrp="1"/>
-          </p:cNvSpPr>
-          <p:nvPr>
-            <p:ph type="title"/>
-          </p:nvPr>
-        </p:nvSpPr>
-        <p:spPr>
-          <a:xfrm>
-            <a:off x="628650" y="273847"/>
-            <a:ext cx="7886700" cy="994172"/>
-          </a:xfrm>
-        </p:spPr>
-        <p:txBody>
-          <a:bodyPr anchor="ctr">
-            <a:normAutofit/>
-          </a:bodyPr>
-          <a:lstStyle/>
-          <a:p>
-            <a:r>
-              <a:rPr lang="en-US" dirty="0"/>
-              <a:t>Free – Delete User Code</a:t>
-            </a:r>
-          </a:p>
-        </p:txBody>
-      </p:sp>
-      <p:sp>
-        <p:nvSpPr>
-          <p:cNvPr id="12" name="Content Placeholder 3">
-            <a:extLst>
-              <a:ext uri="{FF2B5EF4-FFF2-40B4-BE49-F238E27FC236}">
-                <a16:creationId xmlns:a16="http://schemas.microsoft.com/office/drawing/2014/main" id="{A5649606-BCC9-4BF9-9D55-8703B3BC1187}"/>
-              </a:ext>
-            </a:extLst>
-          </p:cNvPr>
-          <p:cNvSpPr>
-            <a:spLocks noGrp="1"/>
-          </p:cNvSpPr>
-          <p:nvPr>
-            <p:ph sz="half" idx="2"/>
-          </p:nvPr>
-        </p:nvSpPr>
-        <p:spPr>
-          <a:xfrm>
-            <a:off x="5680128" y="1369219"/>
-            <a:ext cx="3308889" cy="3071045"/>
-          </a:xfrm>
-        </p:spPr>
-        <p:txBody>
-          <a:bodyPr/>
-          <a:lstStyle/>
-          <a:p>
-            <a:r>
-              <a:rPr lang="en-US" dirty="0"/>
-              <a:t>Free the current player</a:t>
-            </a:r>
-          </a:p>
-          <a:p>
-            <a:endParaRPr lang="en-US" dirty="0"/>
-          </a:p>
-        </p:txBody>
-      </p:sp>
-      <p:pic>
-        <p:nvPicPr>
-          <p:cNvPr id="7" name="Content Placeholder 6" descr="Free the player">
-            <a:extLst>
-              <a:ext uri="{FF2B5EF4-FFF2-40B4-BE49-F238E27FC236}">
-                <a16:creationId xmlns:a16="http://schemas.microsoft.com/office/drawing/2014/main" id="{1E1BA128-BE0A-7841-9C7C-067404CB4197}"/>
-              </a:ext>
-            </a:extLst>
-          </p:cNvPr>
-          <p:cNvPicPr>
-            <a:picLocks noGrp="1" noChangeAspect="1"/>
-          </p:cNvPicPr>
-          <p:nvPr>
-            <p:ph sz="half" idx="1"/>
-          </p:nvPr>
-        </p:nvPicPr>
-        <p:blipFill>
-          <a:blip r:embed="rId2"/>
-          <a:stretch>
-            <a:fillRect/>
-          </a:stretch>
-        </p:blipFill>
-        <p:spPr>
-          <a:xfrm>
-            <a:off x="256691" y="3547292"/>
-            <a:ext cx="7808404" cy="994172"/>
-          </a:xfrm>
-        </p:spPr>
-      </p:pic>
-    </p:spTree>
-    <p:extLst>
-      <p:ext uri="{BB962C8B-B14F-4D97-AF65-F5344CB8AC3E}">
-        <p14:creationId xmlns:p14="http://schemas.microsoft.com/office/powerpoint/2010/main" val="1736615238"/>
       </p:ext>
     </p:extLst>
   </p:cSld>
